--- a/Documents/8. 발표/2. 최종발표/최종발표.pptx
+++ b/Documents/8. 발표/2. 최종발표/최종발표.pptx
@@ -5,7 +5,7 @@
     <p:sldMasterId id="2147483648" r:id="rId1"/>
   </p:sldMasterIdLst>
   <p:notesMasterIdLst>
-    <p:notesMasterId r:id="rId28"/>
+    <p:notesMasterId r:id="rId31"/>
   </p:notesMasterIdLst>
   <p:sldIdLst>
     <p:sldId id="256" r:id="rId2"/>
@@ -23,17 +23,20 @@
     <p:sldId id="271" r:id="rId14"/>
     <p:sldId id="274" r:id="rId15"/>
     <p:sldId id="285" r:id="rId16"/>
-    <p:sldId id="275" r:id="rId17"/>
-    <p:sldId id="276" r:id="rId18"/>
-    <p:sldId id="293" r:id="rId19"/>
-    <p:sldId id="294" r:id="rId20"/>
-    <p:sldId id="295" r:id="rId21"/>
-    <p:sldId id="296" r:id="rId22"/>
-    <p:sldId id="297" r:id="rId23"/>
-    <p:sldId id="292" r:id="rId24"/>
-    <p:sldId id="298" r:id="rId25"/>
-    <p:sldId id="287" r:id="rId26"/>
-    <p:sldId id="280" r:id="rId27"/>
+    <p:sldId id="300" r:id="rId17"/>
+    <p:sldId id="301" r:id="rId18"/>
+    <p:sldId id="275" r:id="rId19"/>
+    <p:sldId id="276" r:id="rId20"/>
+    <p:sldId id="299" r:id="rId21"/>
+    <p:sldId id="293" r:id="rId22"/>
+    <p:sldId id="294" r:id="rId23"/>
+    <p:sldId id="295" r:id="rId24"/>
+    <p:sldId id="296" r:id="rId25"/>
+    <p:sldId id="297" r:id="rId26"/>
+    <p:sldId id="292" r:id="rId27"/>
+    <p:sldId id="298" r:id="rId28"/>
+    <p:sldId id="287" r:id="rId29"/>
+    <p:sldId id="280" r:id="rId30"/>
   </p:sldIdLst>
   <p:sldSz cx="18288000" cy="10287000"/>
   <p:notesSz cx="10287000" cy="18288000"/>
@@ -233,7 +236,7 @@
           <a:p>
             <a:fld id="{35217C2E-CC71-4E62-972D-8445F48ACF3D}" type="datetimeFigureOut">
               <a:rPr lang="ko-KR" altLang="en-US" smtClean="0"/>
-              <a:t>2024-02-21</a:t>
+              <a:t>2024-02-22</a:t>
             </a:fld>
             <a:endParaRPr lang="ko-KR" altLang="en-US"/>
           </a:p>
@@ -649,7 +652,7 @@
           <a:p>
             <a:fld id="{12D44CE9-00FF-4659-922A-3397EEC869B3}" type="slidenum">
               <a:rPr lang="ko-KR" altLang="en-US" smtClean="0"/>
-              <a:t>19</a:t>
+              <a:t>22</a:t>
             </a:fld>
             <a:endParaRPr lang="ko-KR" altLang="en-US"/>
           </a:p>
@@ -847,7 +850,7 @@
           <a:p>
             <a:fld id="{F8166F1F-CE9B-4651-A6AA-CD717754106B}" type="datetimeFigureOut">
               <a:rPr lang="en-US" smtClean="0"/>
-              <a:t>2/21/2024</a:t>
+              <a:t>2/22/2024</a:t>
             </a:fld>
             <a:endParaRPr lang="en-US"/>
           </a:p>
@@ -1010,7 +1013,7 @@
           <a:p>
             <a:fld id="{A76116CE-C4A3-4A05-B2D7-7C2E9A889C0F}" type="datetimeFigureOut">
               <a:rPr lang="en-US" smtClean="0"/>
-              <a:t>2/21/2024</a:t>
+              <a:t>2/22/2024</a:t>
             </a:fld>
             <a:endParaRPr lang="en-US"/>
           </a:p>
@@ -1183,7 +1186,7 @@
           <a:p>
             <a:fld id="{A76116CE-C4A3-4A05-B2D7-7C2E9A889C0F}" type="datetimeFigureOut">
               <a:rPr lang="en-US" smtClean="0"/>
-              <a:t>2/21/2024</a:t>
+              <a:t>2/22/2024</a:t>
             </a:fld>
             <a:endParaRPr lang="en-US"/>
           </a:p>
@@ -1348,7 +1351,7 @@
           <a:p>
             <a:fld id="{A76116CE-C4A3-4A05-B2D7-7C2E9A889C0F}" type="datetimeFigureOut">
               <a:rPr lang="en-US" smtClean="0"/>
-              <a:t>2/21/2024</a:t>
+              <a:t>2/22/2024</a:t>
             </a:fld>
             <a:endParaRPr lang="en-US"/>
           </a:p>
@@ -1588,7 +1591,7 @@
           <a:p>
             <a:fld id="{A76116CE-C4A3-4A05-B2D7-7C2E9A889C0F}" type="datetimeFigureOut">
               <a:rPr lang="en-US" smtClean="0"/>
-              <a:t>2/21/2024</a:t>
+              <a:t>2/22/2024</a:t>
             </a:fld>
             <a:endParaRPr lang="en-US"/>
           </a:p>
@@ -1868,7 +1871,7 @@
           <a:p>
             <a:fld id="{A76116CE-C4A3-4A05-B2D7-7C2E9A889C0F}" type="datetimeFigureOut">
               <a:rPr lang="en-US" smtClean="0"/>
-              <a:t>2/21/2024</a:t>
+              <a:t>2/22/2024</a:t>
             </a:fld>
             <a:endParaRPr lang="en-US"/>
           </a:p>
@@ -2282,7 +2285,7 @@
           <a:p>
             <a:fld id="{A76116CE-C4A3-4A05-B2D7-7C2E9A889C0F}" type="datetimeFigureOut">
               <a:rPr lang="en-US" smtClean="0"/>
-              <a:t>2/21/2024</a:t>
+              <a:t>2/22/2024</a:t>
             </a:fld>
             <a:endParaRPr lang="en-US"/>
           </a:p>
@@ -2394,7 +2397,7 @@
           <a:p>
             <a:fld id="{A76116CE-C4A3-4A05-B2D7-7C2E9A889C0F}" type="datetimeFigureOut">
               <a:rPr lang="en-US" smtClean="0"/>
-              <a:t>2/21/2024</a:t>
+              <a:t>2/22/2024</a:t>
             </a:fld>
             <a:endParaRPr lang="en-US"/>
           </a:p>
@@ -2484,7 +2487,7 @@
           <a:p>
             <a:fld id="{A76116CE-C4A3-4A05-B2D7-7C2E9A889C0F}" type="datetimeFigureOut">
               <a:rPr lang="en-US" smtClean="0"/>
-              <a:t>2/21/2024</a:t>
+              <a:t>2/22/2024</a:t>
             </a:fld>
             <a:endParaRPr lang="en-US"/>
           </a:p>
@@ -2754,7 +2757,7 @@
           <a:p>
             <a:fld id="{A76116CE-C4A3-4A05-B2D7-7C2E9A889C0F}" type="datetimeFigureOut">
               <a:rPr lang="en-US" smtClean="0"/>
-              <a:t>2/21/2024</a:t>
+              <a:t>2/22/2024</a:t>
             </a:fld>
             <a:endParaRPr lang="en-US"/>
           </a:p>
@@ -3001,7 +3004,7 @@
           <a:p>
             <a:fld id="{A76116CE-C4A3-4A05-B2D7-7C2E9A889C0F}" type="datetimeFigureOut">
               <a:rPr lang="en-US" smtClean="0"/>
-              <a:t>2/21/2024</a:t>
+              <a:t>2/22/2024</a:t>
             </a:fld>
             <a:endParaRPr lang="en-US"/>
           </a:p>
@@ -3207,7 +3210,7 @@
           <a:p>
             <a:fld id="{F8166F1F-CE9B-4651-A6AA-CD717754106B}" type="datetimeFigureOut">
               <a:rPr lang="en-US" smtClean="0"/>
-              <a:t>2/21/2024</a:t>
+              <a:t>2/22/2024</a:t>
             </a:fld>
             <a:endParaRPr lang="en-US"/>
           </a:p>
@@ -3752,32 +3755,8 @@
         </p:blipFill>
         <p:spPr>
           <a:xfrm>
-            <a:off x="4177629" y="6950972"/>
+            <a:off x="4223068" y="6025925"/>
             <a:ext cx="6444932" cy="946375"/>
-          </a:xfrm>
-          <a:prstGeom prst="rect">
-            <a:avLst/>
-          </a:prstGeom>
-        </p:spPr>
-      </p:pic>
-      <p:pic>
-        <p:nvPicPr>
-          <p:cNvPr id="3" name="Object 2"/>
-          <p:cNvPicPr>
-            <a:picLocks noChangeAspect="1"/>
-          </p:cNvPicPr>
-          <p:nvPr/>
-        </p:nvPicPr>
-        <p:blipFill>
-          <a:blip r:embed="rId3" cstate="print"/>
-          <a:stretch>
-            <a:fillRect/>
-          </a:stretch>
-        </p:blipFill>
-        <p:spPr>
-          <a:xfrm>
-            <a:off x="1427058" y="4704745"/>
-            <a:ext cx="14290750" cy="2048798"/>
           </a:xfrm>
           <a:prstGeom prst="rect">
             <a:avLst/>
@@ -3807,7 +3786,7 @@
             <p:nvPr/>
           </p:nvPicPr>
           <p:blipFill>
-            <a:blip r:embed="rId4" cstate="print"/>
+            <a:blip r:embed="rId3" cstate="print"/>
             <a:stretch>
               <a:fillRect/>
             </a:stretch>
@@ -3832,15 +3811,45 @@
           <p:nvPr/>
         </p:nvPicPr>
         <p:blipFill>
+          <a:blip r:embed="rId4" cstate="print"/>
+          <a:stretch>
+            <a:fillRect/>
+          </a:stretch>
+        </p:blipFill>
+        <p:spPr>
+          <a:xfrm rot="660000">
+            <a:off x="8033101" y="3149893"/>
+            <a:ext cx="1981225" cy="685429"/>
+          </a:xfrm>
+          <a:prstGeom prst="rect">
+            <a:avLst/>
+          </a:prstGeom>
+        </p:spPr>
+      </p:pic>
+      <p:pic>
+        <p:nvPicPr>
+          <p:cNvPr id="9" name="Object 2">
+            <a:extLst>
+              <a:ext uri="{FF2B5EF4-FFF2-40B4-BE49-F238E27FC236}">
+                <a16:creationId xmlns:a16="http://schemas.microsoft.com/office/drawing/2014/main" id="{E73C587F-182F-46E6-A705-F2F54A2ADC51}"/>
+              </a:ext>
+            </a:extLst>
+          </p:cNvPr>
+          <p:cNvPicPr>
+            <a:picLocks noChangeAspect="1"/>
+          </p:cNvPicPr>
+          <p:nvPr/>
+        </p:nvPicPr>
+        <p:blipFill>
           <a:blip r:embed="rId5" cstate="print"/>
           <a:stretch>
             <a:fillRect/>
           </a:stretch>
         </p:blipFill>
         <p:spPr>
-          <a:xfrm rot="660000">
-            <a:off x="8033101" y="3149893"/>
-            <a:ext cx="1981225" cy="685429"/>
+          <a:xfrm>
+            <a:off x="1427058" y="4000500"/>
+            <a:ext cx="14290750" cy="2048798"/>
           </a:xfrm>
           <a:prstGeom prst="rect">
             <a:avLst/>
@@ -5765,7 +5774,7 @@
         </p:blipFill>
         <p:spPr>
           <a:xfrm rot="5400000">
-            <a:off x="1671864" y="347437"/>
+            <a:off x="1671864" y="1261836"/>
             <a:ext cx="5952669" cy="8686798"/>
           </a:xfrm>
           <a:prstGeom prst="rect">
@@ -5773,100 +5782,6 @@
           </a:prstGeom>
         </p:spPr>
       </p:pic>
-      <p:sp>
-        <p:nvSpPr>
-          <p:cNvPr id="24" name="TextBox 23">
-            <a:extLst>
-              <a:ext uri="{FF2B5EF4-FFF2-40B4-BE49-F238E27FC236}">
-                <a16:creationId xmlns:a16="http://schemas.microsoft.com/office/drawing/2014/main" id="{0E71FBD2-9CDF-47AD-8B06-D41CEDE13063}"/>
-              </a:ext>
-            </a:extLst>
-          </p:cNvPr>
-          <p:cNvSpPr txBox="1"/>
-          <p:nvPr/>
-        </p:nvSpPr>
-        <p:spPr>
-          <a:xfrm>
-            <a:off x="304800" y="7902595"/>
-            <a:ext cx="8839200" cy="1508105"/>
-          </a:xfrm>
-          <a:prstGeom prst="rect">
-            <a:avLst/>
-          </a:prstGeom>
-          <a:noFill/>
-        </p:spPr>
-        <p:txBody>
-          <a:bodyPr wrap="square" lIns="91440" tIns="45720" rIns="91440" bIns="45720" rtlCol="0" anchor="t">
-            <a:spAutoFit/>
-          </a:bodyPr>
-          <a:lstStyle>
-            <a:defPPr>
-              <a:defRPr lang="en-US"/>
-            </a:defPPr>
-            <a:lvl1pPr>
-              <a:defRPr sz="2400" b="1">
-                <a:solidFill>
-                  <a:srgbClr val="3DC2F2"/>
-                </a:solidFill>
-                <a:latin typeface="나눔고딕" pitchFamily="2" charset="-127"/>
-                <a:ea typeface="나눔고딕" pitchFamily="2" charset="-127"/>
-              </a:defRPr>
-            </a:lvl1pPr>
-          </a:lstStyle>
-          <a:p>
-            <a:r>
-              <a:rPr lang="en-US" altLang="ko-KR"/>
-              <a:t>UML(unified modeling language)</a:t>
-            </a:r>
-          </a:p>
-          <a:p>
-            <a:endParaRPr lang="en-US" altLang="ko-KR"/>
-          </a:p>
-          <a:p>
-            <a:r>
-              <a:rPr lang="ko-KR" altLang="en-US" sz="1800" b="0"/>
-              <a:t>객체지향 소프트웨어 개발 과정에서 시스템 분석</a:t>
-            </a:r>
-            <a:r>
-              <a:rPr lang="en-US" altLang="ko-KR" sz="1800" b="0"/>
-              <a:t>, </a:t>
-            </a:r>
-            <a:r>
-              <a:rPr lang="ko-KR" altLang="en-US" sz="1800" b="0"/>
-              <a:t>설계</a:t>
-            </a:r>
-            <a:r>
-              <a:rPr lang="en-US" altLang="ko-KR" sz="1800" b="0"/>
-              <a:t>, </a:t>
-            </a:r>
-            <a:r>
-              <a:rPr lang="ko-KR" altLang="en-US" sz="1800" b="0"/>
-              <a:t>구현 등의 산출물을 명세화</a:t>
-            </a:r>
-            <a:r>
-              <a:rPr lang="en-US" altLang="ko-KR" sz="1800" b="0"/>
-              <a:t>, </a:t>
-            </a:r>
-            <a:r>
-              <a:rPr lang="ko-KR" altLang="en-US" sz="1800" b="0"/>
-              <a:t>시각화</a:t>
-            </a:r>
-            <a:r>
-              <a:rPr lang="en-US" altLang="ko-KR" sz="1800" b="0"/>
-              <a:t>,</a:t>
-            </a:r>
-          </a:p>
-          <a:p>
-            <a:endParaRPr lang="en-US" altLang="ko-KR" sz="800" b="0"/>
-          </a:p>
-          <a:p>
-            <a:r>
-              <a:rPr lang="ko-KR" altLang="en-US" sz="1800" b="0"/>
-              <a:t>문서화할 때 사용되는 모델링 기술과 방법론을 통합하여 만든 범용 모델링 언어다</a:t>
-            </a:r>
-          </a:p>
-        </p:txBody>
-      </p:sp>
       <p:pic>
         <p:nvPicPr>
           <p:cNvPr id="25" name="그림 24">
@@ -5889,7 +5804,7 @@
         </p:blipFill>
         <p:spPr>
           <a:xfrm>
-            <a:off x="520352" y="2171700"/>
+            <a:off x="520352" y="3002944"/>
             <a:ext cx="8170623" cy="5188556"/>
           </a:xfrm>
           <a:prstGeom prst="rect">
@@ -5987,6 +5902,105 @@
               </a:rPr>
               <a:t>프로그램설계</a:t>
             </a:r>
+          </a:p>
+        </p:txBody>
+      </p:sp>
+      <p:grpSp>
+        <p:nvGrpSpPr>
+          <p:cNvPr id="11" name="그룹 1005">
+            <a:extLst>
+              <a:ext uri="{FF2B5EF4-FFF2-40B4-BE49-F238E27FC236}">
+                <a16:creationId xmlns:a16="http://schemas.microsoft.com/office/drawing/2014/main" id="{D6A7B08C-A14A-4540-A267-E6EFF41A5D5E}"/>
+              </a:ext>
+            </a:extLst>
+          </p:cNvPr>
+          <p:cNvGrpSpPr/>
+          <p:nvPr/>
+        </p:nvGrpSpPr>
+        <p:grpSpPr>
+          <a:xfrm rot="238697">
+            <a:off x="324951" y="1851980"/>
+            <a:ext cx="1737274" cy="641227"/>
+            <a:chOff x="3435302" y="4797529"/>
+            <a:chExt cx="1737274" cy="641227"/>
+          </a:xfrm>
+        </p:grpSpPr>
+        <p:pic>
+          <p:nvPicPr>
+            <p:cNvPr id="12" name="Object 14">
+              <a:extLst>
+                <a:ext uri="{FF2B5EF4-FFF2-40B4-BE49-F238E27FC236}">
+                  <a16:creationId xmlns:a16="http://schemas.microsoft.com/office/drawing/2014/main" id="{7A670B0F-EA38-44A8-8CCA-E6B0716DE204}"/>
+                </a:ext>
+              </a:extLst>
+            </p:cNvPr>
+            <p:cNvPicPr>
+              <a:picLocks noChangeAspect="1"/>
+            </p:cNvPicPr>
+            <p:nvPr/>
+          </p:nvPicPr>
+          <p:blipFill>
+            <a:blip r:embed="rId7" cstate="print"/>
+            <a:stretch>
+              <a:fillRect/>
+            </a:stretch>
+          </p:blipFill>
+          <p:spPr>
+            <a:xfrm rot="-240000">
+              <a:off x="3435302" y="4797529"/>
+              <a:ext cx="1737274" cy="641227"/>
+            </a:xfrm>
+            <a:prstGeom prst="rect">
+              <a:avLst/>
+            </a:prstGeom>
+          </p:spPr>
+        </p:pic>
+      </p:grpSp>
+      <p:sp>
+        <p:nvSpPr>
+          <p:cNvPr id="13" name="TextBox 12">
+            <a:extLst>
+              <a:ext uri="{FF2B5EF4-FFF2-40B4-BE49-F238E27FC236}">
+                <a16:creationId xmlns:a16="http://schemas.microsoft.com/office/drawing/2014/main" id="{B7CE3C6A-F91A-41D8-9C59-3005453A9D82}"/>
+              </a:ext>
+            </a:extLst>
+          </p:cNvPr>
+          <p:cNvSpPr txBox="1"/>
+          <p:nvPr/>
+        </p:nvSpPr>
+        <p:spPr>
+          <a:xfrm>
+            <a:off x="763532" y="1933694"/>
+            <a:ext cx="856325" cy="461665"/>
+          </a:xfrm>
+          <a:prstGeom prst="rect">
+            <a:avLst/>
+          </a:prstGeom>
+          <a:noFill/>
+        </p:spPr>
+        <p:txBody>
+          <a:bodyPr wrap="none" lIns="91440" tIns="45720" rIns="91440" bIns="45720" rtlCol="0" anchor="t">
+            <a:spAutoFit/>
+          </a:bodyPr>
+          <a:lstStyle/>
+          <a:p>
+            <a:r>
+              <a:rPr lang="en-US" altLang="ko-KR" sz="2400">
+                <a:solidFill>
+                  <a:srgbClr val="3DC2F2"/>
+                </a:solidFill>
+                <a:latin typeface="나눔고딕" pitchFamily="2" charset="-127"/>
+                <a:ea typeface="나눔고딕" pitchFamily="2" charset="-127"/>
+              </a:rPr>
+              <a:t>UML</a:t>
+            </a:r>
+            <a:endParaRPr lang="ko-KR" altLang="en-US" sz="2400">
+              <a:solidFill>
+                <a:srgbClr val="3DC2F2"/>
+              </a:solidFill>
+              <a:latin typeface="나눔고딕" pitchFamily="2" charset="-127"/>
+              <a:ea typeface="나눔고딕" pitchFamily="2" charset="-127"/>
+            </a:endParaRPr>
           </a:p>
         </p:txBody>
       </p:sp>
@@ -6200,10 +6214,10 @@
       </p:pic>
       <p:sp>
         <p:nvSpPr>
-          <p:cNvPr id="13" name="TextBox 12">
-            <a:extLst>
-              <a:ext uri="{FF2B5EF4-FFF2-40B4-BE49-F238E27FC236}">
-                <a16:creationId xmlns:a16="http://schemas.microsoft.com/office/drawing/2014/main" id="{0CA0C2E2-977A-4C21-B193-1367C779A9D6}"/>
+          <p:cNvPr id="10" name="TextBox 9">
+            <a:extLst>
+              <a:ext uri="{FF2B5EF4-FFF2-40B4-BE49-F238E27FC236}">
+                <a16:creationId xmlns:a16="http://schemas.microsoft.com/office/drawing/2014/main" id="{139EA913-BB0E-4FD5-A36C-CC1E70EBAEF2}"/>
               </a:ext>
             </a:extLst>
           </p:cNvPr>
@@ -6213,7 +6227,7 @@
         <p:spPr>
           <a:xfrm>
             <a:off x="1013010" y="114300"/>
-            <a:ext cx="2231701" cy="1692771"/>
+            <a:ext cx="1915909" cy="1569660"/>
           </a:xfrm>
           <a:prstGeom prst="rect">
             <a:avLst/>
@@ -6244,29 +6258,111 @@
                 <a:latin typeface="나눔고딕" pitchFamily="2" charset="-127"/>
                 <a:ea typeface="나눔고딕" pitchFamily="2" charset="-127"/>
               </a:rPr>
-              <a:t>07</a:t>
-            </a:r>
-          </a:p>
-          <a:p>
-            <a:r>
-              <a:rPr lang="en-US" altLang="ko-KR" sz="3200" b="1">
+              <a:t>06</a:t>
+            </a:r>
+          </a:p>
+          <a:p>
+            <a:r>
+              <a:rPr lang="ko-KR" altLang="en-US" sz="2400" b="1">
                 <a:solidFill>
                   <a:srgbClr val="3DC2F2"/>
                 </a:solidFill>
                 <a:latin typeface="나눔고딕" pitchFamily="2" charset="-127"/>
                 <a:ea typeface="나눔고딕" pitchFamily="2" charset="-127"/>
               </a:rPr>
-              <a:t> </a:t>
-            </a:r>
-            <a:r>
-              <a:rPr lang="ko-KR" altLang="en-US" sz="3200" b="1">
+              <a:t>프로그램설계</a:t>
+            </a:r>
+          </a:p>
+        </p:txBody>
+      </p:sp>
+      <p:grpSp>
+        <p:nvGrpSpPr>
+          <p:cNvPr id="11" name="그룹 1005">
+            <a:extLst>
+              <a:ext uri="{FF2B5EF4-FFF2-40B4-BE49-F238E27FC236}">
+                <a16:creationId xmlns:a16="http://schemas.microsoft.com/office/drawing/2014/main" id="{92EC1293-E9A9-47A7-A75E-CC5940F8415D}"/>
+              </a:ext>
+            </a:extLst>
+          </p:cNvPr>
+          <p:cNvGrpSpPr/>
+          <p:nvPr/>
+        </p:nvGrpSpPr>
+        <p:grpSpPr>
+          <a:xfrm rot="238697">
+            <a:off x="324769" y="2007849"/>
+            <a:ext cx="1888811" cy="641227"/>
+            <a:chOff x="3435302" y="4797529"/>
+            <a:chExt cx="1737274" cy="641227"/>
+          </a:xfrm>
+        </p:grpSpPr>
+        <p:pic>
+          <p:nvPicPr>
+            <p:cNvPr id="12" name="Object 14">
+              <a:extLst>
+                <a:ext uri="{FF2B5EF4-FFF2-40B4-BE49-F238E27FC236}">
+                  <a16:creationId xmlns:a16="http://schemas.microsoft.com/office/drawing/2014/main" id="{B90BC861-1D32-4167-AB60-FA46DF76B3F6}"/>
+                </a:ext>
+              </a:extLst>
+            </p:cNvPr>
+            <p:cNvPicPr>
+              <a:picLocks noChangeAspect="1"/>
+            </p:cNvPicPr>
+            <p:nvPr/>
+          </p:nvPicPr>
+          <p:blipFill>
+            <a:blip r:embed="rId7" cstate="print"/>
+            <a:stretch>
+              <a:fillRect/>
+            </a:stretch>
+          </p:blipFill>
+          <p:spPr>
+            <a:xfrm rot="-240000">
+              <a:off x="3435302" y="4797529"/>
+              <a:ext cx="1737274" cy="641227"/>
+            </a:xfrm>
+            <a:prstGeom prst="rect">
+              <a:avLst/>
+            </a:prstGeom>
+          </p:spPr>
+        </p:pic>
+      </p:grpSp>
+      <p:sp>
+        <p:nvSpPr>
+          <p:cNvPr id="14" name="TextBox 13">
+            <a:extLst>
+              <a:ext uri="{FF2B5EF4-FFF2-40B4-BE49-F238E27FC236}">
+                <a16:creationId xmlns:a16="http://schemas.microsoft.com/office/drawing/2014/main" id="{344EF5C1-591A-4BF7-BA0C-32BF24B9CCBA}"/>
+              </a:ext>
+            </a:extLst>
+          </p:cNvPr>
+          <p:cNvSpPr txBox="1"/>
+          <p:nvPr/>
+        </p:nvSpPr>
+        <p:spPr>
+          <a:xfrm>
+            <a:off x="421202" y="2084307"/>
+            <a:ext cx="1713931" cy="461665"/>
+          </a:xfrm>
+          <a:prstGeom prst="rect">
+            <a:avLst/>
+          </a:prstGeom>
+          <a:noFill/>
+        </p:spPr>
+        <p:txBody>
+          <a:bodyPr wrap="none" lIns="91440" tIns="45720" rIns="91440" bIns="45720" rtlCol="0" anchor="t">
+            <a:spAutoFit/>
+          </a:bodyPr>
+          <a:lstStyle/>
+          <a:p>
+            <a:r>
+              <a:rPr lang="ko-KR" altLang="en-US" sz="2400">
                 <a:solidFill>
                   <a:srgbClr val="3DC2F2"/>
                 </a:solidFill>
                 <a:latin typeface="나눔고딕" pitchFamily="2" charset="-127"/>
                 <a:ea typeface="나눔고딕" pitchFamily="2" charset="-127"/>
               </a:rPr>
-              <a:t>화면설계서</a:t>
+              <a:t>화면 설계서</a:t>
             </a:r>
           </a:p>
         </p:txBody>
@@ -6285,6 +6381,3042 @@
 </file>
 
 <file path=ppt/slides/slide16.xml><?xml version="1.0" encoding="utf-8"?>
+<p:sld xmlns:a="http://schemas.openxmlformats.org/drawingml/2006/main" xmlns:r="http://schemas.openxmlformats.org/officeDocument/2006/relationships" xmlns:p="http://schemas.openxmlformats.org/presentationml/2006/main">
+  <p:cSld>
+    <p:spTree>
+      <p:nvGrpSpPr>
+        <p:cNvPr id="1" name=""/>
+        <p:cNvGrpSpPr/>
+        <p:nvPr/>
+      </p:nvGrpSpPr>
+      <p:grpSpPr>
+        <a:xfrm>
+          <a:off x="0" y="0"/>
+          <a:ext cx="0" cy="0"/>
+          <a:chOff x="0" y="0"/>
+          <a:chExt cx="0" cy="0"/>
+        </a:xfrm>
+      </p:grpSpPr>
+      <p:pic>
+        <p:nvPicPr>
+          <p:cNvPr id="216" name="Object 2">
+            <a:extLst>
+              <a:ext uri="{FF2B5EF4-FFF2-40B4-BE49-F238E27FC236}">
+                <a16:creationId xmlns:a16="http://schemas.microsoft.com/office/drawing/2014/main" id="{C73D1397-8D0C-426B-9528-388C37BA9061}"/>
+              </a:ext>
+            </a:extLst>
+          </p:cNvPr>
+          <p:cNvPicPr>
+            <a:picLocks noChangeAspect="1"/>
+          </p:cNvPicPr>
+          <p:nvPr/>
+        </p:nvPicPr>
+        <p:blipFill>
+          <a:blip r:embed="rId2" cstate="print"/>
+          <a:stretch>
+            <a:fillRect/>
+          </a:stretch>
+        </p:blipFill>
+        <p:spPr>
+          <a:xfrm rot="5400000">
+            <a:off x="5129978" y="-2959421"/>
+            <a:ext cx="8025758" cy="17526000"/>
+          </a:xfrm>
+          <a:prstGeom prst="rect">
+            <a:avLst/>
+          </a:prstGeom>
+          <a:ln>
+            <a:tailEnd type="triangle"/>
+          </a:ln>
+        </p:spPr>
+        <p:style>
+          <a:lnRef idx="2">
+            <a:schemeClr val="accent5"/>
+          </a:lnRef>
+          <a:fillRef idx="1">
+            <a:schemeClr val="lt1"/>
+          </a:fillRef>
+          <a:effectRef idx="0">
+            <a:schemeClr val="accent5"/>
+          </a:effectRef>
+          <a:fontRef idx="minor">
+            <a:schemeClr val="dk1"/>
+          </a:fontRef>
+        </p:style>
+      </p:pic>
+      <p:grpSp>
+        <p:nvGrpSpPr>
+          <p:cNvPr id="1001" name="그룹 1001"/>
+          <p:cNvGrpSpPr/>
+          <p:nvPr/>
+        </p:nvGrpSpPr>
+        <p:grpSpPr>
+          <a:xfrm>
+            <a:off x="-533333" y="1156587"/>
+            <a:ext cx="19352381" cy="47085"/>
+            <a:chOff x="-533333" y="1156587"/>
+            <a:chExt cx="19352381" cy="47085"/>
+          </a:xfrm>
+        </p:grpSpPr>
+        <p:pic>
+          <p:nvPicPr>
+            <p:cNvPr id="3" name="Object 2"/>
+            <p:cNvPicPr>
+              <a:picLocks noChangeAspect="1"/>
+            </p:cNvPicPr>
+            <p:nvPr/>
+          </p:nvPicPr>
+          <p:blipFill>
+            <a:blip r:embed="rId3" cstate="print"/>
+            <a:stretch>
+              <a:fillRect/>
+            </a:stretch>
+          </p:blipFill>
+          <p:spPr>
+            <a:xfrm>
+              <a:off x="-533333" y="1156587"/>
+              <a:ext cx="19352381" cy="47085"/>
+            </a:xfrm>
+            <a:prstGeom prst="rect">
+              <a:avLst/>
+            </a:prstGeom>
+          </p:spPr>
+        </p:pic>
+      </p:grpSp>
+      <p:pic>
+        <p:nvPicPr>
+          <p:cNvPr id="5" name="Object 4"/>
+          <p:cNvPicPr>
+            <a:picLocks noChangeAspect="1"/>
+          </p:cNvPicPr>
+          <p:nvPr/>
+        </p:nvPicPr>
+        <p:blipFill>
+          <a:blip r:embed="rId4" cstate="print"/>
+          <a:stretch>
+            <a:fillRect/>
+          </a:stretch>
+        </p:blipFill>
+        <p:spPr>
+          <a:xfrm>
+            <a:off x="6278096" y="512133"/>
+            <a:ext cx="4020466" cy="630842"/>
+          </a:xfrm>
+          <a:prstGeom prst="rect">
+            <a:avLst/>
+          </a:prstGeom>
+        </p:spPr>
+      </p:pic>
+      <p:sp>
+        <p:nvSpPr>
+          <p:cNvPr id="10" name="TextBox 9">
+            <a:extLst>
+              <a:ext uri="{FF2B5EF4-FFF2-40B4-BE49-F238E27FC236}">
+                <a16:creationId xmlns:a16="http://schemas.microsoft.com/office/drawing/2014/main" id="{139EA913-BB0E-4FD5-A36C-CC1E70EBAEF2}"/>
+              </a:ext>
+            </a:extLst>
+          </p:cNvPr>
+          <p:cNvSpPr txBox="1"/>
+          <p:nvPr/>
+        </p:nvSpPr>
+        <p:spPr>
+          <a:xfrm>
+            <a:off x="1013010" y="114300"/>
+            <a:ext cx="1915909" cy="1569660"/>
+          </a:xfrm>
+          <a:prstGeom prst="rect">
+            <a:avLst/>
+          </a:prstGeom>
+          <a:noFill/>
+        </p:spPr>
+        <p:txBody>
+          <a:bodyPr wrap="none" lIns="91440" tIns="45720" rIns="91440" bIns="45720" rtlCol="0" anchor="t">
+            <a:spAutoFit/>
+          </a:bodyPr>
+          <a:lstStyle/>
+          <a:p>
+            <a:r>
+              <a:rPr lang="en-US" altLang="ko-KR" sz="4800" b="1">
+                <a:solidFill>
+                  <a:srgbClr val="0070C0"/>
+                </a:solidFill>
+                <a:latin typeface="나눔고딕" pitchFamily="2" charset="-127"/>
+                <a:ea typeface="나눔고딕" pitchFamily="2" charset="-127"/>
+              </a:rPr>
+              <a:t>  </a:t>
+            </a:r>
+            <a:r>
+              <a:rPr lang="en-US" altLang="ko-KR" sz="7200" b="1">
+                <a:solidFill>
+                  <a:srgbClr val="0070C0"/>
+                </a:solidFill>
+                <a:latin typeface="나눔고딕" pitchFamily="2" charset="-127"/>
+                <a:ea typeface="나눔고딕" pitchFamily="2" charset="-127"/>
+              </a:rPr>
+              <a:t>06</a:t>
+            </a:r>
+          </a:p>
+          <a:p>
+            <a:r>
+              <a:rPr lang="ko-KR" altLang="en-US" sz="2400" b="1">
+                <a:solidFill>
+                  <a:srgbClr val="3DC2F2"/>
+                </a:solidFill>
+                <a:latin typeface="나눔고딕" pitchFamily="2" charset="-127"/>
+                <a:ea typeface="나눔고딕" pitchFamily="2" charset="-127"/>
+              </a:rPr>
+              <a:t>프로그램설계</a:t>
+            </a:r>
+          </a:p>
+        </p:txBody>
+      </p:sp>
+      <p:sp>
+        <p:nvSpPr>
+          <p:cNvPr id="105" name="직사각형 104">
+            <a:extLst>
+              <a:ext uri="{FF2B5EF4-FFF2-40B4-BE49-F238E27FC236}">
+                <a16:creationId xmlns:a16="http://schemas.microsoft.com/office/drawing/2014/main" id="{477C8391-D775-4BAA-8FA4-1DF8EAEC8B42}"/>
+              </a:ext>
+            </a:extLst>
+          </p:cNvPr>
+          <p:cNvSpPr/>
+          <p:nvPr/>
+        </p:nvSpPr>
+        <p:spPr>
+          <a:xfrm>
+            <a:off x="5295862" y="2123485"/>
+            <a:ext cx="1600200" cy="505415"/>
+          </a:xfrm>
+          <a:prstGeom prst="rect">
+            <a:avLst/>
+          </a:prstGeom>
+          <a:solidFill>
+            <a:schemeClr val="tx1">
+              <a:lumMod val="95000"/>
+              <a:lumOff val="5000"/>
+            </a:schemeClr>
+          </a:solidFill>
+          <a:ln>
+            <a:solidFill>
+              <a:srgbClr val="002060"/>
+            </a:solidFill>
+          </a:ln>
+        </p:spPr>
+        <p:style>
+          <a:lnRef idx="2">
+            <a:schemeClr val="accent1">
+              <a:shade val="50000"/>
+            </a:schemeClr>
+          </a:lnRef>
+          <a:fillRef idx="1">
+            <a:schemeClr val="accent1"/>
+          </a:fillRef>
+          <a:effectRef idx="0">
+            <a:schemeClr val="accent1"/>
+          </a:effectRef>
+          <a:fontRef idx="minor">
+            <a:schemeClr val="lt1"/>
+          </a:fontRef>
+        </p:style>
+        <p:txBody>
+          <a:bodyPr rtlCol="0" anchor="ctr"/>
+          <a:lstStyle/>
+          <a:p>
+            <a:pPr algn="ctr"/>
+            <a:r>
+              <a:rPr lang="ko-KR" altLang="en-US" sz="1400" dirty="0">
+                <a:solidFill>
+                  <a:schemeClr val="bg1"/>
+                </a:solidFill>
+              </a:rPr>
+              <a:t>회원가입</a:t>
+            </a:r>
+            <a:endParaRPr lang="en-US" altLang="ko-KR" sz="1400" dirty="0">
+              <a:solidFill>
+                <a:schemeClr val="bg1"/>
+              </a:solidFill>
+            </a:endParaRPr>
+          </a:p>
+        </p:txBody>
+      </p:sp>
+      <p:sp>
+        <p:nvSpPr>
+          <p:cNvPr id="106" name="직사각형 105">
+            <a:extLst>
+              <a:ext uri="{FF2B5EF4-FFF2-40B4-BE49-F238E27FC236}">
+                <a16:creationId xmlns:a16="http://schemas.microsoft.com/office/drawing/2014/main" id="{99BF2C64-8BE8-44C5-85E6-CE2BBF09FCCD}"/>
+              </a:ext>
+            </a:extLst>
+          </p:cNvPr>
+          <p:cNvSpPr/>
+          <p:nvPr/>
+        </p:nvSpPr>
+        <p:spPr>
+          <a:xfrm>
+            <a:off x="7886700" y="2123485"/>
+            <a:ext cx="1600200" cy="505415"/>
+          </a:xfrm>
+          <a:prstGeom prst="rect">
+            <a:avLst/>
+          </a:prstGeom>
+          <a:solidFill>
+            <a:schemeClr val="tx1">
+              <a:lumMod val="95000"/>
+              <a:lumOff val="5000"/>
+            </a:schemeClr>
+          </a:solidFill>
+          <a:ln>
+            <a:solidFill>
+              <a:srgbClr val="002060"/>
+            </a:solidFill>
+          </a:ln>
+        </p:spPr>
+        <p:style>
+          <a:lnRef idx="2">
+            <a:schemeClr val="accent1">
+              <a:shade val="50000"/>
+            </a:schemeClr>
+          </a:lnRef>
+          <a:fillRef idx="1">
+            <a:schemeClr val="accent1"/>
+          </a:fillRef>
+          <a:effectRef idx="0">
+            <a:schemeClr val="accent1"/>
+          </a:effectRef>
+          <a:fontRef idx="minor">
+            <a:schemeClr val="lt1"/>
+          </a:fontRef>
+        </p:style>
+        <p:txBody>
+          <a:bodyPr rtlCol="0" anchor="ctr"/>
+          <a:lstStyle/>
+          <a:p>
+            <a:pPr algn="ctr"/>
+            <a:r>
+              <a:rPr lang="ko-KR" altLang="en-US" sz="1400" dirty="0">
+                <a:solidFill>
+                  <a:schemeClr val="bg1"/>
+                </a:solidFill>
+              </a:rPr>
+              <a:t>로그인</a:t>
+            </a:r>
+            <a:endParaRPr lang="en-US" altLang="ko-KR" sz="1400" dirty="0">
+              <a:solidFill>
+                <a:schemeClr val="bg1"/>
+              </a:solidFill>
+            </a:endParaRPr>
+          </a:p>
+        </p:txBody>
+      </p:sp>
+      <p:sp>
+        <p:nvSpPr>
+          <p:cNvPr id="108" name="직사각형 107">
+            <a:extLst>
+              <a:ext uri="{FF2B5EF4-FFF2-40B4-BE49-F238E27FC236}">
+                <a16:creationId xmlns:a16="http://schemas.microsoft.com/office/drawing/2014/main" id="{C98FAD12-737E-4822-BF12-FD591982093F}"/>
+              </a:ext>
+            </a:extLst>
+          </p:cNvPr>
+          <p:cNvSpPr/>
+          <p:nvPr/>
+        </p:nvSpPr>
+        <p:spPr>
+          <a:xfrm>
+            <a:off x="1371600" y="3235746"/>
+            <a:ext cx="1600200" cy="505415"/>
+          </a:xfrm>
+          <a:prstGeom prst="rect">
+            <a:avLst/>
+          </a:prstGeom>
+          <a:solidFill>
+            <a:schemeClr val="tx1">
+              <a:lumMod val="95000"/>
+              <a:lumOff val="5000"/>
+            </a:schemeClr>
+          </a:solidFill>
+          <a:ln>
+            <a:solidFill>
+              <a:srgbClr val="002060"/>
+            </a:solidFill>
+          </a:ln>
+        </p:spPr>
+        <p:style>
+          <a:lnRef idx="2">
+            <a:schemeClr val="accent1">
+              <a:shade val="50000"/>
+            </a:schemeClr>
+          </a:lnRef>
+          <a:fillRef idx="1">
+            <a:schemeClr val="accent1"/>
+          </a:fillRef>
+          <a:effectRef idx="0">
+            <a:schemeClr val="accent1"/>
+          </a:effectRef>
+          <a:fontRef idx="minor">
+            <a:schemeClr val="lt1"/>
+          </a:fontRef>
+        </p:style>
+        <p:txBody>
+          <a:bodyPr rtlCol="0" anchor="ctr"/>
+          <a:lstStyle/>
+          <a:p>
+            <a:pPr algn="ctr"/>
+            <a:r>
+              <a:rPr lang="ko-KR" altLang="en-US" sz="1400" dirty="0">
+                <a:solidFill>
+                  <a:schemeClr val="bg1"/>
+                </a:solidFill>
+              </a:rPr>
+              <a:t>게시글 등록</a:t>
+            </a:r>
+            <a:endParaRPr lang="en-US" altLang="ko-KR" sz="1400" dirty="0">
+              <a:solidFill>
+                <a:schemeClr val="bg1"/>
+              </a:solidFill>
+            </a:endParaRPr>
+          </a:p>
+        </p:txBody>
+      </p:sp>
+      <p:sp>
+        <p:nvSpPr>
+          <p:cNvPr id="109" name="직사각형 108">
+            <a:extLst>
+              <a:ext uri="{FF2B5EF4-FFF2-40B4-BE49-F238E27FC236}">
+                <a16:creationId xmlns:a16="http://schemas.microsoft.com/office/drawing/2014/main" id="{60552DE2-E461-411B-875D-559BA4D0E75B}"/>
+              </a:ext>
+            </a:extLst>
+          </p:cNvPr>
+          <p:cNvSpPr/>
+          <p:nvPr/>
+        </p:nvSpPr>
+        <p:spPr>
+          <a:xfrm>
+            <a:off x="15118259" y="3235746"/>
+            <a:ext cx="1600200" cy="505415"/>
+          </a:xfrm>
+          <a:prstGeom prst="rect">
+            <a:avLst/>
+          </a:prstGeom>
+          <a:solidFill>
+            <a:schemeClr val="tx1">
+              <a:lumMod val="95000"/>
+              <a:lumOff val="5000"/>
+            </a:schemeClr>
+          </a:solidFill>
+          <a:ln>
+            <a:solidFill>
+              <a:srgbClr val="002060"/>
+            </a:solidFill>
+          </a:ln>
+        </p:spPr>
+        <p:style>
+          <a:lnRef idx="2">
+            <a:schemeClr val="accent1">
+              <a:shade val="50000"/>
+            </a:schemeClr>
+          </a:lnRef>
+          <a:fillRef idx="1">
+            <a:schemeClr val="accent1"/>
+          </a:fillRef>
+          <a:effectRef idx="0">
+            <a:schemeClr val="accent1"/>
+          </a:effectRef>
+          <a:fontRef idx="minor">
+            <a:schemeClr val="lt1"/>
+          </a:fontRef>
+        </p:style>
+        <p:txBody>
+          <a:bodyPr rtlCol="0" anchor="ctr"/>
+          <a:lstStyle/>
+          <a:p>
+            <a:pPr algn="ctr"/>
+            <a:r>
+              <a:rPr lang="ko-KR" altLang="en-US" sz="1400" dirty="0" err="1">
+                <a:solidFill>
+                  <a:schemeClr val="bg1"/>
+                </a:solidFill>
+              </a:rPr>
+              <a:t>팔로우</a:t>
+            </a:r>
+            <a:r>
+              <a:rPr lang="ko-KR" altLang="en-US" sz="1400" dirty="0">
+                <a:solidFill>
+                  <a:schemeClr val="bg1"/>
+                </a:solidFill>
+              </a:rPr>
+              <a:t> 기능</a:t>
+            </a:r>
+            <a:endParaRPr lang="en-US" altLang="ko-KR" sz="1400" dirty="0">
+              <a:solidFill>
+                <a:schemeClr val="bg1"/>
+              </a:solidFill>
+            </a:endParaRPr>
+          </a:p>
+        </p:txBody>
+      </p:sp>
+      <p:sp>
+        <p:nvSpPr>
+          <p:cNvPr id="110" name="직사각형 109">
+            <a:extLst>
+              <a:ext uri="{FF2B5EF4-FFF2-40B4-BE49-F238E27FC236}">
+                <a16:creationId xmlns:a16="http://schemas.microsoft.com/office/drawing/2014/main" id="{9647CA91-D6D8-4F0A-BDE4-CA4E2F146D42}"/>
+              </a:ext>
+            </a:extLst>
+          </p:cNvPr>
+          <p:cNvSpPr/>
+          <p:nvPr/>
+        </p:nvSpPr>
+        <p:spPr>
+          <a:xfrm>
+            <a:off x="11190640" y="3235746"/>
+            <a:ext cx="1600200" cy="505415"/>
+          </a:xfrm>
+          <a:prstGeom prst="rect">
+            <a:avLst/>
+          </a:prstGeom>
+          <a:solidFill>
+            <a:schemeClr val="tx1">
+              <a:lumMod val="95000"/>
+              <a:lumOff val="5000"/>
+            </a:schemeClr>
+          </a:solidFill>
+          <a:ln>
+            <a:solidFill>
+              <a:srgbClr val="002060"/>
+            </a:solidFill>
+          </a:ln>
+        </p:spPr>
+        <p:style>
+          <a:lnRef idx="2">
+            <a:schemeClr val="accent1">
+              <a:shade val="50000"/>
+            </a:schemeClr>
+          </a:lnRef>
+          <a:fillRef idx="1">
+            <a:schemeClr val="accent1"/>
+          </a:fillRef>
+          <a:effectRef idx="0">
+            <a:schemeClr val="accent1"/>
+          </a:effectRef>
+          <a:fontRef idx="minor">
+            <a:schemeClr val="lt1"/>
+          </a:fontRef>
+        </p:style>
+        <p:txBody>
+          <a:bodyPr rtlCol="0" anchor="ctr"/>
+          <a:lstStyle/>
+          <a:p>
+            <a:pPr algn="ctr"/>
+            <a:r>
+              <a:rPr lang="ko-KR" altLang="en-US" sz="1400" dirty="0">
+                <a:solidFill>
+                  <a:schemeClr val="bg1"/>
+                </a:solidFill>
+              </a:rPr>
+              <a:t>프로필 보기</a:t>
+            </a:r>
+            <a:endParaRPr lang="en-US" altLang="ko-KR" sz="1400" dirty="0">
+              <a:solidFill>
+                <a:schemeClr val="bg1"/>
+              </a:solidFill>
+            </a:endParaRPr>
+          </a:p>
+        </p:txBody>
+      </p:sp>
+      <p:sp>
+        <p:nvSpPr>
+          <p:cNvPr id="112" name="직사각형 111">
+            <a:extLst>
+              <a:ext uri="{FF2B5EF4-FFF2-40B4-BE49-F238E27FC236}">
+                <a16:creationId xmlns:a16="http://schemas.microsoft.com/office/drawing/2014/main" id="{0976F113-6FA6-4223-991C-2DA7499BD400}"/>
+              </a:ext>
+            </a:extLst>
+          </p:cNvPr>
+          <p:cNvSpPr/>
+          <p:nvPr/>
+        </p:nvSpPr>
+        <p:spPr>
+          <a:xfrm>
+            <a:off x="1371600" y="6438900"/>
+            <a:ext cx="1600200" cy="505415"/>
+          </a:xfrm>
+          <a:prstGeom prst="rect">
+            <a:avLst/>
+          </a:prstGeom>
+          <a:solidFill>
+            <a:schemeClr val="tx1">
+              <a:lumMod val="95000"/>
+              <a:lumOff val="5000"/>
+            </a:schemeClr>
+          </a:solidFill>
+          <a:ln>
+            <a:solidFill>
+              <a:srgbClr val="002060"/>
+            </a:solidFill>
+          </a:ln>
+        </p:spPr>
+        <p:style>
+          <a:lnRef idx="2">
+            <a:schemeClr val="accent1">
+              <a:shade val="50000"/>
+            </a:schemeClr>
+          </a:lnRef>
+          <a:fillRef idx="1">
+            <a:schemeClr val="accent1"/>
+          </a:fillRef>
+          <a:effectRef idx="0">
+            <a:schemeClr val="accent1"/>
+          </a:effectRef>
+          <a:fontRef idx="minor">
+            <a:schemeClr val="lt1"/>
+          </a:fontRef>
+        </p:style>
+        <p:txBody>
+          <a:bodyPr rtlCol="0" anchor="ctr"/>
+          <a:lstStyle/>
+          <a:p>
+            <a:pPr algn="ctr"/>
+            <a:r>
+              <a:rPr lang="ko-KR" altLang="en-US" sz="1400" dirty="0">
+                <a:solidFill>
+                  <a:schemeClr val="bg1"/>
+                </a:solidFill>
+              </a:rPr>
+              <a:t>게시글 보기</a:t>
+            </a:r>
+            <a:endParaRPr lang="en-US" altLang="ko-KR" sz="1400" dirty="0">
+              <a:solidFill>
+                <a:schemeClr val="bg1"/>
+              </a:solidFill>
+            </a:endParaRPr>
+          </a:p>
+        </p:txBody>
+      </p:sp>
+      <p:sp>
+        <p:nvSpPr>
+          <p:cNvPr id="113" name="직사각형 112">
+            <a:extLst>
+              <a:ext uri="{FF2B5EF4-FFF2-40B4-BE49-F238E27FC236}">
+                <a16:creationId xmlns:a16="http://schemas.microsoft.com/office/drawing/2014/main" id="{13B77274-7D32-46AB-8D2D-8F5DE9450A62}"/>
+              </a:ext>
+            </a:extLst>
+          </p:cNvPr>
+          <p:cNvSpPr/>
+          <p:nvPr/>
+        </p:nvSpPr>
+        <p:spPr>
+          <a:xfrm>
+            <a:off x="13154448" y="3235746"/>
+            <a:ext cx="1600200" cy="505415"/>
+          </a:xfrm>
+          <a:prstGeom prst="rect">
+            <a:avLst/>
+          </a:prstGeom>
+          <a:solidFill>
+            <a:schemeClr val="tx1">
+              <a:lumMod val="95000"/>
+              <a:lumOff val="5000"/>
+            </a:schemeClr>
+          </a:solidFill>
+          <a:ln>
+            <a:solidFill>
+              <a:srgbClr val="002060"/>
+            </a:solidFill>
+          </a:ln>
+        </p:spPr>
+        <p:style>
+          <a:lnRef idx="2">
+            <a:schemeClr val="accent1">
+              <a:shade val="50000"/>
+            </a:schemeClr>
+          </a:lnRef>
+          <a:fillRef idx="1">
+            <a:schemeClr val="accent1"/>
+          </a:fillRef>
+          <a:effectRef idx="0">
+            <a:schemeClr val="accent1"/>
+          </a:effectRef>
+          <a:fontRef idx="minor">
+            <a:schemeClr val="lt1"/>
+          </a:fontRef>
+        </p:style>
+        <p:txBody>
+          <a:bodyPr rtlCol="0" anchor="ctr"/>
+          <a:lstStyle/>
+          <a:p>
+            <a:pPr algn="ctr"/>
+            <a:r>
+              <a:rPr lang="ko-KR" altLang="en-US" sz="1400" dirty="0" err="1">
+                <a:solidFill>
+                  <a:schemeClr val="bg1"/>
+                </a:solidFill>
+              </a:rPr>
+              <a:t>홈화면</a:t>
+            </a:r>
+            <a:r>
+              <a:rPr lang="ko-KR" altLang="en-US" sz="1400" dirty="0">
+                <a:solidFill>
+                  <a:schemeClr val="bg1"/>
+                </a:solidFill>
+              </a:rPr>
+              <a:t> 보기</a:t>
+            </a:r>
+            <a:endParaRPr lang="en-US" altLang="ko-KR" sz="1400" dirty="0">
+              <a:solidFill>
+                <a:schemeClr val="bg1"/>
+              </a:solidFill>
+            </a:endParaRPr>
+          </a:p>
+        </p:txBody>
+      </p:sp>
+      <p:cxnSp>
+        <p:nvCxnSpPr>
+          <p:cNvPr id="114" name="직선 화살표 연결선 113">
+            <a:extLst>
+              <a:ext uri="{FF2B5EF4-FFF2-40B4-BE49-F238E27FC236}">
+                <a16:creationId xmlns:a16="http://schemas.microsoft.com/office/drawing/2014/main" id="{40DA5AC1-0732-43DC-8264-5C7CC47904B9}"/>
+              </a:ext>
+            </a:extLst>
+          </p:cNvPr>
+          <p:cNvCxnSpPr>
+            <a:cxnSpLocks/>
+            <a:stCxn id="105" idx="3"/>
+            <a:endCxn id="106" idx="1"/>
+          </p:cNvCxnSpPr>
+          <p:nvPr/>
+        </p:nvCxnSpPr>
+        <p:spPr>
+          <a:xfrm>
+            <a:off x="6896062" y="2376193"/>
+            <a:ext cx="990638" cy="0"/>
+          </a:xfrm>
+          <a:prstGeom prst="straightConnector1">
+            <a:avLst/>
+          </a:prstGeom>
+          <a:ln>
+            <a:tailEnd type="triangle"/>
+          </a:ln>
+        </p:spPr>
+        <p:style>
+          <a:lnRef idx="1">
+            <a:schemeClr val="accent5"/>
+          </a:lnRef>
+          <a:fillRef idx="0">
+            <a:schemeClr val="accent5"/>
+          </a:fillRef>
+          <a:effectRef idx="0">
+            <a:schemeClr val="accent5"/>
+          </a:effectRef>
+          <a:fontRef idx="minor">
+            <a:schemeClr val="tx1"/>
+          </a:fontRef>
+        </p:style>
+      </p:cxnSp>
+      <p:cxnSp>
+        <p:nvCxnSpPr>
+          <p:cNvPr id="115" name="직선 화살표 연결선 114">
+            <a:extLst>
+              <a:ext uri="{FF2B5EF4-FFF2-40B4-BE49-F238E27FC236}">
+                <a16:creationId xmlns:a16="http://schemas.microsoft.com/office/drawing/2014/main" id="{9EB39FA9-5836-4BF2-B777-CBBA25C6FE0E}"/>
+              </a:ext>
+            </a:extLst>
+          </p:cNvPr>
+          <p:cNvCxnSpPr>
+            <a:cxnSpLocks/>
+            <a:stCxn id="108" idx="2"/>
+            <a:endCxn id="112" idx="0"/>
+          </p:cNvCxnSpPr>
+          <p:nvPr/>
+        </p:nvCxnSpPr>
+        <p:spPr>
+          <a:xfrm>
+            <a:off x="2171700" y="3741161"/>
+            <a:ext cx="0" cy="2697739"/>
+          </a:xfrm>
+          <a:prstGeom prst="straightConnector1">
+            <a:avLst/>
+          </a:prstGeom>
+          <a:ln>
+            <a:tailEnd type="triangle"/>
+          </a:ln>
+        </p:spPr>
+        <p:style>
+          <a:lnRef idx="2">
+            <a:schemeClr val="accent5"/>
+          </a:lnRef>
+          <a:fillRef idx="1">
+            <a:schemeClr val="lt1"/>
+          </a:fillRef>
+          <a:effectRef idx="0">
+            <a:schemeClr val="accent5"/>
+          </a:effectRef>
+          <a:fontRef idx="minor">
+            <a:schemeClr val="dk1"/>
+          </a:fontRef>
+        </p:style>
+      </p:cxnSp>
+      <p:sp>
+        <p:nvSpPr>
+          <p:cNvPr id="117" name="직사각형 116">
+            <a:extLst>
+              <a:ext uri="{FF2B5EF4-FFF2-40B4-BE49-F238E27FC236}">
+                <a16:creationId xmlns:a16="http://schemas.microsoft.com/office/drawing/2014/main" id="{FD1A8118-F88B-43C8-BFAB-6EF04E649A26}"/>
+              </a:ext>
+            </a:extLst>
+          </p:cNvPr>
+          <p:cNvSpPr/>
+          <p:nvPr/>
+        </p:nvSpPr>
+        <p:spPr>
+          <a:xfrm>
+            <a:off x="7263024" y="3235746"/>
+            <a:ext cx="1600200" cy="505415"/>
+          </a:xfrm>
+          <a:prstGeom prst="rect">
+            <a:avLst/>
+          </a:prstGeom>
+          <a:solidFill>
+            <a:schemeClr val="tx1">
+              <a:lumMod val="95000"/>
+              <a:lumOff val="5000"/>
+            </a:schemeClr>
+          </a:solidFill>
+          <a:ln w="25400">
+            <a:solidFill>
+              <a:srgbClr val="002060"/>
+            </a:solidFill>
+          </a:ln>
+        </p:spPr>
+        <p:style>
+          <a:lnRef idx="2">
+            <a:schemeClr val="accent1">
+              <a:shade val="50000"/>
+            </a:schemeClr>
+          </a:lnRef>
+          <a:fillRef idx="1">
+            <a:schemeClr val="accent1"/>
+          </a:fillRef>
+          <a:effectRef idx="0">
+            <a:schemeClr val="accent1"/>
+          </a:effectRef>
+          <a:fontRef idx="minor">
+            <a:schemeClr val="lt1"/>
+          </a:fontRef>
+        </p:style>
+        <p:txBody>
+          <a:bodyPr rtlCol="0" anchor="ctr"/>
+          <a:lstStyle/>
+          <a:p>
+            <a:pPr algn="ctr"/>
+            <a:r>
+              <a:rPr lang="ko-KR" altLang="en-US" sz="1400" dirty="0">
+                <a:solidFill>
+                  <a:schemeClr val="bg1"/>
+                </a:solidFill>
+              </a:rPr>
+              <a:t>회원 탈퇴</a:t>
+            </a:r>
+            <a:endParaRPr lang="en-US" altLang="ko-KR" sz="1400" dirty="0">
+              <a:solidFill>
+                <a:schemeClr val="bg1"/>
+              </a:solidFill>
+            </a:endParaRPr>
+          </a:p>
+        </p:txBody>
+      </p:sp>
+      <p:sp>
+        <p:nvSpPr>
+          <p:cNvPr id="118" name="직사각형 117">
+            <a:extLst>
+              <a:ext uri="{FF2B5EF4-FFF2-40B4-BE49-F238E27FC236}">
+                <a16:creationId xmlns:a16="http://schemas.microsoft.com/office/drawing/2014/main" id="{4BB2A309-E6E0-4A68-AA5A-31E40ABF13A8}"/>
+              </a:ext>
+            </a:extLst>
+          </p:cNvPr>
+          <p:cNvSpPr/>
+          <p:nvPr/>
+        </p:nvSpPr>
+        <p:spPr>
+          <a:xfrm>
+            <a:off x="5299216" y="3235746"/>
+            <a:ext cx="1600200" cy="505415"/>
+          </a:xfrm>
+          <a:prstGeom prst="rect">
+            <a:avLst/>
+          </a:prstGeom>
+          <a:solidFill>
+            <a:schemeClr val="tx1">
+              <a:lumMod val="95000"/>
+              <a:lumOff val="5000"/>
+            </a:schemeClr>
+          </a:solidFill>
+          <a:ln w="25400">
+            <a:solidFill>
+              <a:srgbClr val="002060"/>
+            </a:solidFill>
+          </a:ln>
+        </p:spPr>
+        <p:style>
+          <a:lnRef idx="2">
+            <a:schemeClr val="accent1">
+              <a:shade val="50000"/>
+            </a:schemeClr>
+          </a:lnRef>
+          <a:fillRef idx="1">
+            <a:schemeClr val="accent1"/>
+          </a:fillRef>
+          <a:effectRef idx="0">
+            <a:schemeClr val="accent1"/>
+          </a:effectRef>
+          <a:fontRef idx="minor">
+            <a:schemeClr val="lt1"/>
+          </a:fontRef>
+        </p:style>
+        <p:txBody>
+          <a:bodyPr rtlCol="0" anchor="ctr"/>
+          <a:lstStyle/>
+          <a:p>
+            <a:pPr algn="ctr"/>
+            <a:r>
+              <a:rPr lang="ko-KR" altLang="en-US" sz="1400" dirty="0">
+                <a:solidFill>
+                  <a:schemeClr val="bg1"/>
+                </a:solidFill>
+              </a:rPr>
+              <a:t>프로필 편집</a:t>
+            </a:r>
+            <a:endParaRPr lang="en-US" altLang="ko-KR" sz="1400" dirty="0">
+              <a:solidFill>
+                <a:schemeClr val="bg1"/>
+              </a:solidFill>
+            </a:endParaRPr>
+          </a:p>
+        </p:txBody>
+      </p:sp>
+      <p:sp>
+        <p:nvSpPr>
+          <p:cNvPr id="119" name="직사각형 118">
+            <a:extLst>
+              <a:ext uri="{FF2B5EF4-FFF2-40B4-BE49-F238E27FC236}">
+                <a16:creationId xmlns:a16="http://schemas.microsoft.com/office/drawing/2014/main" id="{2C6BF0A7-2427-4248-9482-7C493CBB24B1}"/>
+              </a:ext>
+            </a:extLst>
+          </p:cNvPr>
+          <p:cNvSpPr/>
+          <p:nvPr/>
+        </p:nvSpPr>
+        <p:spPr>
+          <a:xfrm>
+            <a:off x="3335408" y="3235746"/>
+            <a:ext cx="1600200" cy="505415"/>
+          </a:xfrm>
+          <a:prstGeom prst="rect">
+            <a:avLst/>
+          </a:prstGeom>
+          <a:solidFill>
+            <a:schemeClr val="tx1">
+              <a:lumMod val="95000"/>
+              <a:lumOff val="5000"/>
+            </a:schemeClr>
+          </a:solidFill>
+          <a:ln w="25400">
+            <a:solidFill>
+              <a:srgbClr val="002060"/>
+            </a:solidFill>
+          </a:ln>
+        </p:spPr>
+        <p:style>
+          <a:lnRef idx="2">
+            <a:schemeClr val="accent1">
+              <a:shade val="50000"/>
+            </a:schemeClr>
+          </a:lnRef>
+          <a:fillRef idx="1">
+            <a:schemeClr val="accent1"/>
+          </a:fillRef>
+          <a:effectRef idx="0">
+            <a:schemeClr val="accent1"/>
+          </a:effectRef>
+          <a:fontRef idx="minor">
+            <a:schemeClr val="lt1"/>
+          </a:fontRef>
+        </p:style>
+        <p:txBody>
+          <a:bodyPr rtlCol="0" anchor="ctr"/>
+          <a:lstStyle/>
+          <a:p>
+            <a:pPr algn="ctr"/>
+            <a:r>
+              <a:rPr lang="ko-KR" altLang="en-US" sz="1400" dirty="0">
+                <a:solidFill>
+                  <a:schemeClr val="bg1"/>
+                </a:solidFill>
+              </a:rPr>
+              <a:t>계정 설정</a:t>
+            </a:r>
+            <a:endParaRPr lang="en-US" altLang="ko-KR" sz="1400" dirty="0">
+              <a:solidFill>
+                <a:schemeClr val="bg1"/>
+              </a:solidFill>
+            </a:endParaRPr>
+          </a:p>
+        </p:txBody>
+      </p:sp>
+      <p:sp>
+        <p:nvSpPr>
+          <p:cNvPr id="120" name="직사각형 119">
+            <a:extLst>
+              <a:ext uri="{FF2B5EF4-FFF2-40B4-BE49-F238E27FC236}">
+                <a16:creationId xmlns:a16="http://schemas.microsoft.com/office/drawing/2014/main" id="{28E3F7C8-0872-45B2-811A-8CA1E1C13072}"/>
+              </a:ext>
+            </a:extLst>
+          </p:cNvPr>
+          <p:cNvSpPr/>
+          <p:nvPr/>
+        </p:nvSpPr>
+        <p:spPr>
+          <a:xfrm>
+            <a:off x="5289670" y="6438898"/>
+            <a:ext cx="1600200" cy="505415"/>
+          </a:xfrm>
+          <a:prstGeom prst="rect">
+            <a:avLst/>
+          </a:prstGeom>
+          <a:solidFill>
+            <a:schemeClr val="tx1">
+              <a:lumMod val="95000"/>
+              <a:lumOff val="5000"/>
+            </a:schemeClr>
+          </a:solidFill>
+          <a:ln w="25400">
+            <a:solidFill>
+              <a:srgbClr val="002060"/>
+            </a:solidFill>
+          </a:ln>
+        </p:spPr>
+        <p:style>
+          <a:lnRef idx="2">
+            <a:schemeClr val="accent1">
+              <a:shade val="50000"/>
+            </a:schemeClr>
+          </a:lnRef>
+          <a:fillRef idx="1">
+            <a:schemeClr val="accent1"/>
+          </a:fillRef>
+          <a:effectRef idx="0">
+            <a:schemeClr val="accent1"/>
+          </a:effectRef>
+          <a:fontRef idx="minor">
+            <a:schemeClr val="lt1"/>
+          </a:fontRef>
+        </p:style>
+        <p:txBody>
+          <a:bodyPr rtlCol="0" anchor="ctr"/>
+          <a:lstStyle/>
+          <a:p>
+            <a:pPr algn="ctr"/>
+            <a:r>
+              <a:rPr lang="ko-KR" altLang="en-US" sz="1400" dirty="0">
+                <a:solidFill>
+                  <a:schemeClr val="bg1"/>
+                </a:solidFill>
+              </a:rPr>
+              <a:t>게시글 삭제</a:t>
+            </a:r>
+            <a:endParaRPr lang="en-US" altLang="ko-KR" sz="1400" dirty="0">
+              <a:solidFill>
+                <a:schemeClr val="bg1"/>
+              </a:solidFill>
+            </a:endParaRPr>
+          </a:p>
+        </p:txBody>
+      </p:sp>
+      <p:sp>
+        <p:nvSpPr>
+          <p:cNvPr id="121" name="직사각형 120">
+            <a:extLst>
+              <a:ext uri="{FF2B5EF4-FFF2-40B4-BE49-F238E27FC236}">
+                <a16:creationId xmlns:a16="http://schemas.microsoft.com/office/drawing/2014/main" id="{F0890F37-B0FD-4A88-A4E6-C9CC6F26EE11}"/>
+              </a:ext>
+            </a:extLst>
+          </p:cNvPr>
+          <p:cNvSpPr/>
+          <p:nvPr/>
+        </p:nvSpPr>
+        <p:spPr>
+          <a:xfrm>
+            <a:off x="3330635" y="6424714"/>
+            <a:ext cx="1600200" cy="505415"/>
+          </a:xfrm>
+          <a:prstGeom prst="rect">
+            <a:avLst/>
+          </a:prstGeom>
+          <a:solidFill>
+            <a:schemeClr val="tx1">
+              <a:lumMod val="95000"/>
+              <a:lumOff val="5000"/>
+            </a:schemeClr>
+          </a:solidFill>
+          <a:ln w="25400">
+            <a:solidFill>
+              <a:srgbClr val="002060"/>
+            </a:solidFill>
+          </a:ln>
+        </p:spPr>
+        <p:style>
+          <a:lnRef idx="2">
+            <a:schemeClr val="accent1">
+              <a:shade val="50000"/>
+            </a:schemeClr>
+          </a:lnRef>
+          <a:fillRef idx="1">
+            <a:schemeClr val="accent1"/>
+          </a:fillRef>
+          <a:effectRef idx="0">
+            <a:schemeClr val="accent1"/>
+          </a:effectRef>
+          <a:fontRef idx="minor">
+            <a:schemeClr val="lt1"/>
+          </a:fontRef>
+        </p:style>
+        <p:txBody>
+          <a:bodyPr rtlCol="0" anchor="ctr"/>
+          <a:lstStyle/>
+          <a:p>
+            <a:pPr algn="ctr"/>
+            <a:r>
+              <a:rPr lang="ko-KR" altLang="en-US" sz="1400" dirty="0">
+                <a:solidFill>
+                  <a:schemeClr val="bg1"/>
+                </a:solidFill>
+              </a:rPr>
+              <a:t>게시글 수정</a:t>
+            </a:r>
+            <a:endParaRPr lang="en-US" altLang="ko-KR" sz="1400" dirty="0">
+              <a:solidFill>
+                <a:schemeClr val="bg1"/>
+              </a:solidFill>
+            </a:endParaRPr>
+          </a:p>
+        </p:txBody>
+      </p:sp>
+      <p:sp>
+        <p:nvSpPr>
+          <p:cNvPr id="122" name="직사각형 121">
+            <a:extLst>
+              <a:ext uri="{FF2B5EF4-FFF2-40B4-BE49-F238E27FC236}">
+                <a16:creationId xmlns:a16="http://schemas.microsoft.com/office/drawing/2014/main" id="{4A6FF989-1D13-4362-A9AF-31567A2E9EE6}"/>
+              </a:ext>
+            </a:extLst>
+          </p:cNvPr>
+          <p:cNvSpPr/>
+          <p:nvPr/>
+        </p:nvSpPr>
+        <p:spPr>
+          <a:xfrm>
+            <a:off x="1371600" y="8067085"/>
+            <a:ext cx="1600200" cy="505415"/>
+          </a:xfrm>
+          <a:prstGeom prst="rect">
+            <a:avLst/>
+          </a:prstGeom>
+          <a:solidFill>
+            <a:schemeClr val="tx1">
+              <a:lumMod val="95000"/>
+              <a:lumOff val="5000"/>
+            </a:schemeClr>
+          </a:solidFill>
+          <a:ln w="25400">
+            <a:solidFill>
+              <a:srgbClr val="002060"/>
+            </a:solidFill>
+          </a:ln>
+        </p:spPr>
+        <p:style>
+          <a:lnRef idx="2">
+            <a:schemeClr val="accent1">
+              <a:shade val="50000"/>
+            </a:schemeClr>
+          </a:lnRef>
+          <a:fillRef idx="1">
+            <a:schemeClr val="accent1"/>
+          </a:fillRef>
+          <a:effectRef idx="0">
+            <a:schemeClr val="accent1"/>
+          </a:effectRef>
+          <a:fontRef idx="minor">
+            <a:schemeClr val="lt1"/>
+          </a:fontRef>
+        </p:style>
+        <p:txBody>
+          <a:bodyPr rtlCol="0" anchor="ctr"/>
+          <a:lstStyle/>
+          <a:p>
+            <a:pPr algn="ctr"/>
+            <a:r>
+              <a:rPr lang="ko-KR" altLang="en-US" sz="1400" dirty="0">
+                <a:solidFill>
+                  <a:schemeClr val="bg1"/>
+                </a:solidFill>
+              </a:rPr>
+              <a:t>게시글 좋아요</a:t>
+            </a:r>
+            <a:endParaRPr lang="en-US" altLang="ko-KR" sz="1400" dirty="0">
+              <a:solidFill>
+                <a:schemeClr val="bg1"/>
+              </a:solidFill>
+            </a:endParaRPr>
+          </a:p>
+        </p:txBody>
+      </p:sp>
+      <p:sp>
+        <p:nvSpPr>
+          <p:cNvPr id="123" name="직사각형 122">
+            <a:extLst>
+              <a:ext uri="{FF2B5EF4-FFF2-40B4-BE49-F238E27FC236}">
+                <a16:creationId xmlns:a16="http://schemas.microsoft.com/office/drawing/2014/main" id="{18BB2DE4-638C-46A3-A1D9-44A7502FD4BD}"/>
+              </a:ext>
+            </a:extLst>
+          </p:cNvPr>
+          <p:cNvSpPr/>
+          <p:nvPr/>
+        </p:nvSpPr>
+        <p:spPr>
+          <a:xfrm>
+            <a:off x="9226832" y="3235746"/>
+            <a:ext cx="1600200" cy="505415"/>
+          </a:xfrm>
+          <a:prstGeom prst="rect">
+            <a:avLst/>
+          </a:prstGeom>
+          <a:solidFill>
+            <a:schemeClr val="tx1">
+              <a:lumMod val="95000"/>
+              <a:lumOff val="5000"/>
+            </a:schemeClr>
+          </a:solidFill>
+          <a:ln w="25400">
+            <a:solidFill>
+              <a:srgbClr val="002060"/>
+            </a:solidFill>
+          </a:ln>
+        </p:spPr>
+        <p:style>
+          <a:lnRef idx="2">
+            <a:schemeClr val="accent1">
+              <a:shade val="50000"/>
+            </a:schemeClr>
+          </a:lnRef>
+          <a:fillRef idx="1">
+            <a:schemeClr val="accent1"/>
+          </a:fillRef>
+          <a:effectRef idx="0">
+            <a:schemeClr val="accent1"/>
+          </a:effectRef>
+          <a:fontRef idx="minor">
+            <a:schemeClr val="lt1"/>
+          </a:fontRef>
+        </p:style>
+        <p:txBody>
+          <a:bodyPr rtlCol="0" anchor="ctr"/>
+          <a:lstStyle/>
+          <a:p>
+            <a:pPr algn="ctr"/>
+            <a:r>
+              <a:rPr lang="ko-KR" altLang="en-US" sz="1400" dirty="0">
+                <a:solidFill>
+                  <a:schemeClr val="bg1"/>
+                </a:solidFill>
+              </a:rPr>
+              <a:t>비밀번호 찾기</a:t>
+            </a:r>
+            <a:endParaRPr lang="en-US" altLang="ko-KR" sz="1400" dirty="0">
+              <a:solidFill>
+                <a:schemeClr val="bg1"/>
+              </a:solidFill>
+            </a:endParaRPr>
+          </a:p>
+        </p:txBody>
+      </p:sp>
+      <p:sp>
+        <p:nvSpPr>
+          <p:cNvPr id="124" name="직사각형 123">
+            <a:extLst>
+              <a:ext uri="{FF2B5EF4-FFF2-40B4-BE49-F238E27FC236}">
+                <a16:creationId xmlns:a16="http://schemas.microsoft.com/office/drawing/2014/main" id="{2F83EC6D-9103-440A-A3C5-C3BFFF0E18D5}"/>
+              </a:ext>
+            </a:extLst>
+          </p:cNvPr>
+          <p:cNvSpPr/>
+          <p:nvPr/>
+        </p:nvSpPr>
+        <p:spPr>
+          <a:xfrm>
+            <a:off x="9226832" y="6438897"/>
+            <a:ext cx="1600200" cy="505415"/>
+          </a:xfrm>
+          <a:prstGeom prst="rect">
+            <a:avLst/>
+          </a:prstGeom>
+          <a:solidFill>
+            <a:schemeClr val="tx1">
+              <a:lumMod val="95000"/>
+              <a:lumOff val="5000"/>
+            </a:schemeClr>
+          </a:solidFill>
+          <a:ln w="25400">
+            <a:solidFill>
+              <a:srgbClr val="002060"/>
+            </a:solidFill>
+          </a:ln>
+        </p:spPr>
+        <p:style>
+          <a:lnRef idx="2">
+            <a:schemeClr val="accent1">
+              <a:shade val="50000"/>
+            </a:schemeClr>
+          </a:lnRef>
+          <a:fillRef idx="1">
+            <a:schemeClr val="accent1"/>
+          </a:fillRef>
+          <a:effectRef idx="0">
+            <a:schemeClr val="accent1"/>
+          </a:effectRef>
+          <a:fontRef idx="minor">
+            <a:schemeClr val="lt1"/>
+          </a:fontRef>
+        </p:style>
+        <p:txBody>
+          <a:bodyPr rtlCol="0" anchor="ctr"/>
+          <a:lstStyle/>
+          <a:p>
+            <a:pPr algn="ctr"/>
+            <a:r>
+              <a:rPr lang="ko-KR" altLang="en-US" sz="1400" dirty="0">
+                <a:solidFill>
+                  <a:schemeClr val="bg1"/>
+                </a:solidFill>
+              </a:rPr>
+              <a:t>내 프로필</a:t>
+            </a:r>
+            <a:endParaRPr lang="en-US" altLang="ko-KR" sz="1400" dirty="0">
+              <a:solidFill>
+                <a:schemeClr val="bg1"/>
+              </a:solidFill>
+            </a:endParaRPr>
+          </a:p>
+        </p:txBody>
+      </p:sp>
+      <p:sp>
+        <p:nvSpPr>
+          <p:cNvPr id="125" name="직사각형 124">
+            <a:extLst>
+              <a:ext uri="{FF2B5EF4-FFF2-40B4-BE49-F238E27FC236}">
+                <a16:creationId xmlns:a16="http://schemas.microsoft.com/office/drawing/2014/main" id="{1E9E1864-2FBB-4438-BB49-B8F2FAE50B6C}"/>
+              </a:ext>
+            </a:extLst>
+          </p:cNvPr>
+          <p:cNvSpPr/>
+          <p:nvPr/>
+        </p:nvSpPr>
+        <p:spPr>
+          <a:xfrm>
+            <a:off x="11190640" y="6438895"/>
+            <a:ext cx="1600200" cy="505415"/>
+          </a:xfrm>
+          <a:prstGeom prst="rect">
+            <a:avLst/>
+          </a:prstGeom>
+          <a:solidFill>
+            <a:schemeClr val="tx1">
+              <a:lumMod val="95000"/>
+              <a:lumOff val="5000"/>
+            </a:schemeClr>
+          </a:solidFill>
+          <a:ln w="25400">
+            <a:solidFill>
+              <a:srgbClr val="002060"/>
+            </a:solidFill>
+          </a:ln>
+        </p:spPr>
+        <p:style>
+          <a:lnRef idx="2">
+            <a:schemeClr val="accent1">
+              <a:shade val="50000"/>
+            </a:schemeClr>
+          </a:lnRef>
+          <a:fillRef idx="1">
+            <a:schemeClr val="accent1"/>
+          </a:fillRef>
+          <a:effectRef idx="0">
+            <a:schemeClr val="accent1"/>
+          </a:effectRef>
+          <a:fontRef idx="minor">
+            <a:schemeClr val="lt1"/>
+          </a:fontRef>
+        </p:style>
+        <p:txBody>
+          <a:bodyPr rtlCol="0" anchor="ctr"/>
+          <a:lstStyle/>
+          <a:p>
+            <a:pPr algn="ctr"/>
+            <a:r>
+              <a:rPr lang="ko-KR" altLang="en-US" sz="1400" dirty="0">
+                <a:solidFill>
+                  <a:schemeClr val="bg1"/>
+                </a:solidFill>
+              </a:rPr>
+              <a:t>사용자 프로필</a:t>
+            </a:r>
+            <a:endParaRPr lang="en-US" altLang="ko-KR" sz="1400" dirty="0">
+              <a:solidFill>
+                <a:schemeClr val="bg1"/>
+              </a:solidFill>
+            </a:endParaRPr>
+          </a:p>
+        </p:txBody>
+      </p:sp>
+      <p:sp>
+        <p:nvSpPr>
+          <p:cNvPr id="126" name="직사각형 125">
+            <a:extLst>
+              <a:ext uri="{FF2B5EF4-FFF2-40B4-BE49-F238E27FC236}">
+                <a16:creationId xmlns:a16="http://schemas.microsoft.com/office/drawing/2014/main" id="{53E404F4-7E7F-4ED7-8CFC-CE46EAF4E99F}"/>
+              </a:ext>
+            </a:extLst>
+          </p:cNvPr>
+          <p:cNvSpPr/>
+          <p:nvPr/>
+        </p:nvSpPr>
+        <p:spPr>
+          <a:xfrm>
+            <a:off x="11190640" y="8067085"/>
+            <a:ext cx="1600200" cy="505415"/>
+          </a:xfrm>
+          <a:prstGeom prst="rect">
+            <a:avLst/>
+          </a:prstGeom>
+          <a:solidFill>
+            <a:schemeClr val="tx1">
+              <a:lumMod val="95000"/>
+              <a:lumOff val="5000"/>
+            </a:schemeClr>
+          </a:solidFill>
+          <a:ln w="25400">
+            <a:solidFill>
+              <a:srgbClr val="002060"/>
+            </a:solidFill>
+          </a:ln>
+        </p:spPr>
+        <p:style>
+          <a:lnRef idx="2">
+            <a:schemeClr val="accent1">
+              <a:shade val="50000"/>
+            </a:schemeClr>
+          </a:lnRef>
+          <a:fillRef idx="1">
+            <a:schemeClr val="accent1"/>
+          </a:fillRef>
+          <a:effectRef idx="0">
+            <a:schemeClr val="accent1"/>
+          </a:effectRef>
+          <a:fontRef idx="minor">
+            <a:schemeClr val="lt1"/>
+          </a:fontRef>
+        </p:style>
+        <p:txBody>
+          <a:bodyPr rtlCol="0" anchor="ctr"/>
+          <a:lstStyle/>
+          <a:p>
+            <a:pPr algn="ctr"/>
+            <a:r>
+              <a:rPr lang="ko-KR" altLang="en-US" sz="1400" dirty="0">
+                <a:solidFill>
+                  <a:schemeClr val="bg1"/>
+                </a:solidFill>
+              </a:rPr>
+              <a:t>사용자 관리</a:t>
+            </a:r>
+            <a:endParaRPr lang="en-US" altLang="ko-KR" sz="1400" dirty="0">
+              <a:solidFill>
+                <a:schemeClr val="bg1"/>
+              </a:solidFill>
+            </a:endParaRPr>
+          </a:p>
+        </p:txBody>
+      </p:sp>
+      <p:cxnSp>
+        <p:nvCxnSpPr>
+          <p:cNvPr id="129" name="직선 화살표 연결선 128">
+            <a:extLst>
+              <a:ext uri="{FF2B5EF4-FFF2-40B4-BE49-F238E27FC236}">
+                <a16:creationId xmlns:a16="http://schemas.microsoft.com/office/drawing/2014/main" id="{D2F08D2F-BC82-45C4-9BA9-376698DDB251}"/>
+              </a:ext>
+            </a:extLst>
+          </p:cNvPr>
+          <p:cNvCxnSpPr>
+            <a:cxnSpLocks/>
+            <a:stCxn id="125" idx="2"/>
+            <a:endCxn id="126" idx="0"/>
+          </p:cNvCxnSpPr>
+          <p:nvPr/>
+        </p:nvCxnSpPr>
+        <p:spPr>
+          <a:xfrm>
+            <a:off x="11990740" y="6944310"/>
+            <a:ext cx="0" cy="1122775"/>
+          </a:xfrm>
+          <a:prstGeom prst="straightConnector1">
+            <a:avLst/>
+          </a:prstGeom>
+          <a:ln>
+            <a:tailEnd type="triangle"/>
+          </a:ln>
+        </p:spPr>
+        <p:style>
+          <a:lnRef idx="2">
+            <a:schemeClr val="accent5"/>
+          </a:lnRef>
+          <a:fillRef idx="1">
+            <a:schemeClr val="lt1"/>
+          </a:fillRef>
+          <a:effectRef idx="0">
+            <a:schemeClr val="accent5"/>
+          </a:effectRef>
+          <a:fontRef idx="minor">
+            <a:schemeClr val="dk1"/>
+          </a:fontRef>
+        </p:style>
+      </p:cxnSp>
+      <p:sp>
+        <p:nvSpPr>
+          <p:cNvPr id="130" name="직사각형 129">
+            <a:extLst>
+              <a:ext uri="{FF2B5EF4-FFF2-40B4-BE49-F238E27FC236}">
+                <a16:creationId xmlns:a16="http://schemas.microsoft.com/office/drawing/2014/main" id="{1EBCBD67-8B2E-4EC8-A798-C55F493E85C2}"/>
+              </a:ext>
+            </a:extLst>
+          </p:cNvPr>
+          <p:cNvSpPr/>
+          <p:nvPr/>
+        </p:nvSpPr>
+        <p:spPr>
+          <a:xfrm>
+            <a:off x="15117168" y="6438896"/>
+            <a:ext cx="1600200" cy="505415"/>
+          </a:xfrm>
+          <a:prstGeom prst="rect">
+            <a:avLst/>
+          </a:prstGeom>
+          <a:solidFill>
+            <a:schemeClr val="tx1">
+              <a:lumMod val="95000"/>
+              <a:lumOff val="5000"/>
+            </a:schemeClr>
+          </a:solidFill>
+          <a:ln w="25400">
+            <a:solidFill>
+              <a:srgbClr val="002060"/>
+            </a:solidFill>
+          </a:ln>
+        </p:spPr>
+        <p:style>
+          <a:lnRef idx="2">
+            <a:schemeClr val="accent1">
+              <a:shade val="50000"/>
+            </a:schemeClr>
+          </a:lnRef>
+          <a:fillRef idx="1">
+            <a:schemeClr val="accent1"/>
+          </a:fillRef>
+          <a:effectRef idx="0">
+            <a:schemeClr val="accent1"/>
+          </a:effectRef>
+          <a:fontRef idx="minor">
+            <a:schemeClr val="lt1"/>
+          </a:fontRef>
+        </p:style>
+        <p:txBody>
+          <a:bodyPr rtlCol="0" anchor="ctr"/>
+          <a:lstStyle/>
+          <a:p>
+            <a:pPr algn="ctr"/>
+            <a:r>
+              <a:rPr lang="ko-KR" altLang="en-US" sz="1400" dirty="0" err="1">
+                <a:solidFill>
+                  <a:schemeClr val="bg1"/>
+                </a:solidFill>
+              </a:rPr>
+              <a:t>팔로워</a:t>
+            </a:r>
+            <a:r>
+              <a:rPr lang="ko-KR" altLang="en-US" sz="1400" dirty="0">
+                <a:solidFill>
+                  <a:schemeClr val="bg1"/>
+                </a:solidFill>
+              </a:rPr>
+              <a:t> 목록</a:t>
+            </a:r>
+            <a:endParaRPr lang="en-US" altLang="ko-KR" sz="1400" dirty="0">
+              <a:solidFill>
+                <a:schemeClr val="bg1"/>
+              </a:solidFill>
+            </a:endParaRPr>
+          </a:p>
+        </p:txBody>
+      </p:sp>
+      <p:sp>
+        <p:nvSpPr>
+          <p:cNvPr id="131" name="직사각형 130">
+            <a:extLst>
+              <a:ext uri="{FF2B5EF4-FFF2-40B4-BE49-F238E27FC236}">
+                <a16:creationId xmlns:a16="http://schemas.microsoft.com/office/drawing/2014/main" id="{25DCDC19-B218-4129-8160-873E16C31CD0}"/>
+              </a:ext>
+            </a:extLst>
+          </p:cNvPr>
+          <p:cNvSpPr/>
+          <p:nvPr/>
+        </p:nvSpPr>
+        <p:spPr>
+          <a:xfrm>
+            <a:off x="13154923" y="6438896"/>
+            <a:ext cx="1600200" cy="505415"/>
+          </a:xfrm>
+          <a:prstGeom prst="rect">
+            <a:avLst/>
+          </a:prstGeom>
+          <a:solidFill>
+            <a:schemeClr val="tx1">
+              <a:lumMod val="95000"/>
+              <a:lumOff val="5000"/>
+            </a:schemeClr>
+          </a:solidFill>
+          <a:ln w="25400">
+            <a:solidFill>
+              <a:srgbClr val="002060"/>
+            </a:solidFill>
+          </a:ln>
+        </p:spPr>
+        <p:style>
+          <a:lnRef idx="2">
+            <a:schemeClr val="accent1">
+              <a:shade val="50000"/>
+            </a:schemeClr>
+          </a:lnRef>
+          <a:fillRef idx="1">
+            <a:schemeClr val="accent1"/>
+          </a:fillRef>
+          <a:effectRef idx="0">
+            <a:schemeClr val="accent1"/>
+          </a:effectRef>
+          <a:fontRef idx="minor">
+            <a:schemeClr val="lt1"/>
+          </a:fontRef>
+        </p:style>
+        <p:txBody>
+          <a:bodyPr rtlCol="0" anchor="ctr"/>
+          <a:lstStyle/>
+          <a:p>
+            <a:pPr algn="ctr"/>
+            <a:r>
+              <a:rPr lang="ko-KR" altLang="en-US" sz="1400" dirty="0" err="1">
+                <a:solidFill>
+                  <a:schemeClr val="bg1"/>
+                </a:solidFill>
+              </a:rPr>
+              <a:t>팔로잉</a:t>
+            </a:r>
+            <a:r>
+              <a:rPr lang="ko-KR" altLang="en-US" sz="1400" dirty="0">
+                <a:solidFill>
+                  <a:schemeClr val="bg1"/>
+                </a:solidFill>
+              </a:rPr>
+              <a:t> 목록</a:t>
+            </a:r>
+            <a:endParaRPr lang="en-US" altLang="ko-KR" sz="1400" dirty="0">
+              <a:solidFill>
+                <a:schemeClr val="bg1"/>
+              </a:solidFill>
+            </a:endParaRPr>
+          </a:p>
+        </p:txBody>
+      </p:sp>
+      <p:cxnSp>
+        <p:nvCxnSpPr>
+          <p:cNvPr id="137" name="연결선: 꺾임 136">
+            <a:extLst>
+              <a:ext uri="{FF2B5EF4-FFF2-40B4-BE49-F238E27FC236}">
+                <a16:creationId xmlns:a16="http://schemas.microsoft.com/office/drawing/2014/main" id="{466BDA8C-5FFD-4A38-A8DC-A81B5E856C47}"/>
+              </a:ext>
+            </a:extLst>
+          </p:cNvPr>
+          <p:cNvCxnSpPr>
+            <a:cxnSpLocks/>
+            <a:stCxn id="108" idx="2"/>
+            <a:endCxn id="121" idx="0"/>
+          </p:cNvCxnSpPr>
+          <p:nvPr/>
+        </p:nvCxnSpPr>
+        <p:spPr>
+          <a:xfrm rot="16200000" flipH="1">
+            <a:off x="1809441" y="4103419"/>
+            <a:ext cx="2683553" cy="1959035"/>
+          </a:xfrm>
+          <a:prstGeom prst="bentConnector3">
+            <a:avLst>
+              <a:gd name="adj1" fmla="val 50000"/>
+            </a:avLst>
+          </a:prstGeom>
+          <a:ln>
+            <a:tailEnd type="triangle"/>
+          </a:ln>
+        </p:spPr>
+        <p:style>
+          <a:lnRef idx="2">
+            <a:schemeClr val="accent5"/>
+          </a:lnRef>
+          <a:fillRef idx="1">
+            <a:schemeClr val="lt1"/>
+          </a:fillRef>
+          <a:effectRef idx="0">
+            <a:schemeClr val="accent5"/>
+          </a:effectRef>
+          <a:fontRef idx="minor">
+            <a:schemeClr val="dk1"/>
+          </a:fontRef>
+        </p:style>
+      </p:cxnSp>
+      <p:cxnSp>
+        <p:nvCxnSpPr>
+          <p:cNvPr id="138" name="연결선: 꺾임 137">
+            <a:extLst>
+              <a:ext uri="{FF2B5EF4-FFF2-40B4-BE49-F238E27FC236}">
+                <a16:creationId xmlns:a16="http://schemas.microsoft.com/office/drawing/2014/main" id="{E13A9BD7-9CE9-4F6E-B543-97A33474BA5E}"/>
+              </a:ext>
+            </a:extLst>
+          </p:cNvPr>
+          <p:cNvCxnSpPr>
+            <a:cxnSpLocks/>
+            <a:stCxn id="108" idx="2"/>
+            <a:endCxn id="120" idx="0"/>
+          </p:cNvCxnSpPr>
+          <p:nvPr/>
+        </p:nvCxnSpPr>
+        <p:spPr>
+          <a:xfrm rot="16200000" flipH="1">
+            <a:off x="2781867" y="3130994"/>
+            <a:ext cx="2697737" cy="3918070"/>
+          </a:xfrm>
+          <a:prstGeom prst="bentConnector3">
+            <a:avLst>
+              <a:gd name="adj1" fmla="val 50000"/>
+            </a:avLst>
+          </a:prstGeom>
+          <a:ln>
+            <a:tailEnd type="triangle"/>
+          </a:ln>
+        </p:spPr>
+        <p:style>
+          <a:lnRef idx="2">
+            <a:schemeClr val="accent5"/>
+          </a:lnRef>
+          <a:fillRef idx="1">
+            <a:schemeClr val="lt1"/>
+          </a:fillRef>
+          <a:effectRef idx="0">
+            <a:schemeClr val="accent5"/>
+          </a:effectRef>
+          <a:fontRef idx="minor">
+            <a:schemeClr val="dk1"/>
+          </a:fontRef>
+        </p:style>
+      </p:cxnSp>
+      <p:cxnSp>
+        <p:nvCxnSpPr>
+          <p:cNvPr id="139" name="직선 화살표 연결선 138">
+            <a:extLst>
+              <a:ext uri="{FF2B5EF4-FFF2-40B4-BE49-F238E27FC236}">
+                <a16:creationId xmlns:a16="http://schemas.microsoft.com/office/drawing/2014/main" id="{6668D251-495F-4B68-B867-44BD19A6BC73}"/>
+              </a:ext>
+            </a:extLst>
+          </p:cNvPr>
+          <p:cNvCxnSpPr>
+            <a:cxnSpLocks/>
+            <a:stCxn id="112" idx="2"/>
+            <a:endCxn id="122" idx="0"/>
+          </p:cNvCxnSpPr>
+          <p:nvPr/>
+        </p:nvCxnSpPr>
+        <p:spPr>
+          <a:xfrm>
+            <a:off x="2171700" y="6944315"/>
+            <a:ext cx="0" cy="1122770"/>
+          </a:xfrm>
+          <a:prstGeom prst="straightConnector1">
+            <a:avLst/>
+          </a:prstGeom>
+          <a:ln>
+            <a:tailEnd type="triangle"/>
+          </a:ln>
+        </p:spPr>
+        <p:style>
+          <a:lnRef idx="2">
+            <a:schemeClr val="accent5"/>
+          </a:lnRef>
+          <a:fillRef idx="1">
+            <a:schemeClr val="lt1"/>
+          </a:fillRef>
+          <a:effectRef idx="0">
+            <a:schemeClr val="accent5"/>
+          </a:effectRef>
+          <a:fontRef idx="minor">
+            <a:schemeClr val="dk1"/>
+          </a:fontRef>
+        </p:style>
+      </p:cxnSp>
+      <p:sp>
+        <p:nvSpPr>
+          <p:cNvPr id="145" name="직사각형 144">
+            <a:extLst>
+              <a:ext uri="{FF2B5EF4-FFF2-40B4-BE49-F238E27FC236}">
+                <a16:creationId xmlns:a16="http://schemas.microsoft.com/office/drawing/2014/main" id="{F89F7B04-7B02-4207-952A-1531C79BDA33}"/>
+              </a:ext>
+            </a:extLst>
+          </p:cNvPr>
+          <p:cNvSpPr/>
+          <p:nvPr/>
+        </p:nvSpPr>
+        <p:spPr>
+          <a:xfrm>
+            <a:off x="3352800" y="4180885"/>
+            <a:ext cx="1600200" cy="505415"/>
+          </a:xfrm>
+          <a:prstGeom prst="rect">
+            <a:avLst/>
+          </a:prstGeom>
+          <a:solidFill>
+            <a:schemeClr val="tx1">
+              <a:lumMod val="95000"/>
+              <a:lumOff val="5000"/>
+            </a:schemeClr>
+          </a:solidFill>
+          <a:ln w="25400">
+            <a:solidFill>
+              <a:srgbClr val="002060"/>
+            </a:solidFill>
+          </a:ln>
+        </p:spPr>
+        <p:style>
+          <a:lnRef idx="2">
+            <a:schemeClr val="accent1">
+              <a:shade val="50000"/>
+            </a:schemeClr>
+          </a:lnRef>
+          <a:fillRef idx="1">
+            <a:schemeClr val="accent1"/>
+          </a:fillRef>
+          <a:effectRef idx="0">
+            <a:schemeClr val="accent1"/>
+          </a:effectRef>
+          <a:fontRef idx="minor">
+            <a:schemeClr val="lt1"/>
+          </a:fontRef>
+        </p:style>
+        <p:txBody>
+          <a:bodyPr rtlCol="0" anchor="ctr"/>
+          <a:lstStyle/>
+          <a:p>
+            <a:pPr algn="ctr"/>
+            <a:r>
+              <a:rPr lang="ko-KR" altLang="en-US" sz="1400" dirty="0">
+                <a:solidFill>
+                  <a:schemeClr val="bg1"/>
+                </a:solidFill>
+              </a:rPr>
+              <a:t>비밀번호 변경</a:t>
+            </a:r>
+            <a:endParaRPr lang="en-US" altLang="ko-KR" sz="1400" dirty="0">
+              <a:solidFill>
+                <a:schemeClr val="bg1"/>
+              </a:solidFill>
+            </a:endParaRPr>
+          </a:p>
+        </p:txBody>
+      </p:sp>
+      <p:sp>
+        <p:nvSpPr>
+          <p:cNvPr id="146" name="직사각형 145">
+            <a:extLst>
+              <a:ext uri="{FF2B5EF4-FFF2-40B4-BE49-F238E27FC236}">
+                <a16:creationId xmlns:a16="http://schemas.microsoft.com/office/drawing/2014/main" id="{2A723162-8D79-4A51-A9AA-12C5D077E500}"/>
+              </a:ext>
+            </a:extLst>
+          </p:cNvPr>
+          <p:cNvSpPr/>
+          <p:nvPr/>
+        </p:nvSpPr>
+        <p:spPr>
+          <a:xfrm>
+            <a:off x="5295862" y="4198459"/>
+            <a:ext cx="1600200" cy="505415"/>
+          </a:xfrm>
+          <a:prstGeom prst="rect">
+            <a:avLst/>
+          </a:prstGeom>
+          <a:solidFill>
+            <a:schemeClr val="tx1">
+              <a:lumMod val="95000"/>
+              <a:lumOff val="5000"/>
+            </a:schemeClr>
+          </a:solidFill>
+          <a:ln w="25400">
+            <a:solidFill>
+              <a:srgbClr val="002060"/>
+            </a:solidFill>
+          </a:ln>
+        </p:spPr>
+        <p:style>
+          <a:lnRef idx="2">
+            <a:schemeClr val="accent1">
+              <a:shade val="50000"/>
+            </a:schemeClr>
+          </a:lnRef>
+          <a:fillRef idx="1">
+            <a:schemeClr val="accent1"/>
+          </a:fillRef>
+          <a:effectRef idx="0">
+            <a:schemeClr val="accent1"/>
+          </a:effectRef>
+          <a:fontRef idx="minor">
+            <a:schemeClr val="lt1"/>
+          </a:fontRef>
+        </p:style>
+        <p:txBody>
+          <a:bodyPr rtlCol="0" anchor="ctr"/>
+          <a:lstStyle/>
+          <a:p>
+            <a:pPr algn="ctr"/>
+            <a:r>
+              <a:rPr lang="ko-KR" altLang="en-US" sz="1400" dirty="0">
+                <a:solidFill>
+                  <a:schemeClr val="bg1"/>
+                </a:solidFill>
+              </a:rPr>
+              <a:t>계정 공개 범위</a:t>
+            </a:r>
+            <a:endParaRPr lang="en-US" altLang="ko-KR" sz="1400" dirty="0">
+              <a:solidFill>
+                <a:schemeClr val="bg1"/>
+              </a:solidFill>
+            </a:endParaRPr>
+          </a:p>
+        </p:txBody>
+      </p:sp>
+      <p:sp>
+        <p:nvSpPr>
+          <p:cNvPr id="147" name="직사각형 146">
+            <a:extLst>
+              <a:ext uri="{FF2B5EF4-FFF2-40B4-BE49-F238E27FC236}">
+                <a16:creationId xmlns:a16="http://schemas.microsoft.com/office/drawing/2014/main" id="{73D2D761-CE49-4BA4-91C6-DE723490B6DA}"/>
+              </a:ext>
+            </a:extLst>
+          </p:cNvPr>
+          <p:cNvSpPr/>
+          <p:nvPr/>
+        </p:nvSpPr>
+        <p:spPr>
+          <a:xfrm>
+            <a:off x="7263024" y="4198458"/>
+            <a:ext cx="1600200" cy="505415"/>
+          </a:xfrm>
+          <a:prstGeom prst="rect">
+            <a:avLst/>
+          </a:prstGeom>
+          <a:solidFill>
+            <a:schemeClr val="tx1">
+              <a:lumMod val="95000"/>
+              <a:lumOff val="5000"/>
+            </a:schemeClr>
+          </a:solidFill>
+          <a:ln w="25400">
+            <a:solidFill>
+              <a:srgbClr val="002060"/>
+            </a:solidFill>
+          </a:ln>
+        </p:spPr>
+        <p:style>
+          <a:lnRef idx="2">
+            <a:schemeClr val="accent1">
+              <a:shade val="50000"/>
+            </a:schemeClr>
+          </a:lnRef>
+          <a:fillRef idx="1">
+            <a:schemeClr val="accent1"/>
+          </a:fillRef>
+          <a:effectRef idx="0">
+            <a:schemeClr val="accent1"/>
+          </a:effectRef>
+          <a:fontRef idx="minor">
+            <a:schemeClr val="lt1"/>
+          </a:fontRef>
+        </p:style>
+        <p:txBody>
+          <a:bodyPr rtlCol="0" anchor="ctr"/>
+          <a:lstStyle/>
+          <a:p>
+            <a:pPr algn="ctr"/>
+            <a:r>
+              <a:rPr lang="ko-KR" altLang="en-US" sz="1400" dirty="0">
+                <a:solidFill>
+                  <a:schemeClr val="bg1"/>
+                </a:solidFill>
+              </a:rPr>
+              <a:t>차단된 계정</a:t>
+            </a:r>
+            <a:endParaRPr lang="en-US" altLang="ko-KR" sz="1400" dirty="0">
+              <a:solidFill>
+                <a:schemeClr val="bg1"/>
+              </a:solidFill>
+            </a:endParaRPr>
+          </a:p>
+        </p:txBody>
+      </p:sp>
+      <p:cxnSp>
+        <p:nvCxnSpPr>
+          <p:cNvPr id="1022" name="직선 화살표 연결선 1021">
+            <a:extLst>
+              <a:ext uri="{FF2B5EF4-FFF2-40B4-BE49-F238E27FC236}">
+                <a16:creationId xmlns:a16="http://schemas.microsoft.com/office/drawing/2014/main" id="{36E2875C-84E0-4A30-80AC-998C731754A4}"/>
+              </a:ext>
+            </a:extLst>
+          </p:cNvPr>
+          <p:cNvCxnSpPr>
+            <a:cxnSpLocks/>
+          </p:cNvCxnSpPr>
+          <p:nvPr/>
+        </p:nvCxnSpPr>
+        <p:spPr>
+          <a:xfrm>
+            <a:off x="4191000" y="3741159"/>
+            <a:ext cx="7441" cy="439726"/>
+          </a:xfrm>
+          <a:prstGeom prst="straightConnector1">
+            <a:avLst/>
+          </a:prstGeom>
+          <a:ln>
+            <a:tailEnd type="triangle"/>
+          </a:ln>
+        </p:spPr>
+        <p:style>
+          <a:lnRef idx="1">
+            <a:schemeClr val="accent1"/>
+          </a:lnRef>
+          <a:fillRef idx="0">
+            <a:schemeClr val="accent1"/>
+          </a:fillRef>
+          <a:effectRef idx="0">
+            <a:schemeClr val="accent1"/>
+          </a:effectRef>
+          <a:fontRef idx="minor">
+            <a:schemeClr val="tx1"/>
+          </a:fontRef>
+        </p:style>
+      </p:cxnSp>
+      <p:cxnSp>
+        <p:nvCxnSpPr>
+          <p:cNvPr id="212" name="직선 화살표 연결선 211">
+            <a:extLst>
+              <a:ext uri="{FF2B5EF4-FFF2-40B4-BE49-F238E27FC236}">
+                <a16:creationId xmlns:a16="http://schemas.microsoft.com/office/drawing/2014/main" id="{7FEE4121-1A2F-4498-A309-8A3F672D32E5}"/>
+              </a:ext>
+            </a:extLst>
+          </p:cNvPr>
+          <p:cNvCxnSpPr>
+            <a:cxnSpLocks/>
+          </p:cNvCxnSpPr>
+          <p:nvPr/>
+        </p:nvCxnSpPr>
+        <p:spPr>
+          <a:xfrm>
+            <a:off x="6095962" y="3945752"/>
+            <a:ext cx="0" cy="256585"/>
+          </a:xfrm>
+          <a:prstGeom prst="straightConnector1">
+            <a:avLst/>
+          </a:prstGeom>
+          <a:ln>
+            <a:tailEnd type="triangle"/>
+          </a:ln>
+        </p:spPr>
+        <p:style>
+          <a:lnRef idx="1">
+            <a:schemeClr val="accent1"/>
+          </a:lnRef>
+          <a:fillRef idx="0">
+            <a:schemeClr val="accent1"/>
+          </a:fillRef>
+          <a:effectRef idx="0">
+            <a:schemeClr val="accent1"/>
+          </a:effectRef>
+          <a:fontRef idx="minor">
+            <a:schemeClr val="tx1"/>
+          </a:fontRef>
+        </p:style>
+      </p:cxnSp>
+      <p:cxnSp>
+        <p:nvCxnSpPr>
+          <p:cNvPr id="234" name="직선 화살표 연결선 233">
+            <a:extLst>
+              <a:ext uri="{FF2B5EF4-FFF2-40B4-BE49-F238E27FC236}">
+                <a16:creationId xmlns:a16="http://schemas.microsoft.com/office/drawing/2014/main" id="{75464E00-7407-4F7D-9CEB-06CB82678F3F}"/>
+              </a:ext>
+            </a:extLst>
+          </p:cNvPr>
+          <p:cNvCxnSpPr>
+            <a:cxnSpLocks/>
+            <a:endCxn id="108" idx="0"/>
+          </p:cNvCxnSpPr>
+          <p:nvPr/>
+        </p:nvCxnSpPr>
+        <p:spPr>
+          <a:xfrm rot="10800000" flipV="1">
+            <a:off x="2171700" y="2925914"/>
+            <a:ext cx="7200900" cy="309832"/>
+          </a:xfrm>
+          <a:prstGeom prst="bentConnector2">
+            <a:avLst/>
+          </a:prstGeom>
+          <a:ln>
+            <a:tailEnd type="triangle"/>
+          </a:ln>
+        </p:spPr>
+        <p:style>
+          <a:lnRef idx="2">
+            <a:schemeClr val="accent5"/>
+          </a:lnRef>
+          <a:fillRef idx="1">
+            <a:schemeClr val="lt1"/>
+          </a:fillRef>
+          <a:effectRef idx="0">
+            <a:schemeClr val="accent5"/>
+          </a:effectRef>
+          <a:fontRef idx="minor">
+            <a:schemeClr val="dk1"/>
+          </a:fontRef>
+        </p:style>
+      </p:cxnSp>
+      <p:cxnSp>
+        <p:nvCxnSpPr>
+          <p:cNvPr id="244" name="직선 화살표 연결선 243">
+            <a:extLst>
+              <a:ext uri="{FF2B5EF4-FFF2-40B4-BE49-F238E27FC236}">
+                <a16:creationId xmlns:a16="http://schemas.microsoft.com/office/drawing/2014/main" id="{B76539C0-B4E7-48AD-8101-5F2FE4CADA42}"/>
+              </a:ext>
+            </a:extLst>
+          </p:cNvPr>
+          <p:cNvCxnSpPr>
+            <a:cxnSpLocks/>
+          </p:cNvCxnSpPr>
+          <p:nvPr/>
+        </p:nvCxnSpPr>
+        <p:spPr>
+          <a:xfrm>
+            <a:off x="9296400" y="2925913"/>
+            <a:ext cx="2618140" cy="309833"/>
+          </a:xfrm>
+          <a:prstGeom prst="bentConnector2">
+            <a:avLst/>
+          </a:prstGeom>
+          <a:ln>
+            <a:tailEnd type="triangle"/>
+          </a:ln>
+        </p:spPr>
+        <p:style>
+          <a:lnRef idx="2">
+            <a:schemeClr val="accent5"/>
+          </a:lnRef>
+          <a:fillRef idx="1">
+            <a:schemeClr val="lt1"/>
+          </a:fillRef>
+          <a:effectRef idx="0">
+            <a:schemeClr val="accent5"/>
+          </a:effectRef>
+          <a:fontRef idx="minor">
+            <a:schemeClr val="dk1"/>
+          </a:fontRef>
+        </p:style>
+      </p:cxnSp>
+      <p:cxnSp>
+        <p:nvCxnSpPr>
+          <p:cNvPr id="246" name="직선 화살표 연결선 245">
+            <a:extLst>
+              <a:ext uri="{FF2B5EF4-FFF2-40B4-BE49-F238E27FC236}">
+                <a16:creationId xmlns:a16="http://schemas.microsoft.com/office/drawing/2014/main" id="{42DEE1D4-978F-4D96-88E4-3F5C07655D0B}"/>
+              </a:ext>
+            </a:extLst>
+          </p:cNvPr>
+          <p:cNvCxnSpPr>
+            <a:cxnSpLocks/>
+          </p:cNvCxnSpPr>
+          <p:nvPr/>
+        </p:nvCxnSpPr>
+        <p:spPr>
+          <a:xfrm>
+            <a:off x="11565011" y="2922830"/>
+            <a:ext cx="2379589" cy="312916"/>
+          </a:xfrm>
+          <a:prstGeom prst="bentConnector2">
+            <a:avLst/>
+          </a:prstGeom>
+          <a:ln>
+            <a:tailEnd type="triangle"/>
+          </a:ln>
+        </p:spPr>
+        <p:style>
+          <a:lnRef idx="2">
+            <a:schemeClr val="accent5"/>
+          </a:lnRef>
+          <a:fillRef idx="1">
+            <a:schemeClr val="lt1"/>
+          </a:fillRef>
+          <a:effectRef idx="0">
+            <a:schemeClr val="accent5"/>
+          </a:effectRef>
+          <a:fontRef idx="minor">
+            <a:schemeClr val="dk1"/>
+          </a:fontRef>
+        </p:style>
+      </p:cxnSp>
+      <p:cxnSp>
+        <p:nvCxnSpPr>
+          <p:cNvPr id="264" name="직선 화살표 연결선 263">
+            <a:extLst>
+              <a:ext uri="{FF2B5EF4-FFF2-40B4-BE49-F238E27FC236}">
+                <a16:creationId xmlns:a16="http://schemas.microsoft.com/office/drawing/2014/main" id="{48AC9C86-B26A-4527-9DBB-C5B1FEB3B3C3}"/>
+              </a:ext>
+            </a:extLst>
+          </p:cNvPr>
+          <p:cNvCxnSpPr>
+            <a:stCxn id="106" idx="2"/>
+            <a:endCxn id="123" idx="0"/>
+          </p:cNvCxnSpPr>
+          <p:nvPr/>
+        </p:nvCxnSpPr>
+        <p:spPr>
+          <a:xfrm rot="16200000" flipH="1">
+            <a:off x="9053443" y="2262257"/>
+            <a:ext cx="606846" cy="1340132"/>
+          </a:xfrm>
+          <a:prstGeom prst="bentConnector3">
+            <a:avLst>
+              <a:gd name="adj1" fmla="val 50000"/>
+            </a:avLst>
+          </a:prstGeom>
+          <a:ln>
+            <a:tailEnd type="triangle"/>
+          </a:ln>
+        </p:spPr>
+        <p:style>
+          <a:lnRef idx="2">
+            <a:schemeClr val="accent5"/>
+          </a:lnRef>
+          <a:fillRef idx="1">
+            <a:schemeClr val="lt1"/>
+          </a:fillRef>
+          <a:effectRef idx="0">
+            <a:schemeClr val="accent5"/>
+          </a:effectRef>
+          <a:fontRef idx="minor">
+            <a:schemeClr val="dk1"/>
+          </a:fontRef>
+        </p:style>
+      </p:cxnSp>
+      <p:cxnSp>
+        <p:nvCxnSpPr>
+          <p:cNvPr id="274" name="연결선: 꺾임 273">
+            <a:extLst>
+              <a:ext uri="{FF2B5EF4-FFF2-40B4-BE49-F238E27FC236}">
+                <a16:creationId xmlns:a16="http://schemas.microsoft.com/office/drawing/2014/main" id="{CDCA98A1-513E-4B6F-9B5F-753D4D40333F}"/>
+              </a:ext>
+            </a:extLst>
+          </p:cNvPr>
+          <p:cNvCxnSpPr>
+            <a:endCxn id="117" idx="0"/>
+          </p:cNvCxnSpPr>
+          <p:nvPr/>
+        </p:nvCxnSpPr>
+        <p:spPr>
+          <a:xfrm rot="10800000" flipV="1">
+            <a:off x="8063124" y="2932322"/>
+            <a:ext cx="623676" cy="303423"/>
+          </a:xfrm>
+          <a:prstGeom prst="bentConnector2">
+            <a:avLst/>
+          </a:prstGeom>
+          <a:ln>
+            <a:tailEnd type="triangle"/>
+          </a:ln>
+        </p:spPr>
+        <p:style>
+          <a:lnRef idx="1">
+            <a:schemeClr val="accent5"/>
+          </a:lnRef>
+          <a:fillRef idx="0">
+            <a:schemeClr val="accent5"/>
+          </a:fillRef>
+          <a:effectRef idx="0">
+            <a:schemeClr val="accent5"/>
+          </a:effectRef>
+          <a:fontRef idx="minor">
+            <a:schemeClr val="tx1"/>
+          </a:fontRef>
+        </p:style>
+      </p:cxnSp>
+      <p:cxnSp>
+        <p:nvCxnSpPr>
+          <p:cNvPr id="276" name="연결선: 꺾임 275">
+            <a:extLst>
+              <a:ext uri="{FF2B5EF4-FFF2-40B4-BE49-F238E27FC236}">
+                <a16:creationId xmlns:a16="http://schemas.microsoft.com/office/drawing/2014/main" id="{259D9C29-A041-4042-B2C1-433AE209F36C}"/>
+              </a:ext>
+            </a:extLst>
+          </p:cNvPr>
+          <p:cNvCxnSpPr>
+            <a:endCxn id="118" idx="0"/>
+          </p:cNvCxnSpPr>
+          <p:nvPr/>
+        </p:nvCxnSpPr>
+        <p:spPr>
+          <a:xfrm rot="10800000" flipV="1">
+            <a:off x="6099316" y="2932322"/>
+            <a:ext cx="2587484" cy="303424"/>
+          </a:xfrm>
+          <a:prstGeom prst="bentConnector2">
+            <a:avLst/>
+          </a:prstGeom>
+          <a:ln>
+            <a:tailEnd type="triangle"/>
+          </a:ln>
+        </p:spPr>
+        <p:style>
+          <a:lnRef idx="1">
+            <a:schemeClr val="accent5"/>
+          </a:lnRef>
+          <a:fillRef idx="0">
+            <a:schemeClr val="accent5"/>
+          </a:fillRef>
+          <a:effectRef idx="0">
+            <a:schemeClr val="accent5"/>
+          </a:effectRef>
+          <a:fontRef idx="minor">
+            <a:schemeClr val="tx1"/>
+          </a:fontRef>
+        </p:style>
+      </p:cxnSp>
+      <p:cxnSp>
+        <p:nvCxnSpPr>
+          <p:cNvPr id="280" name="연결선: 꺾임 279">
+            <a:extLst>
+              <a:ext uri="{FF2B5EF4-FFF2-40B4-BE49-F238E27FC236}">
+                <a16:creationId xmlns:a16="http://schemas.microsoft.com/office/drawing/2014/main" id="{A5CA203A-C362-408C-BD24-A1E3887BE91A}"/>
+              </a:ext>
+            </a:extLst>
+          </p:cNvPr>
+          <p:cNvCxnSpPr>
+            <a:endCxn id="119" idx="0"/>
+          </p:cNvCxnSpPr>
+          <p:nvPr/>
+        </p:nvCxnSpPr>
+        <p:spPr>
+          <a:xfrm rot="10800000" flipV="1">
+            <a:off x="4135508" y="2922830"/>
+            <a:ext cx="4551292" cy="312916"/>
+          </a:xfrm>
+          <a:prstGeom prst="bentConnector2">
+            <a:avLst/>
+          </a:prstGeom>
+          <a:ln>
+            <a:tailEnd type="triangle"/>
+          </a:ln>
+        </p:spPr>
+        <p:style>
+          <a:lnRef idx="2">
+            <a:schemeClr val="accent5"/>
+          </a:lnRef>
+          <a:fillRef idx="1">
+            <a:schemeClr val="lt1"/>
+          </a:fillRef>
+          <a:effectRef idx="0">
+            <a:schemeClr val="accent5"/>
+          </a:effectRef>
+          <a:fontRef idx="minor">
+            <a:schemeClr val="dk1"/>
+          </a:fontRef>
+        </p:style>
+      </p:cxnSp>
+      <p:cxnSp>
+        <p:nvCxnSpPr>
+          <p:cNvPr id="286" name="직선 화살표 연결선 285">
+            <a:extLst>
+              <a:ext uri="{FF2B5EF4-FFF2-40B4-BE49-F238E27FC236}">
+                <a16:creationId xmlns:a16="http://schemas.microsoft.com/office/drawing/2014/main" id="{1FF488B9-91E2-4C93-8381-62ED0C994437}"/>
+              </a:ext>
+            </a:extLst>
+          </p:cNvPr>
+          <p:cNvCxnSpPr>
+            <a:stCxn id="109" idx="2"/>
+            <a:endCxn id="130" idx="0"/>
+          </p:cNvCxnSpPr>
+          <p:nvPr/>
+        </p:nvCxnSpPr>
+        <p:spPr>
+          <a:xfrm flipH="1">
+            <a:off x="15917268" y="3741161"/>
+            <a:ext cx="1091" cy="2697735"/>
+          </a:xfrm>
+          <a:prstGeom prst="straightConnector1">
+            <a:avLst/>
+          </a:prstGeom>
+          <a:ln>
+            <a:tailEnd type="triangle"/>
+          </a:ln>
+        </p:spPr>
+        <p:style>
+          <a:lnRef idx="2">
+            <a:schemeClr val="accent5"/>
+          </a:lnRef>
+          <a:fillRef idx="1">
+            <a:schemeClr val="lt1"/>
+          </a:fillRef>
+          <a:effectRef idx="0">
+            <a:schemeClr val="accent5"/>
+          </a:effectRef>
+          <a:fontRef idx="minor">
+            <a:schemeClr val="dk1"/>
+          </a:fontRef>
+        </p:style>
+      </p:cxnSp>
+      <p:cxnSp>
+        <p:nvCxnSpPr>
+          <p:cNvPr id="288" name="연결선: 꺾임 287">
+            <a:extLst>
+              <a:ext uri="{FF2B5EF4-FFF2-40B4-BE49-F238E27FC236}">
+                <a16:creationId xmlns:a16="http://schemas.microsoft.com/office/drawing/2014/main" id="{C0E8A6B4-4DF9-4AC8-8D14-41B373A346BB}"/>
+              </a:ext>
+            </a:extLst>
+          </p:cNvPr>
+          <p:cNvCxnSpPr>
+            <a:cxnSpLocks/>
+            <a:stCxn id="109" idx="2"/>
+          </p:cNvCxnSpPr>
+          <p:nvPr/>
+        </p:nvCxnSpPr>
+        <p:spPr>
+          <a:xfrm rot="5400000">
+            <a:off x="13566047" y="4086589"/>
+            <a:ext cx="2697740" cy="2006885"/>
+          </a:xfrm>
+          <a:prstGeom prst="bentConnector3">
+            <a:avLst/>
+          </a:prstGeom>
+          <a:ln>
+            <a:tailEnd type="triangle"/>
+          </a:ln>
+        </p:spPr>
+        <p:style>
+          <a:lnRef idx="2">
+            <a:schemeClr val="accent5"/>
+          </a:lnRef>
+          <a:fillRef idx="1">
+            <a:schemeClr val="lt1"/>
+          </a:fillRef>
+          <a:effectRef idx="0">
+            <a:schemeClr val="accent5"/>
+          </a:effectRef>
+          <a:fontRef idx="minor">
+            <a:schemeClr val="dk1"/>
+          </a:fontRef>
+        </p:style>
+      </p:cxnSp>
+      <p:cxnSp>
+        <p:nvCxnSpPr>
+          <p:cNvPr id="294" name="직선 화살표 연결선 293">
+            <a:extLst>
+              <a:ext uri="{FF2B5EF4-FFF2-40B4-BE49-F238E27FC236}">
+                <a16:creationId xmlns:a16="http://schemas.microsoft.com/office/drawing/2014/main" id="{3C27C504-67ED-4A9C-9E7D-FF016B1B54EE}"/>
+              </a:ext>
+            </a:extLst>
+          </p:cNvPr>
+          <p:cNvCxnSpPr>
+            <a:cxnSpLocks/>
+          </p:cNvCxnSpPr>
+          <p:nvPr/>
+        </p:nvCxnSpPr>
+        <p:spPr>
+          <a:xfrm>
+            <a:off x="11963400" y="3741161"/>
+            <a:ext cx="0" cy="2697738"/>
+          </a:xfrm>
+          <a:prstGeom prst="straightConnector1">
+            <a:avLst/>
+          </a:prstGeom>
+          <a:ln>
+            <a:tailEnd type="triangle"/>
+          </a:ln>
+        </p:spPr>
+        <p:style>
+          <a:lnRef idx="2">
+            <a:schemeClr val="accent5"/>
+          </a:lnRef>
+          <a:fillRef idx="1">
+            <a:schemeClr val="lt1"/>
+          </a:fillRef>
+          <a:effectRef idx="0">
+            <a:schemeClr val="accent5"/>
+          </a:effectRef>
+          <a:fontRef idx="minor">
+            <a:schemeClr val="dk1"/>
+          </a:fontRef>
+        </p:style>
+      </p:cxnSp>
+      <p:cxnSp>
+        <p:nvCxnSpPr>
+          <p:cNvPr id="299" name="연결선: 꺾임 298">
+            <a:extLst>
+              <a:ext uri="{FF2B5EF4-FFF2-40B4-BE49-F238E27FC236}">
+                <a16:creationId xmlns:a16="http://schemas.microsoft.com/office/drawing/2014/main" id="{932DFF5C-6FAC-424A-B943-BC0B239C43A6}"/>
+              </a:ext>
+            </a:extLst>
+          </p:cNvPr>
+          <p:cNvCxnSpPr>
+            <a:cxnSpLocks/>
+          </p:cNvCxnSpPr>
+          <p:nvPr/>
+        </p:nvCxnSpPr>
+        <p:spPr>
+          <a:xfrm rot="5400000">
+            <a:off x="9690513" y="4166012"/>
+            <a:ext cx="2697741" cy="1848037"/>
+          </a:xfrm>
+          <a:prstGeom prst="bentConnector3">
+            <a:avLst/>
+          </a:prstGeom>
+          <a:ln>
+            <a:tailEnd type="triangle"/>
+          </a:ln>
+        </p:spPr>
+        <p:style>
+          <a:lnRef idx="2">
+            <a:schemeClr val="accent5"/>
+          </a:lnRef>
+          <a:fillRef idx="1">
+            <a:schemeClr val="lt1"/>
+          </a:fillRef>
+          <a:effectRef idx="0">
+            <a:schemeClr val="accent5"/>
+          </a:effectRef>
+          <a:fontRef idx="minor">
+            <a:schemeClr val="dk1"/>
+          </a:fontRef>
+        </p:style>
+      </p:cxnSp>
+      <p:cxnSp>
+        <p:nvCxnSpPr>
+          <p:cNvPr id="310" name="직선 화살표 연결선 309">
+            <a:extLst>
+              <a:ext uri="{FF2B5EF4-FFF2-40B4-BE49-F238E27FC236}">
+                <a16:creationId xmlns:a16="http://schemas.microsoft.com/office/drawing/2014/main" id="{77ADB948-D10B-479B-B952-B549983F0197}"/>
+              </a:ext>
+            </a:extLst>
+          </p:cNvPr>
+          <p:cNvCxnSpPr>
+            <a:endCxn id="147" idx="0"/>
+          </p:cNvCxnSpPr>
+          <p:nvPr/>
+        </p:nvCxnSpPr>
+        <p:spPr>
+          <a:xfrm>
+            <a:off x="4178586" y="3945752"/>
+            <a:ext cx="3884538" cy="252706"/>
+          </a:xfrm>
+          <a:prstGeom prst="bentConnector2">
+            <a:avLst/>
+          </a:prstGeom>
+          <a:ln>
+            <a:tailEnd type="triangle"/>
+          </a:ln>
+        </p:spPr>
+        <p:style>
+          <a:lnRef idx="2">
+            <a:schemeClr val="accent5"/>
+          </a:lnRef>
+          <a:fillRef idx="1">
+            <a:schemeClr val="lt1"/>
+          </a:fillRef>
+          <a:effectRef idx="0">
+            <a:schemeClr val="accent5"/>
+          </a:effectRef>
+          <a:fontRef idx="minor">
+            <a:schemeClr val="dk1"/>
+          </a:fontRef>
+        </p:style>
+      </p:cxnSp>
+      <p:cxnSp>
+        <p:nvCxnSpPr>
+          <p:cNvPr id="314" name="연결선: 꺾임 313">
+            <a:extLst>
+              <a:ext uri="{FF2B5EF4-FFF2-40B4-BE49-F238E27FC236}">
+                <a16:creationId xmlns:a16="http://schemas.microsoft.com/office/drawing/2014/main" id="{3713771C-6B34-4191-A508-F86D9FA8B192}"/>
+              </a:ext>
+            </a:extLst>
+          </p:cNvPr>
+          <p:cNvCxnSpPr>
+            <a:endCxn id="109" idx="0"/>
+          </p:cNvCxnSpPr>
+          <p:nvPr/>
+        </p:nvCxnSpPr>
+        <p:spPr>
+          <a:xfrm>
+            <a:off x="13944600" y="2922829"/>
+            <a:ext cx="1973759" cy="312917"/>
+          </a:xfrm>
+          <a:prstGeom prst="bentConnector2">
+            <a:avLst/>
+          </a:prstGeom>
+          <a:ln>
+            <a:tailEnd type="triangle"/>
+          </a:ln>
+        </p:spPr>
+        <p:style>
+          <a:lnRef idx="2">
+            <a:schemeClr val="accent5"/>
+          </a:lnRef>
+          <a:fillRef idx="1">
+            <a:schemeClr val="lt1"/>
+          </a:fillRef>
+          <a:effectRef idx="0">
+            <a:schemeClr val="accent5"/>
+          </a:effectRef>
+          <a:fontRef idx="minor">
+            <a:schemeClr val="dk1"/>
+          </a:fontRef>
+        </p:style>
+      </p:cxnSp>
+      <p:grpSp>
+        <p:nvGrpSpPr>
+          <p:cNvPr id="379" name="그룹 1005">
+            <a:extLst>
+              <a:ext uri="{FF2B5EF4-FFF2-40B4-BE49-F238E27FC236}">
+                <a16:creationId xmlns:a16="http://schemas.microsoft.com/office/drawing/2014/main" id="{794F9CF7-0036-4815-B084-E3927B0754AF}"/>
+              </a:ext>
+            </a:extLst>
+          </p:cNvPr>
+          <p:cNvGrpSpPr/>
+          <p:nvPr/>
+        </p:nvGrpSpPr>
+        <p:grpSpPr>
+          <a:xfrm rot="238697">
+            <a:off x="1086951" y="2004380"/>
+            <a:ext cx="1737274" cy="641227"/>
+            <a:chOff x="3435302" y="4797529"/>
+            <a:chExt cx="1737274" cy="641227"/>
+          </a:xfrm>
+        </p:grpSpPr>
+        <p:pic>
+          <p:nvPicPr>
+            <p:cNvPr id="380" name="Object 14">
+              <a:extLst>
+                <a:ext uri="{FF2B5EF4-FFF2-40B4-BE49-F238E27FC236}">
+                  <a16:creationId xmlns:a16="http://schemas.microsoft.com/office/drawing/2014/main" id="{52FD299B-092A-479E-A29D-9DAD97FA252B}"/>
+                </a:ext>
+              </a:extLst>
+            </p:cNvPr>
+            <p:cNvPicPr>
+              <a:picLocks noChangeAspect="1"/>
+            </p:cNvPicPr>
+            <p:nvPr/>
+          </p:nvPicPr>
+          <p:blipFill>
+            <a:blip r:embed="rId5" cstate="print"/>
+            <a:stretch>
+              <a:fillRect/>
+            </a:stretch>
+          </p:blipFill>
+          <p:spPr>
+            <a:xfrm rot="-240000">
+              <a:off x="3435302" y="4797529"/>
+              <a:ext cx="1737274" cy="641227"/>
+            </a:xfrm>
+            <a:prstGeom prst="rect">
+              <a:avLst/>
+            </a:prstGeom>
+          </p:spPr>
+        </p:pic>
+      </p:grpSp>
+      <p:sp>
+        <p:nvSpPr>
+          <p:cNvPr id="381" name="TextBox 380">
+            <a:extLst>
+              <a:ext uri="{FF2B5EF4-FFF2-40B4-BE49-F238E27FC236}">
+                <a16:creationId xmlns:a16="http://schemas.microsoft.com/office/drawing/2014/main" id="{E6973E96-60D9-4C31-A802-79E8A6CB991F}"/>
+              </a:ext>
+            </a:extLst>
+          </p:cNvPr>
+          <p:cNvSpPr txBox="1"/>
+          <p:nvPr/>
+        </p:nvSpPr>
+        <p:spPr>
+          <a:xfrm>
+            <a:off x="1328172" y="2086094"/>
+            <a:ext cx="1338828" cy="461665"/>
+          </a:xfrm>
+          <a:prstGeom prst="rect">
+            <a:avLst/>
+          </a:prstGeom>
+          <a:noFill/>
+        </p:spPr>
+        <p:txBody>
+          <a:bodyPr wrap="none" lIns="91440" tIns="45720" rIns="91440" bIns="45720" rtlCol="0" anchor="t">
+            <a:spAutoFit/>
+          </a:bodyPr>
+          <a:lstStyle/>
+          <a:p>
+            <a:r>
+              <a:rPr lang="ko-KR" altLang="en-US" sz="2400">
+                <a:solidFill>
+                  <a:srgbClr val="3DC2F2"/>
+                </a:solidFill>
+                <a:latin typeface="나눔고딕" pitchFamily="2" charset="-127"/>
+                <a:ea typeface="나눔고딕" pitchFamily="2" charset="-127"/>
+              </a:rPr>
+              <a:t>사이트맵</a:t>
+            </a:r>
+          </a:p>
+        </p:txBody>
+      </p:sp>
+    </p:spTree>
+    <p:extLst>
+      <p:ext uri="{BB962C8B-B14F-4D97-AF65-F5344CB8AC3E}">
+        <p14:creationId xmlns:p14="http://schemas.microsoft.com/office/powerpoint/2010/main" val="3237463650"/>
+      </p:ext>
+    </p:extLst>
+  </p:cSld>
+  <p:clrMapOvr>
+    <a:masterClrMapping/>
+  </p:clrMapOvr>
+</p:sld>
+</file>
+
+<file path=ppt/slides/slide17.xml><?xml version="1.0" encoding="utf-8"?>
+<p:sld xmlns:a="http://schemas.openxmlformats.org/drawingml/2006/main" xmlns:r="http://schemas.openxmlformats.org/officeDocument/2006/relationships" xmlns:p="http://schemas.openxmlformats.org/presentationml/2006/main">
+  <p:cSld>
+    <p:spTree>
+      <p:nvGrpSpPr>
+        <p:cNvPr id="1" name=""/>
+        <p:cNvGrpSpPr/>
+        <p:nvPr/>
+      </p:nvGrpSpPr>
+      <p:grpSpPr>
+        <a:xfrm>
+          <a:off x="0" y="0"/>
+          <a:ext cx="0" cy="0"/>
+          <a:chOff x="0" y="0"/>
+          <a:chExt cx="0" cy="0"/>
+        </a:xfrm>
+      </p:grpSpPr>
+      <p:grpSp>
+        <p:nvGrpSpPr>
+          <p:cNvPr id="1001" name="그룹 1001"/>
+          <p:cNvGrpSpPr/>
+          <p:nvPr/>
+        </p:nvGrpSpPr>
+        <p:grpSpPr>
+          <a:xfrm>
+            <a:off x="-533333" y="1156587"/>
+            <a:ext cx="19352381" cy="47085"/>
+            <a:chOff x="-533333" y="1156587"/>
+            <a:chExt cx="19352381" cy="47085"/>
+          </a:xfrm>
+        </p:grpSpPr>
+        <p:pic>
+          <p:nvPicPr>
+            <p:cNvPr id="3" name="Object 2"/>
+            <p:cNvPicPr>
+              <a:picLocks noChangeAspect="1"/>
+            </p:cNvPicPr>
+            <p:nvPr/>
+          </p:nvPicPr>
+          <p:blipFill>
+            <a:blip r:embed="rId2" cstate="print"/>
+            <a:stretch>
+              <a:fillRect/>
+            </a:stretch>
+          </p:blipFill>
+          <p:spPr>
+            <a:xfrm>
+              <a:off x="-533333" y="1156587"/>
+              <a:ext cx="19352381" cy="47085"/>
+            </a:xfrm>
+            <a:prstGeom prst="rect">
+              <a:avLst/>
+            </a:prstGeom>
+          </p:spPr>
+        </p:pic>
+      </p:grpSp>
+      <p:pic>
+        <p:nvPicPr>
+          <p:cNvPr id="5" name="Object 4"/>
+          <p:cNvPicPr>
+            <a:picLocks noChangeAspect="1"/>
+          </p:cNvPicPr>
+          <p:nvPr/>
+        </p:nvPicPr>
+        <p:blipFill>
+          <a:blip r:embed="rId3" cstate="print"/>
+          <a:stretch>
+            <a:fillRect/>
+          </a:stretch>
+        </p:blipFill>
+        <p:spPr>
+          <a:xfrm>
+            <a:off x="6278096" y="512133"/>
+            <a:ext cx="4020466" cy="630842"/>
+          </a:xfrm>
+          <a:prstGeom prst="rect">
+            <a:avLst/>
+          </a:prstGeom>
+        </p:spPr>
+      </p:pic>
+      <p:pic>
+        <p:nvPicPr>
+          <p:cNvPr id="22" name="Object 2">
+            <a:extLst>
+              <a:ext uri="{FF2B5EF4-FFF2-40B4-BE49-F238E27FC236}">
+                <a16:creationId xmlns:a16="http://schemas.microsoft.com/office/drawing/2014/main" id="{913E9205-FB52-4F37-92CF-5FCB44AA3D08}"/>
+              </a:ext>
+            </a:extLst>
+          </p:cNvPr>
+          <p:cNvPicPr>
+            <a:picLocks noChangeAspect="1"/>
+          </p:cNvPicPr>
+          <p:nvPr/>
+        </p:nvPicPr>
+        <p:blipFill>
+          <a:blip r:embed="rId4" cstate="print"/>
+          <a:stretch>
+            <a:fillRect/>
+          </a:stretch>
+        </p:blipFill>
+        <p:spPr>
+          <a:xfrm rot="5400000">
+            <a:off x="547940" y="3833560"/>
+            <a:ext cx="6981320" cy="5486400"/>
+          </a:xfrm>
+          <a:prstGeom prst="rect">
+            <a:avLst/>
+          </a:prstGeom>
+        </p:spPr>
+      </p:pic>
+      <p:sp>
+        <p:nvSpPr>
+          <p:cNvPr id="14" name="TextBox 13">
+            <a:extLst>
+              <a:ext uri="{FF2B5EF4-FFF2-40B4-BE49-F238E27FC236}">
+                <a16:creationId xmlns:a16="http://schemas.microsoft.com/office/drawing/2014/main" id="{0B3284B2-C445-4A2C-B7D5-5C4DE7CAB033}"/>
+              </a:ext>
+            </a:extLst>
+          </p:cNvPr>
+          <p:cNvSpPr txBox="1"/>
+          <p:nvPr/>
+        </p:nvSpPr>
+        <p:spPr>
+          <a:xfrm>
+            <a:off x="1013010" y="114300"/>
+            <a:ext cx="1915909" cy="1569660"/>
+          </a:xfrm>
+          <a:prstGeom prst="rect">
+            <a:avLst/>
+          </a:prstGeom>
+          <a:noFill/>
+        </p:spPr>
+        <p:txBody>
+          <a:bodyPr wrap="none" lIns="91440" tIns="45720" rIns="91440" bIns="45720" rtlCol="0" anchor="t">
+            <a:spAutoFit/>
+          </a:bodyPr>
+          <a:lstStyle/>
+          <a:p>
+            <a:r>
+              <a:rPr lang="en-US" altLang="ko-KR" sz="4800" b="1">
+                <a:solidFill>
+                  <a:srgbClr val="0070C0"/>
+                </a:solidFill>
+                <a:latin typeface="나눔고딕" pitchFamily="2" charset="-127"/>
+                <a:ea typeface="나눔고딕" pitchFamily="2" charset="-127"/>
+              </a:rPr>
+              <a:t>  </a:t>
+            </a:r>
+            <a:r>
+              <a:rPr lang="en-US" altLang="ko-KR" sz="7200" b="1">
+                <a:solidFill>
+                  <a:srgbClr val="0070C0"/>
+                </a:solidFill>
+                <a:latin typeface="나눔고딕" pitchFamily="2" charset="-127"/>
+                <a:ea typeface="나눔고딕" pitchFamily="2" charset="-127"/>
+              </a:rPr>
+              <a:t>06</a:t>
+            </a:r>
+          </a:p>
+          <a:p>
+            <a:r>
+              <a:rPr lang="ko-KR" altLang="en-US" sz="2400" b="1">
+                <a:solidFill>
+                  <a:srgbClr val="3DC2F2"/>
+                </a:solidFill>
+                <a:latin typeface="나눔고딕" pitchFamily="2" charset="-127"/>
+                <a:ea typeface="나눔고딕" pitchFamily="2" charset="-127"/>
+              </a:rPr>
+              <a:t>프로그램설계</a:t>
+            </a:r>
+          </a:p>
+        </p:txBody>
+      </p:sp>
+      <p:grpSp>
+        <p:nvGrpSpPr>
+          <p:cNvPr id="11" name="그룹 1005">
+            <a:extLst>
+              <a:ext uri="{FF2B5EF4-FFF2-40B4-BE49-F238E27FC236}">
+                <a16:creationId xmlns:a16="http://schemas.microsoft.com/office/drawing/2014/main" id="{D6A7B08C-A14A-4540-A267-E6EFF41A5D5E}"/>
+              </a:ext>
+            </a:extLst>
+          </p:cNvPr>
+          <p:cNvGrpSpPr/>
+          <p:nvPr/>
+        </p:nvGrpSpPr>
+        <p:grpSpPr>
+          <a:xfrm rot="238697">
+            <a:off x="604267" y="1866576"/>
+            <a:ext cx="2158051" cy="641227"/>
+            <a:chOff x="3435302" y="4797529"/>
+            <a:chExt cx="1737274" cy="641227"/>
+          </a:xfrm>
+        </p:grpSpPr>
+        <p:pic>
+          <p:nvPicPr>
+            <p:cNvPr id="12" name="Object 14">
+              <a:extLst>
+                <a:ext uri="{FF2B5EF4-FFF2-40B4-BE49-F238E27FC236}">
+                  <a16:creationId xmlns:a16="http://schemas.microsoft.com/office/drawing/2014/main" id="{7A670B0F-EA38-44A8-8CCA-E6B0716DE204}"/>
+                </a:ext>
+              </a:extLst>
+            </p:cNvPr>
+            <p:cNvPicPr>
+              <a:picLocks noChangeAspect="1"/>
+            </p:cNvPicPr>
+            <p:nvPr/>
+          </p:nvPicPr>
+          <p:blipFill>
+            <a:blip r:embed="rId5" cstate="print"/>
+            <a:stretch>
+              <a:fillRect/>
+            </a:stretch>
+          </p:blipFill>
+          <p:spPr>
+            <a:xfrm rot="-240000">
+              <a:off x="3435302" y="4797529"/>
+              <a:ext cx="1737274" cy="641227"/>
+            </a:xfrm>
+            <a:prstGeom prst="rect">
+              <a:avLst/>
+            </a:prstGeom>
+          </p:spPr>
+        </p:pic>
+      </p:grpSp>
+      <p:sp>
+        <p:nvSpPr>
+          <p:cNvPr id="13" name="TextBox 12">
+            <a:extLst>
+              <a:ext uri="{FF2B5EF4-FFF2-40B4-BE49-F238E27FC236}">
+                <a16:creationId xmlns:a16="http://schemas.microsoft.com/office/drawing/2014/main" id="{B7CE3C6A-F91A-41D8-9C59-3005453A9D82}"/>
+              </a:ext>
+            </a:extLst>
+          </p:cNvPr>
+          <p:cNvSpPr txBox="1"/>
+          <p:nvPr/>
+        </p:nvSpPr>
+        <p:spPr>
+          <a:xfrm>
+            <a:off x="685800" y="1933694"/>
+            <a:ext cx="2002471" cy="461665"/>
+          </a:xfrm>
+          <a:prstGeom prst="rect">
+            <a:avLst/>
+          </a:prstGeom>
+          <a:noFill/>
+        </p:spPr>
+        <p:txBody>
+          <a:bodyPr wrap="none" lIns="91440" tIns="45720" rIns="91440" bIns="45720" rtlCol="0" anchor="t">
+            <a:spAutoFit/>
+          </a:bodyPr>
+          <a:lstStyle/>
+          <a:p>
+            <a:r>
+              <a:rPr lang="ko-KR" altLang="en-US" sz="2400">
+                <a:solidFill>
+                  <a:srgbClr val="3DC2F2"/>
+                </a:solidFill>
+                <a:latin typeface="나눔고딕" pitchFamily="2" charset="-127"/>
+                <a:ea typeface="나눔고딕" pitchFamily="2" charset="-127"/>
+              </a:rPr>
+              <a:t>디렉토리 설계</a:t>
+            </a:r>
+          </a:p>
+        </p:txBody>
+      </p:sp>
+      <p:pic>
+        <p:nvPicPr>
+          <p:cNvPr id="4" name="그림 3">
+            <a:extLst>
+              <a:ext uri="{FF2B5EF4-FFF2-40B4-BE49-F238E27FC236}">
+                <a16:creationId xmlns:a16="http://schemas.microsoft.com/office/drawing/2014/main" id="{09805C70-8A15-472E-9C8B-B058D2D0518D}"/>
+              </a:ext>
+            </a:extLst>
+          </p:cNvPr>
+          <p:cNvPicPr>
+            <a:picLocks noChangeAspect="1"/>
+          </p:cNvPicPr>
+          <p:nvPr/>
+        </p:nvPicPr>
+        <p:blipFill>
+          <a:blip r:embed="rId6"/>
+          <a:stretch>
+            <a:fillRect/>
+          </a:stretch>
+        </p:blipFill>
+        <p:spPr>
+          <a:xfrm>
+            <a:off x="2209800" y="3579748"/>
+            <a:ext cx="2695575" cy="6115050"/>
+          </a:xfrm>
+          <a:prstGeom prst="rect">
+            <a:avLst/>
+          </a:prstGeom>
+        </p:spPr>
+      </p:pic>
+    </p:spTree>
+    <p:extLst>
+      <p:ext uri="{BB962C8B-B14F-4D97-AF65-F5344CB8AC3E}">
+        <p14:creationId xmlns:p14="http://schemas.microsoft.com/office/powerpoint/2010/main" val="832725653"/>
+      </p:ext>
+    </p:extLst>
+  </p:cSld>
+  <p:clrMapOvr>
+    <a:masterClrMapping/>
+  </p:clrMapOvr>
+</p:sld>
+</file>
+
+<file path=ppt/slides/slide18.xml><?xml version="1.0" encoding="utf-8"?>
 <p:sld xmlns:a="http://schemas.openxmlformats.org/drawingml/2006/main" xmlns:r="http://schemas.openxmlformats.org/officeDocument/2006/relationships" xmlns:p="http://schemas.openxmlformats.org/presentationml/2006/main">
   <p:cSld name="Slide 20">
     <p:bg>
@@ -6317,7 +9449,7 @@
         </p:nvGrpSpPr>
         <p:grpSpPr>
           <a:xfrm>
-            <a:off x="8149797" y="3387055"/>
+            <a:off x="7827696" y="3387055"/>
             <a:ext cx="1986120" cy="693086"/>
             <a:chOff x="8149797" y="3387055"/>
             <a:chExt cx="1986120" cy="693086"/>
@@ -6364,7 +9496,7 @@
         </p:blipFill>
         <p:spPr>
           <a:xfrm rot="300000">
-            <a:off x="8047494" y="3504781"/>
+            <a:off x="7725393" y="3504781"/>
             <a:ext cx="1981225" cy="756388"/>
           </a:xfrm>
           <a:prstGeom prst="rect">
@@ -6386,8 +9518,8 @@
         </p:nvSpPr>
         <p:spPr>
           <a:xfrm>
-            <a:off x="6934200" y="4324171"/>
-            <a:ext cx="8839200" cy="1200329"/>
+            <a:off x="3200400" y="4552771"/>
+            <a:ext cx="11734800" cy="1200329"/>
           </a:xfrm>
           <a:prstGeom prst="rect">
             <a:avLst/>
@@ -6419,7 +9551,23 @@
                   <a:schemeClr val="bg1"/>
                 </a:solidFill>
               </a:rPr>
-              <a:t>구현 기능 </a:t>
+              <a:t>   </a:t>
+            </a:r>
+            <a:r>
+              <a:rPr lang="en-US" altLang="ko-KR" sz="7200">
+                <a:solidFill>
+                  <a:schemeClr val="bg1"/>
+                </a:solidFill>
+              </a:rPr>
+              <a:t>				</a:t>
+            </a:r>
+            <a:r>
+              <a:rPr lang="ko-KR" altLang="en-US" sz="7200">
+                <a:solidFill>
+                  <a:schemeClr val="bg1"/>
+                </a:solidFill>
+              </a:rPr>
+              <a:t> 구현 기능 </a:t>
             </a:r>
           </a:p>
         </p:txBody>
@@ -6432,7 +9580,7 @@
 </p:sld>
 </file>
 
-<file path=ppt/slides/slide17.xml><?xml version="1.0" encoding="utf-8"?>
+<file path=ppt/slides/slide19.xml><?xml version="1.0" encoding="utf-8"?>
 <p:sld xmlns:a="http://schemas.openxmlformats.org/drawingml/2006/main" xmlns:r="http://schemas.openxmlformats.org/officeDocument/2006/relationships" xmlns:p="http://schemas.openxmlformats.org/presentationml/2006/main">
   <p:cSld name="Slide 21">
     <p:bg>
@@ -6443,6 +9591,1549 @@
         <a:effectLst/>
       </p:bgPr>
     </p:bg>
+    <p:spTree>
+      <p:nvGrpSpPr>
+        <p:cNvPr id="1" name=""/>
+        <p:cNvGrpSpPr/>
+        <p:nvPr/>
+      </p:nvGrpSpPr>
+      <p:grpSpPr>
+        <a:xfrm>
+          <a:off x="0" y="0"/>
+          <a:ext cx="0" cy="0"/>
+          <a:chOff x="0" y="0"/>
+          <a:chExt cx="0" cy="0"/>
+        </a:xfrm>
+      </p:grpSpPr>
+      <p:grpSp>
+        <p:nvGrpSpPr>
+          <p:cNvPr id="1001" name="그룹 1001"/>
+          <p:cNvGrpSpPr/>
+          <p:nvPr/>
+        </p:nvGrpSpPr>
+        <p:grpSpPr>
+          <a:xfrm>
+            <a:off x="561203" y="2705100"/>
+            <a:ext cx="5458597" cy="6858000"/>
+            <a:chOff x="9344529" y="4857788"/>
+            <a:chExt cx="27897030" cy="4882643"/>
+          </a:xfrm>
+        </p:grpSpPr>
+        <p:pic>
+          <p:nvPicPr>
+            <p:cNvPr id="3" name="Object 2"/>
+            <p:cNvPicPr>
+              <a:picLocks noChangeAspect="1"/>
+            </p:cNvPicPr>
+            <p:nvPr/>
+          </p:nvPicPr>
+          <p:blipFill>
+            <a:blip r:embed="rId2" cstate="print"/>
+            <a:stretch>
+              <a:fillRect/>
+            </a:stretch>
+          </p:blipFill>
+          <p:spPr>
+            <a:xfrm rot="5400000">
+              <a:off x="20851722" y="-6649405"/>
+              <a:ext cx="4882643" cy="27897030"/>
+            </a:xfrm>
+            <a:prstGeom prst="rect">
+              <a:avLst/>
+            </a:prstGeom>
+          </p:spPr>
+        </p:pic>
+      </p:grpSp>
+      <p:grpSp>
+        <p:nvGrpSpPr>
+          <p:cNvPr id="1005" name="그룹 1005"/>
+          <p:cNvGrpSpPr/>
+          <p:nvPr/>
+        </p:nvGrpSpPr>
+        <p:grpSpPr>
+          <a:xfrm>
+            <a:off x="-533333" y="1156587"/>
+            <a:ext cx="19352381" cy="47085"/>
+            <a:chOff x="-533333" y="1156587"/>
+            <a:chExt cx="19352381" cy="47085"/>
+          </a:xfrm>
+        </p:grpSpPr>
+        <p:pic>
+          <p:nvPicPr>
+            <p:cNvPr id="16" name="Object 15"/>
+            <p:cNvPicPr>
+              <a:picLocks noChangeAspect="1"/>
+            </p:cNvPicPr>
+            <p:nvPr/>
+          </p:nvPicPr>
+          <p:blipFill>
+            <a:blip r:embed="rId3" cstate="print"/>
+            <a:stretch>
+              <a:fillRect/>
+            </a:stretch>
+          </p:blipFill>
+          <p:spPr>
+            <a:xfrm>
+              <a:off x="-533333" y="1156587"/>
+              <a:ext cx="19352381" cy="47085"/>
+            </a:xfrm>
+            <a:prstGeom prst="rect">
+              <a:avLst/>
+            </a:prstGeom>
+          </p:spPr>
+        </p:pic>
+      </p:grpSp>
+      <p:grpSp>
+        <p:nvGrpSpPr>
+          <p:cNvPr id="13" name="그룹 1001">
+            <a:extLst>
+              <a:ext uri="{FF2B5EF4-FFF2-40B4-BE49-F238E27FC236}">
+                <a16:creationId xmlns:a16="http://schemas.microsoft.com/office/drawing/2014/main" id="{FD2EA4E0-A3ED-489E-A458-6578D4BF7414}"/>
+              </a:ext>
+            </a:extLst>
+          </p:cNvPr>
+          <p:cNvGrpSpPr/>
+          <p:nvPr/>
+        </p:nvGrpSpPr>
+        <p:grpSpPr>
+          <a:xfrm>
+            <a:off x="6481763" y="2596070"/>
+            <a:ext cx="5329237" cy="6890830"/>
+            <a:chOff x="9344529" y="4857788"/>
+            <a:chExt cx="27897030" cy="4882643"/>
+          </a:xfrm>
+        </p:grpSpPr>
+        <p:pic>
+          <p:nvPicPr>
+            <p:cNvPr id="15" name="Object 2">
+              <a:extLst>
+                <a:ext uri="{FF2B5EF4-FFF2-40B4-BE49-F238E27FC236}">
+                  <a16:creationId xmlns:a16="http://schemas.microsoft.com/office/drawing/2014/main" id="{40EC4E48-2708-4B55-B967-511E5A223649}"/>
+                </a:ext>
+              </a:extLst>
+            </p:cNvPr>
+            <p:cNvPicPr>
+              <a:picLocks noChangeAspect="1"/>
+            </p:cNvPicPr>
+            <p:nvPr/>
+          </p:nvPicPr>
+          <p:blipFill>
+            <a:blip r:embed="rId2" cstate="print"/>
+            <a:stretch>
+              <a:fillRect/>
+            </a:stretch>
+          </p:blipFill>
+          <p:spPr>
+            <a:xfrm rot="5400000">
+              <a:off x="20851722" y="-6649405"/>
+              <a:ext cx="4882643" cy="27897030"/>
+            </a:xfrm>
+            <a:prstGeom prst="rect">
+              <a:avLst/>
+            </a:prstGeom>
+          </p:spPr>
+        </p:pic>
+      </p:grpSp>
+      <p:grpSp>
+        <p:nvGrpSpPr>
+          <p:cNvPr id="19" name="그룹 1001">
+            <a:extLst>
+              <a:ext uri="{FF2B5EF4-FFF2-40B4-BE49-F238E27FC236}">
+                <a16:creationId xmlns:a16="http://schemas.microsoft.com/office/drawing/2014/main" id="{2FDCD343-FFD1-4A21-89A6-3D119CC48B14}"/>
+              </a:ext>
+            </a:extLst>
+          </p:cNvPr>
+          <p:cNvGrpSpPr/>
+          <p:nvPr/>
+        </p:nvGrpSpPr>
+        <p:grpSpPr>
+          <a:xfrm>
+            <a:off x="12253168" y="2398164"/>
+            <a:ext cx="5763397" cy="6890830"/>
+            <a:chOff x="9344529" y="4857788"/>
+            <a:chExt cx="27897030" cy="4882643"/>
+          </a:xfrm>
+        </p:grpSpPr>
+        <p:pic>
+          <p:nvPicPr>
+            <p:cNvPr id="20" name="Object 2">
+              <a:extLst>
+                <a:ext uri="{FF2B5EF4-FFF2-40B4-BE49-F238E27FC236}">
+                  <a16:creationId xmlns:a16="http://schemas.microsoft.com/office/drawing/2014/main" id="{839BD0EB-5918-4B17-97DF-36A8C07966C1}"/>
+                </a:ext>
+              </a:extLst>
+            </p:cNvPr>
+            <p:cNvPicPr>
+              <a:picLocks noChangeAspect="1"/>
+            </p:cNvPicPr>
+            <p:nvPr/>
+          </p:nvPicPr>
+          <p:blipFill>
+            <a:blip r:embed="rId2" cstate="print"/>
+            <a:stretch>
+              <a:fillRect/>
+            </a:stretch>
+          </p:blipFill>
+          <p:spPr>
+            <a:xfrm rot="5400000">
+              <a:off x="20851722" y="-6649405"/>
+              <a:ext cx="4882643" cy="27897030"/>
+            </a:xfrm>
+            <a:prstGeom prst="rect">
+              <a:avLst/>
+            </a:prstGeom>
+          </p:spPr>
+        </p:pic>
+      </p:grpSp>
+      <p:sp>
+        <p:nvSpPr>
+          <p:cNvPr id="17" name="TextBox 16">
+            <a:extLst>
+              <a:ext uri="{FF2B5EF4-FFF2-40B4-BE49-F238E27FC236}">
+                <a16:creationId xmlns:a16="http://schemas.microsoft.com/office/drawing/2014/main" id="{C56EEF68-52AF-43A5-B4E2-1A1FE8E6B383}"/>
+              </a:ext>
+            </a:extLst>
+          </p:cNvPr>
+          <p:cNvSpPr txBox="1"/>
+          <p:nvPr/>
+        </p:nvSpPr>
+        <p:spPr>
+          <a:xfrm>
+            <a:off x="8305800" y="590371"/>
+            <a:ext cx="8839200" cy="1200329"/>
+          </a:xfrm>
+          <a:prstGeom prst="rect">
+            <a:avLst/>
+          </a:prstGeom>
+          <a:noFill/>
+        </p:spPr>
+        <p:txBody>
+          <a:bodyPr wrap="square" lIns="91440" tIns="45720" rIns="91440" bIns="45720" rtlCol="0" anchor="t">
+            <a:spAutoFit/>
+          </a:bodyPr>
+          <a:lstStyle>
+            <a:defPPr>
+              <a:defRPr lang="en-US"/>
+            </a:defPPr>
+            <a:lvl1pPr>
+              <a:defRPr sz="2400" b="1">
+                <a:solidFill>
+                  <a:srgbClr val="3DC2F2"/>
+                </a:solidFill>
+                <a:latin typeface="나눔고딕" pitchFamily="2" charset="-127"/>
+                <a:ea typeface="나눔고딕" pitchFamily="2" charset="-127"/>
+              </a:defRPr>
+            </a:lvl1pPr>
+          </a:lstStyle>
+          <a:p>
+            <a:r>
+              <a:rPr lang="ko-KR" altLang="en-US" kern="2100" spc="500">
+                <a:solidFill>
+                  <a:srgbClr val="5DD0F0"/>
+                </a:solidFill>
+              </a:rPr>
+              <a:t>구현기능</a:t>
+            </a:r>
+            <a:endParaRPr lang="en-US" altLang="ko-KR" kern="2100" spc="500">
+              <a:solidFill>
+                <a:srgbClr val="5DD0F0"/>
+              </a:solidFill>
+            </a:endParaRPr>
+          </a:p>
+          <a:p>
+            <a:endParaRPr lang="en-US" altLang="ko-KR" kern="2100" spc="500">
+              <a:solidFill>
+                <a:srgbClr val="5DD0F0"/>
+              </a:solidFill>
+            </a:endParaRPr>
+          </a:p>
+          <a:p>
+            <a:endParaRPr lang="ko-KR" altLang="en-US" kern="2100" spc="500">
+              <a:solidFill>
+                <a:srgbClr val="5DD0F0"/>
+              </a:solidFill>
+            </a:endParaRPr>
+          </a:p>
+        </p:txBody>
+      </p:sp>
+      <p:sp>
+        <p:nvSpPr>
+          <p:cNvPr id="21" name="TextBox 20">
+            <a:extLst>
+              <a:ext uri="{FF2B5EF4-FFF2-40B4-BE49-F238E27FC236}">
+                <a16:creationId xmlns:a16="http://schemas.microsoft.com/office/drawing/2014/main" id="{642D6FFE-D84A-41A0-9A94-D6746B1C7EED}"/>
+              </a:ext>
+            </a:extLst>
+          </p:cNvPr>
+          <p:cNvSpPr txBox="1"/>
+          <p:nvPr/>
+        </p:nvSpPr>
+        <p:spPr>
+          <a:xfrm>
+            <a:off x="1013010" y="114300"/>
+            <a:ext cx="1845377" cy="1692771"/>
+          </a:xfrm>
+          <a:prstGeom prst="rect">
+            <a:avLst/>
+          </a:prstGeom>
+          <a:noFill/>
+        </p:spPr>
+        <p:txBody>
+          <a:bodyPr wrap="none" lIns="91440" tIns="45720" rIns="91440" bIns="45720" rtlCol="0" anchor="t">
+            <a:spAutoFit/>
+          </a:bodyPr>
+          <a:lstStyle/>
+          <a:p>
+            <a:r>
+              <a:rPr lang="en-US" altLang="ko-KR" sz="4800" b="1">
+                <a:solidFill>
+                  <a:srgbClr val="0070C0"/>
+                </a:solidFill>
+                <a:latin typeface="나눔고딕" pitchFamily="2" charset="-127"/>
+                <a:ea typeface="나눔고딕" pitchFamily="2" charset="-127"/>
+              </a:rPr>
+              <a:t>  </a:t>
+            </a:r>
+            <a:r>
+              <a:rPr lang="en-US" altLang="ko-KR" sz="7200" b="1">
+                <a:solidFill>
+                  <a:srgbClr val="0070C0"/>
+                </a:solidFill>
+                <a:latin typeface="나눔고딕" pitchFamily="2" charset="-127"/>
+                <a:ea typeface="나눔고딕" pitchFamily="2" charset="-127"/>
+              </a:rPr>
+              <a:t>08</a:t>
+            </a:r>
+          </a:p>
+          <a:p>
+            <a:r>
+              <a:rPr lang="en-US" altLang="ko-KR" sz="3200" b="1">
+                <a:solidFill>
+                  <a:srgbClr val="3DC2F2"/>
+                </a:solidFill>
+                <a:latin typeface="나눔고딕" pitchFamily="2" charset="-127"/>
+                <a:ea typeface="나눔고딕" pitchFamily="2" charset="-127"/>
+              </a:rPr>
+              <a:t> </a:t>
+            </a:r>
+            <a:r>
+              <a:rPr lang="ko-KR" altLang="en-US" sz="3200" b="1">
+                <a:solidFill>
+                  <a:srgbClr val="3DC2F2"/>
+                </a:solidFill>
+                <a:latin typeface="나눔고딕" pitchFamily="2" charset="-127"/>
+                <a:ea typeface="나눔고딕" pitchFamily="2" charset="-127"/>
+              </a:rPr>
+              <a:t>구현기능</a:t>
+            </a:r>
+          </a:p>
+        </p:txBody>
+      </p:sp>
+      <p:pic>
+        <p:nvPicPr>
+          <p:cNvPr id="26" name="그림 25">
+            <a:extLst>
+              <a:ext uri="{FF2B5EF4-FFF2-40B4-BE49-F238E27FC236}">
+                <a16:creationId xmlns:a16="http://schemas.microsoft.com/office/drawing/2014/main" id="{86009A06-AC56-4BCB-AE75-57BC187708B2}"/>
+              </a:ext>
+            </a:extLst>
+          </p:cNvPr>
+          <p:cNvPicPr>
+            <a:picLocks noChangeAspect="1"/>
+          </p:cNvPicPr>
+          <p:nvPr/>
+        </p:nvPicPr>
+        <p:blipFill>
+          <a:blip r:embed="rId4"/>
+          <a:stretch>
+            <a:fillRect/>
+          </a:stretch>
+        </p:blipFill>
+        <p:spPr>
+          <a:xfrm>
+            <a:off x="13306425" y="1371020"/>
+            <a:ext cx="4371975" cy="923925"/>
+          </a:xfrm>
+          <a:prstGeom prst="rect">
+            <a:avLst/>
+          </a:prstGeom>
+        </p:spPr>
+      </p:pic>
+    </p:spTree>
+  </p:cSld>
+  <p:clrMapOvr>
+    <a:masterClrMapping/>
+  </p:clrMapOvr>
+</p:sld>
+</file>
+
+<file path=ppt/slides/slide2.xml><?xml version="1.0" encoding="utf-8"?>
+<p:sld xmlns:a="http://schemas.openxmlformats.org/drawingml/2006/main" xmlns:r="http://schemas.openxmlformats.org/officeDocument/2006/relationships" xmlns:p="http://schemas.openxmlformats.org/presentationml/2006/main">
+  <p:cSld name="Slide 2">
+    <p:bg>
+      <p:bgPr>
+        <a:solidFill>
+          <a:srgbClr val="F5F5F5"/>
+        </a:solidFill>
+        <a:effectLst/>
+      </p:bgPr>
+    </p:bg>
+    <p:spTree>
+      <p:nvGrpSpPr>
+        <p:cNvPr id="1" name=""/>
+        <p:cNvGrpSpPr/>
+        <p:nvPr/>
+      </p:nvGrpSpPr>
+      <p:grpSpPr>
+        <a:xfrm>
+          <a:off x="0" y="0"/>
+          <a:ext cx="0" cy="0"/>
+          <a:chOff x="0" y="0"/>
+          <a:chExt cx="0" cy="0"/>
+        </a:xfrm>
+      </p:grpSpPr>
+      <p:grpSp>
+        <p:nvGrpSpPr>
+          <p:cNvPr id="53" name="그룹 1003">
+            <a:extLst>
+              <a:ext uri="{FF2B5EF4-FFF2-40B4-BE49-F238E27FC236}">
+                <a16:creationId xmlns:a16="http://schemas.microsoft.com/office/drawing/2014/main" id="{433EEE94-3D5A-4FCD-AE30-4F9B61A0FC79}"/>
+              </a:ext>
+            </a:extLst>
+          </p:cNvPr>
+          <p:cNvGrpSpPr/>
+          <p:nvPr/>
+        </p:nvGrpSpPr>
+        <p:grpSpPr>
+          <a:xfrm>
+            <a:off x="12268200" y="4732067"/>
+            <a:ext cx="4925258" cy="5358996"/>
+            <a:chOff x="912641" y="6921126"/>
+            <a:chExt cx="2957564" cy="3309932"/>
+          </a:xfrm>
+        </p:grpSpPr>
+        <p:pic>
+          <p:nvPicPr>
+            <p:cNvPr id="54" name="Object 10">
+              <a:extLst>
+                <a:ext uri="{FF2B5EF4-FFF2-40B4-BE49-F238E27FC236}">
+                  <a16:creationId xmlns:a16="http://schemas.microsoft.com/office/drawing/2014/main" id="{A812D9C2-E8D5-4A06-B23D-B21A6097A76F}"/>
+                </a:ext>
+              </a:extLst>
+            </p:cNvPr>
+            <p:cNvPicPr>
+              <a:picLocks noChangeAspect="1"/>
+            </p:cNvPicPr>
+            <p:nvPr/>
+          </p:nvPicPr>
+          <p:blipFill>
+            <a:blip r:embed="rId2" cstate="print"/>
+            <a:stretch>
+              <a:fillRect/>
+            </a:stretch>
+          </p:blipFill>
+          <p:spPr>
+            <a:xfrm>
+              <a:off x="912641" y="6921126"/>
+              <a:ext cx="2957564" cy="3309932"/>
+            </a:xfrm>
+            <a:prstGeom prst="rect">
+              <a:avLst/>
+            </a:prstGeom>
+          </p:spPr>
+        </p:pic>
+      </p:grpSp>
+      <p:grpSp>
+        <p:nvGrpSpPr>
+          <p:cNvPr id="46" name="그룹 1003">
+            <a:extLst>
+              <a:ext uri="{FF2B5EF4-FFF2-40B4-BE49-F238E27FC236}">
+                <a16:creationId xmlns:a16="http://schemas.microsoft.com/office/drawing/2014/main" id="{D6F50027-82D8-441B-AF7A-75EEB2CD1BFF}"/>
+              </a:ext>
+            </a:extLst>
+          </p:cNvPr>
+          <p:cNvGrpSpPr/>
+          <p:nvPr/>
+        </p:nvGrpSpPr>
+        <p:grpSpPr>
+          <a:xfrm>
+            <a:off x="6885742" y="4758791"/>
+            <a:ext cx="4925258" cy="5358996"/>
+            <a:chOff x="912641" y="6921126"/>
+            <a:chExt cx="2957564" cy="3309932"/>
+          </a:xfrm>
+        </p:grpSpPr>
+        <p:pic>
+          <p:nvPicPr>
+            <p:cNvPr id="48" name="Object 10">
+              <a:extLst>
+                <a:ext uri="{FF2B5EF4-FFF2-40B4-BE49-F238E27FC236}">
+                  <a16:creationId xmlns:a16="http://schemas.microsoft.com/office/drawing/2014/main" id="{816E592E-D6C1-4C1D-8E0B-4DED05EAC1E9}"/>
+                </a:ext>
+              </a:extLst>
+            </p:cNvPr>
+            <p:cNvPicPr>
+              <a:picLocks noChangeAspect="1"/>
+            </p:cNvPicPr>
+            <p:nvPr/>
+          </p:nvPicPr>
+          <p:blipFill>
+            <a:blip r:embed="rId2" cstate="print"/>
+            <a:stretch>
+              <a:fillRect/>
+            </a:stretch>
+          </p:blipFill>
+          <p:spPr>
+            <a:xfrm>
+              <a:off x="912641" y="6921126"/>
+              <a:ext cx="2957564" cy="3309932"/>
+            </a:xfrm>
+            <a:prstGeom prst="rect">
+              <a:avLst/>
+            </a:prstGeom>
+          </p:spPr>
+        </p:pic>
+      </p:grpSp>
+      <p:grpSp>
+        <p:nvGrpSpPr>
+          <p:cNvPr id="1008" name="그룹 1008"/>
+          <p:cNvGrpSpPr/>
+          <p:nvPr/>
+        </p:nvGrpSpPr>
+        <p:grpSpPr>
+          <a:xfrm>
+            <a:off x="3427941" y="4371263"/>
+            <a:ext cx="839259" cy="162637"/>
+            <a:chOff x="3604153" y="5313487"/>
+            <a:chExt cx="839259" cy="162637"/>
+          </a:xfrm>
+        </p:grpSpPr>
+        <p:pic>
+          <p:nvPicPr>
+            <p:cNvPr id="26" name="Object 25"/>
+            <p:cNvPicPr>
+              <a:picLocks noChangeAspect="1"/>
+            </p:cNvPicPr>
+            <p:nvPr/>
+          </p:nvPicPr>
+          <p:blipFill>
+            <a:blip r:embed="rId3" cstate="print"/>
+            <a:stretch>
+              <a:fillRect/>
+            </a:stretch>
+          </p:blipFill>
+          <p:spPr>
+            <a:xfrm rot="5400000">
+              <a:off x="3604153" y="5313487"/>
+              <a:ext cx="839259" cy="162637"/>
+            </a:xfrm>
+            <a:prstGeom prst="rect">
+              <a:avLst/>
+            </a:prstGeom>
+          </p:spPr>
+        </p:pic>
+      </p:grpSp>
+      <p:grpSp>
+        <p:nvGrpSpPr>
+          <p:cNvPr id="1003" name="그룹 1003"/>
+          <p:cNvGrpSpPr/>
+          <p:nvPr/>
+        </p:nvGrpSpPr>
+        <p:grpSpPr>
+          <a:xfrm>
+            <a:off x="1330077" y="4788228"/>
+            <a:ext cx="4925258" cy="5358996"/>
+            <a:chOff x="2511715" y="6304539"/>
+            <a:chExt cx="2957564" cy="3309932"/>
+          </a:xfrm>
+        </p:grpSpPr>
+        <p:pic>
+          <p:nvPicPr>
+            <p:cNvPr id="11" name="Object 10"/>
+            <p:cNvPicPr>
+              <a:picLocks noChangeAspect="1"/>
+            </p:cNvPicPr>
+            <p:nvPr/>
+          </p:nvPicPr>
+          <p:blipFill>
+            <a:blip r:embed="rId2" cstate="print"/>
+            <a:stretch>
+              <a:fillRect/>
+            </a:stretch>
+          </p:blipFill>
+          <p:spPr>
+            <a:xfrm>
+              <a:off x="2511715" y="6304539"/>
+              <a:ext cx="2957564" cy="3309932"/>
+            </a:xfrm>
+            <a:prstGeom prst="rect">
+              <a:avLst/>
+            </a:prstGeom>
+          </p:spPr>
+        </p:pic>
+      </p:grpSp>
+      <p:grpSp>
+        <p:nvGrpSpPr>
+          <p:cNvPr id="1012" name="그룹 1012"/>
+          <p:cNvGrpSpPr/>
+          <p:nvPr/>
+        </p:nvGrpSpPr>
+        <p:grpSpPr>
+          <a:xfrm>
+            <a:off x="3124200" y="4610100"/>
+            <a:ext cx="1499904" cy="1499904"/>
+            <a:chOff x="3240545" y="5590773"/>
+            <a:chExt cx="1499904" cy="1499904"/>
+          </a:xfrm>
+        </p:grpSpPr>
+        <p:pic>
+          <p:nvPicPr>
+            <p:cNvPr id="38" name="Object 37"/>
+            <p:cNvPicPr>
+              <a:picLocks noChangeAspect="1"/>
+            </p:cNvPicPr>
+            <p:nvPr/>
+          </p:nvPicPr>
+          <p:blipFill>
+            <a:blip r:embed="rId4" cstate="print"/>
+            <a:stretch>
+              <a:fillRect/>
+            </a:stretch>
+          </p:blipFill>
+          <p:spPr>
+            <a:xfrm>
+              <a:off x="3240545" y="5590773"/>
+              <a:ext cx="1499904" cy="1499904"/>
+            </a:xfrm>
+            <a:prstGeom prst="rect">
+              <a:avLst/>
+            </a:prstGeom>
+          </p:spPr>
+        </p:pic>
+      </p:grpSp>
+      <p:pic>
+        <p:nvPicPr>
+          <p:cNvPr id="2" name="Object 1"/>
+          <p:cNvPicPr>
+            <a:picLocks noChangeAspect="1"/>
+          </p:cNvPicPr>
+          <p:nvPr/>
+        </p:nvPicPr>
+        <p:blipFill>
+          <a:blip r:embed="rId5" cstate="print"/>
+          <a:stretch>
+            <a:fillRect/>
+          </a:stretch>
+        </p:blipFill>
+        <p:spPr>
+          <a:xfrm>
+            <a:off x="6278096" y="512133"/>
+            <a:ext cx="4406132" cy="630841"/>
+          </a:xfrm>
+          <a:prstGeom prst="rect">
+            <a:avLst/>
+          </a:prstGeom>
+        </p:spPr>
+      </p:pic>
+      <p:grpSp>
+        <p:nvGrpSpPr>
+          <p:cNvPr id="1001" name="그룹 1001"/>
+          <p:cNvGrpSpPr/>
+          <p:nvPr/>
+        </p:nvGrpSpPr>
+        <p:grpSpPr>
+          <a:xfrm>
+            <a:off x="-533333" y="1156587"/>
+            <a:ext cx="19352381" cy="47085"/>
+            <a:chOff x="-533333" y="1156587"/>
+            <a:chExt cx="19352381" cy="47085"/>
+          </a:xfrm>
+        </p:grpSpPr>
+        <p:pic>
+          <p:nvPicPr>
+            <p:cNvPr id="4" name="Object 3"/>
+            <p:cNvPicPr>
+              <a:picLocks noChangeAspect="1"/>
+            </p:cNvPicPr>
+            <p:nvPr/>
+          </p:nvPicPr>
+          <p:blipFill>
+            <a:blip r:embed="rId6" cstate="print"/>
+            <a:stretch>
+              <a:fillRect/>
+            </a:stretch>
+          </p:blipFill>
+          <p:spPr>
+            <a:xfrm>
+              <a:off x="-533333" y="1156587"/>
+              <a:ext cx="19352381" cy="47085"/>
+            </a:xfrm>
+            <a:prstGeom prst="rect">
+              <a:avLst/>
+            </a:prstGeom>
+          </p:spPr>
+        </p:pic>
+      </p:grpSp>
+      <p:grpSp>
+        <p:nvGrpSpPr>
+          <p:cNvPr id="1006" name="그룹 1006"/>
+          <p:cNvGrpSpPr/>
+          <p:nvPr/>
+        </p:nvGrpSpPr>
+        <p:grpSpPr>
+          <a:xfrm>
+            <a:off x="8940031" y="3958649"/>
+            <a:ext cx="947534" cy="155286"/>
+            <a:chOff x="8669090" y="4415849"/>
+            <a:chExt cx="947534" cy="155286"/>
+          </a:xfrm>
+        </p:grpSpPr>
+        <p:pic>
+          <p:nvPicPr>
+            <p:cNvPr id="20" name="Object 19"/>
+            <p:cNvPicPr>
+              <a:picLocks noChangeAspect="1"/>
+            </p:cNvPicPr>
+            <p:nvPr/>
+          </p:nvPicPr>
+          <p:blipFill>
+            <a:blip r:embed="rId7" cstate="print"/>
+            <a:stretch>
+              <a:fillRect/>
+            </a:stretch>
+          </p:blipFill>
+          <p:spPr>
+            <a:xfrm rot="5400000">
+              <a:off x="8669090" y="4415849"/>
+              <a:ext cx="947534" cy="155286"/>
+            </a:xfrm>
+            <a:prstGeom prst="rect">
+              <a:avLst/>
+            </a:prstGeom>
+          </p:spPr>
+        </p:pic>
+      </p:grpSp>
+      <p:grpSp>
+        <p:nvGrpSpPr>
+          <p:cNvPr id="1007" name="그룹 1007"/>
+          <p:cNvGrpSpPr/>
+          <p:nvPr/>
+        </p:nvGrpSpPr>
+        <p:grpSpPr>
+          <a:xfrm>
+            <a:off x="3827153" y="3927163"/>
+            <a:ext cx="11062660" cy="312966"/>
+            <a:chOff x="4008542" y="4890550"/>
+            <a:chExt cx="10268629" cy="161130"/>
+          </a:xfrm>
+        </p:grpSpPr>
+        <p:pic>
+          <p:nvPicPr>
+            <p:cNvPr id="23" name="Object 22"/>
+            <p:cNvPicPr>
+              <a:picLocks noChangeAspect="1"/>
+            </p:cNvPicPr>
+            <p:nvPr/>
+          </p:nvPicPr>
+          <p:blipFill>
+            <a:blip r:embed="rId8" cstate="print"/>
+            <a:stretch>
+              <a:fillRect/>
+            </a:stretch>
+          </p:blipFill>
+          <p:spPr>
+            <a:xfrm>
+              <a:off x="4008542" y="4890550"/>
+              <a:ext cx="10268629" cy="161130"/>
+            </a:xfrm>
+            <a:prstGeom prst="rect">
+              <a:avLst/>
+            </a:prstGeom>
+          </p:spPr>
+        </p:pic>
+      </p:grpSp>
+      <p:grpSp>
+        <p:nvGrpSpPr>
+          <p:cNvPr id="1010" name="그룹 1010"/>
+          <p:cNvGrpSpPr/>
+          <p:nvPr/>
+        </p:nvGrpSpPr>
+        <p:grpSpPr>
+          <a:xfrm>
+            <a:off x="8998459" y="4848429"/>
+            <a:ext cx="831341" cy="154601"/>
+            <a:chOff x="10445886" y="5305629"/>
+            <a:chExt cx="831341" cy="154601"/>
+          </a:xfrm>
+        </p:grpSpPr>
+        <p:pic>
+          <p:nvPicPr>
+            <p:cNvPr id="32" name="Object 31"/>
+            <p:cNvPicPr>
+              <a:picLocks noChangeAspect="1"/>
+            </p:cNvPicPr>
+            <p:nvPr/>
+          </p:nvPicPr>
+          <p:blipFill>
+            <a:blip r:embed="rId9" cstate="print"/>
+            <a:stretch>
+              <a:fillRect/>
+            </a:stretch>
+          </p:blipFill>
+          <p:spPr>
+            <a:xfrm rot="5400000">
+              <a:off x="10445886" y="5305629"/>
+              <a:ext cx="831341" cy="154601"/>
+            </a:xfrm>
+            <a:prstGeom prst="rect">
+              <a:avLst/>
+            </a:prstGeom>
+          </p:spPr>
+        </p:pic>
+      </p:grpSp>
+      <p:grpSp>
+        <p:nvGrpSpPr>
+          <p:cNvPr id="1011" name="그룹 1011"/>
+          <p:cNvGrpSpPr/>
+          <p:nvPr/>
+        </p:nvGrpSpPr>
+        <p:grpSpPr>
+          <a:xfrm>
+            <a:off x="14455377" y="4753341"/>
+            <a:ext cx="831341" cy="312965"/>
+            <a:chOff x="13864773" y="5302871"/>
+            <a:chExt cx="831341" cy="160117"/>
+          </a:xfrm>
+        </p:grpSpPr>
+        <p:pic>
+          <p:nvPicPr>
+            <p:cNvPr id="35" name="Object 34"/>
+            <p:cNvPicPr>
+              <a:picLocks noChangeAspect="1"/>
+            </p:cNvPicPr>
+            <p:nvPr/>
+          </p:nvPicPr>
+          <p:blipFill>
+            <a:blip r:embed="rId9" cstate="print"/>
+            <a:stretch>
+              <a:fillRect/>
+            </a:stretch>
+          </p:blipFill>
+          <p:spPr>
+            <a:xfrm rot="5400000">
+              <a:off x="13864773" y="5302871"/>
+              <a:ext cx="831341" cy="160117"/>
+            </a:xfrm>
+            <a:prstGeom prst="rect">
+              <a:avLst/>
+            </a:prstGeom>
+          </p:spPr>
+        </p:pic>
+      </p:grpSp>
+      <p:grpSp>
+        <p:nvGrpSpPr>
+          <p:cNvPr id="1014" name="그룹 1014"/>
+          <p:cNvGrpSpPr/>
+          <p:nvPr/>
+        </p:nvGrpSpPr>
+        <p:grpSpPr>
+          <a:xfrm>
+            <a:off x="8710896" y="4610100"/>
+            <a:ext cx="1499904" cy="1499904"/>
+            <a:chOff x="10110359" y="5590773"/>
+            <a:chExt cx="1499904" cy="1499904"/>
+          </a:xfrm>
+        </p:grpSpPr>
+        <p:pic>
+          <p:nvPicPr>
+            <p:cNvPr id="44" name="Object 43"/>
+            <p:cNvPicPr>
+              <a:picLocks noChangeAspect="1"/>
+            </p:cNvPicPr>
+            <p:nvPr/>
+          </p:nvPicPr>
+          <p:blipFill>
+            <a:blip r:embed="rId4" cstate="print"/>
+            <a:stretch>
+              <a:fillRect/>
+            </a:stretch>
+          </p:blipFill>
+          <p:spPr>
+            <a:xfrm>
+              <a:off x="10110359" y="5590773"/>
+              <a:ext cx="1499904" cy="1499904"/>
+            </a:xfrm>
+            <a:prstGeom prst="rect">
+              <a:avLst/>
+            </a:prstGeom>
+          </p:spPr>
+        </p:pic>
+      </p:grpSp>
+      <p:grpSp>
+        <p:nvGrpSpPr>
+          <p:cNvPr id="1015" name="그룹 1015"/>
+          <p:cNvGrpSpPr/>
+          <p:nvPr/>
+        </p:nvGrpSpPr>
+        <p:grpSpPr>
+          <a:xfrm>
+            <a:off x="14121096" y="4557996"/>
+            <a:ext cx="1499904" cy="1499904"/>
+            <a:chOff x="13545265" y="5590773"/>
+            <a:chExt cx="1499904" cy="1499904"/>
+          </a:xfrm>
+        </p:grpSpPr>
+        <p:pic>
+          <p:nvPicPr>
+            <p:cNvPr id="47" name="Object 46"/>
+            <p:cNvPicPr>
+              <a:picLocks noChangeAspect="1"/>
+            </p:cNvPicPr>
+            <p:nvPr/>
+          </p:nvPicPr>
+          <p:blipFill>
+            <a:blip r:embed="rId4" cstate="print"/>
+            <a:stretch>
+              <a:fillRect/>
+            </a:stretch>
+          </p:blipFill>
+          <p:spPr>
+            <a:xfrm>
+              <a:off x="13545265" y="5590773"/>
+              <a:ext cx="1499904" cy="1499904"/>
+            </a:xfrm>
+            <a:prstGeom prst="rect">
+              <a:avLst/>
+            </a:prstGeom>
+          </p:spPr>
+        </p:pic>
+      </p:grpSp>
+      <p:grpSp>
+        <p:nvGrpSpPr>
+          <p:cNvPr id="1016" name="그룹 1016"/>
+          <p:cNvGrpSpPr/>
+          <p:nvPr/>
+        </p:nvGrpSpPr>
+        <p:grpSpPr>
+          <a:xfrm>
+            <a:off x="6400800" y="2324100"/>
+            <a:ext cx="5281409" cy="1351468"/>
+            <a:chOff x="6502153" y="2947192"/>
+            <a:chExt cx="5281409" cy="1351468"/>
+          </a:xfrm>
+        </p:grpSpPr>
+        <p:pic>
+          <p:nvPicPr>
+            <p:cNvPr id="50" name="Object 49"/>
+            <p:cNvPicPr>
+              <a:picLocks noChangeAspect="1"/>
+            </p:cNvPicPr>
+            <p:nvPr/>
+          </p:nvPicPr>
+          <p:blipFill>
+            <a:blip r:embed="rId10" cstate="print"/>
+            <a:stretch>
+              <a:fillRect/>
+            </a:stretch>
+          </p:blipFill>
+          <p:spPr>
+            <a:xfrm>
+              <a:off x="6502153" y="2947192"/>
+              <a:ext cx="5281409" cy="1351468"/>
+            </a:xfrm>
+            <a:prstGeom prst="rect">
+              <a:avLst/>
+            </a:prstGeom>
+          </p:spPr>
+        </p:pic>
+      </p:grpSp>
+      <p:pic>
+        <p:nvPicPr>
+          <p:cNvPr id="52" name="Object 51"/>
+          <p:cNvPicPr>
+            <a:picLocks noChangeAspect="1"/>
+          </p:cNvPicPr>
+          <p:nvPr/>
+        </p:nvPicPr>
+        <p:blipFill>
+          <a:blip r:embed="rId11" cstate="print"/>
+          <a:stretch>
+            <a:fillRect/>
+          </a:stretch>
+        </p:blipFill>
+        <p:spPr>
+          <a:xfrm>
+            <a:off x="6400800" y="2324571"/>
+            <a:ext cx="4418326" cy="1599729"/>
+          </a:xfrm>
+          <a:prstGeom prst="rect">
+            <a:avLst/>
+          </a:prstGeom>
+        </p:spPr>
+      </p:pic>
+      <p:grpSp>
+        <p:nvGrpSpPr>
+          <p:cNvPr id="1017" name="그룹 1017"/>
+          <p:cNvGrpSpPr/>
+          <p:nvPr/>
+        </p:nvGrpSpPr>
+        <p:grpSpPr>
+          <a:xfrm>
+            <a:off x="14426954" y="4762500"/>
+            <a:ext cx="889246" cy="1007427"/>
+            <a:chOff x="13850594" y="5833248"/>
+            <a:chExt cx="889246" cy="1007427"/>
+          </a:xfrm>
+        </p:grpSpPr>
+        <p:pic>
+          <p:nvPicPr>
+            <p:cNvPr id="58" name="Object 57"/>
+            <p:cNvPicPr>
+              <a:picLocks noChangeAspect="1"/>
+            </p:cNvPicPr>
+            <p:nvPr/>
+          </p:nvPicPr>
+          <p:blipFill>
+            <a:blip r:embed="rId12" cstate="print"/>
+            <a:stretch>
+              <a:fillRect/>
+            </a:stretch>
+          </p:blipFill>
+          <p:spPr>
+            <a:xfrm>
+              <a:off x="13850594" y="5833248"/>
+              <a:ext cx="889246" cy="1007427"/>
+            </a:xfrm>
+            <a:prstGeom prst="rect">
+              <a:avLst/>
+            </a:prstGeom>
+          </p:spPr>
+        </p:pic>
+      </p:grpSp>
+      <p:grpSp>
+        <p:nvGrpSpPr>
+          <p:cNvPr id="1019" name="그룹 1019"/>
+          <p:cNvGrpSpPr/>
+          <p:nvPr/>
+        </p:nvGrpSpPr>
+        <p:grpSpPr>
+          <a:xfrm>
+            <a:off x="9016754" y="4821873"/>
+            <a:ext cx="889246" cy="1007427"/>
+            <a:chOff x="10406300" y="5837011"/>
+            <a:chExt cx="889246" cy="1007427"/>
+          </a:xfrm>
+        </p:grpSpPr>
+        <p:pic>
+          <p:nvPicPr>
+            <p:cNvPr id="64" name="Object 63"/>
+            <p:cNvPicPr>
+              <a:picLocks noChangeAspect="1"/>
+            </p:cNvPicPr>
+            <p:nvPr/>
+          </p:nvPicPr>
+          <p:blipFill>
+            <a:blip r:embed="rId12" cstate="print"/>
+            <a:stretch>
+              <a:fillRect/>
+            </a:stretch>
+          </p:blipFill>
+          <p:spPr>
+            <a:xfrm>
+              <a:off x="10406300" y="5837011"/>
+              <a:ext cx="889246" cy="1007427"/>
+            </a:xfrm>
+            <a:prstGeom prst="rect">
+              <a:avLst/>
+            </a:prstGeom>
+          </p:spPr>
+        </p:pic>
+      </p:grpSp>
+      <p:grpSp>
+        <p:nvGrpSpPr>
+          <p:cNvPr id="1020" name="그룹 1020"/>
+          <p:cNvGrpSpPr/>
+          <p:nvPr/>
+        </p:nvGrpSpPr>
+        <p:grpSpPr>
+          <a:xfrm>
+            <a:off x="3454154" y="4898073"/>
+            <a:ext cx="889246" cy="1007427"/>
+            <a:chOff x="3555398" y="5814435"/>
+            <a:chExt cx="889246" cy="1007427"/>
+          </a:xfrm>
+        </p:grpSpPr>
+        <p:pic>
+          <p:nvPicPr>
+            <p:cNvPr id="67" name="Object 66"/>
+            <p:cNvPicPr>
+              <a:picLocks noChangeAspect="1"/>
+            </p:cNvPicPr>
+            <p:nvPr/>
+          </p:nvPicPr>
+          <p:blipFill>
+            <a:blip r:embed="rId12" cstate="print"/>
+            <a:stretch>
+              <a:fillRect/>
+            </a:stretch>
+          </p:blipFill>
+          <p:spPr>
+            <a:xfrm>
+              <a:off x="3555398" y="5814435"/>
+              <a:ext cx="889246" cy="1007427"/>
+            </a:xfrm>
+            <a:prstGeom prst="rect">
+              <a:avLst/>
+            </a:prstGeom>
+          </p:spPr>
+        </p:pic>
+      </p:grpSp>
+      <p:sp>
+        <p:nvSpPr>
+          <p:cNvPr id="3" name="TextBox 2">
+            <a:extLst>
+              <a:ext uri="{FF2B5EF4-FFF2-40B4-BE49-F238E27FC236}">
+                <a16:creationId xmlns:a16="http://schemas.microsoft.com/office/drawing/2014/main" id="{72C21671-C477-4654-8B65-5D56D7C27EF0}"/>
+              </a:ext>
+            </a:extLst>
+          </p:cNvPr>
+          <p:cNvSpPr txBox="1"/>
+          <p:nvPr/>
+        </p:nvSpPr>
+        <p:spPr>
+          <a:xfrm>
+            <a:off x="2924651" y="6041237"/>
+            <a:ext cx="1723549" cy="707886"/>
+          </a:xfrm>
+          <a:prstGeom prst="rect">
+            <a:avLst/>
+          </a:prstGeom>
+          <a:noFill/>
+        </p:spPr>
+        <p:txBody>
+          <a:bodyPr wrap="none" rtlCol="0">
+            <a:spAutoFit/>
+          </a:bodyPr>
+          <a:lstStyle/>
+          <a:p>
+            <a:r>
+              <a:rPr lang="ko-KR" altLang="en-US" sz="4000" err="1"/>
+              <a:t>전우성</a:t>
+            </a:r>
+            <a:endParaRPr lang="ko-KR" altLang="en-US" sz="4000"/>
+          </a:p>
+        </p:txBody>
+      </p:sp>
+      <p:sp>
+        <p:nvSpPr>
+          <p:cNvPr id="59" name="TextBox 58">
+            <a:extLst>
+              <a:ext uri="{FF2B5EF4-FFF2-40B4-BE49-F238E27FC236}">
+                <a16:creationId xmlns:a16="http://schemas.microsoft.com/office/drawing/2014/main" id="{1D529B96-698E-4ECC-ADD0-1F4700794B2E}"/>
+              </a:ext>
+            </a:extLst>
+          </p:cNvPr>
+          <p:cNvSpPr txBox="1"/>
+          <p:nvPr/>
+        </p:nvSpPr>
+        <p:spPr>
+          <a:xfrm>
+            <a:off x="8541807" y="6095736"/>
+            <a:ext cx="1723549" cy="707886"/>
+          </a:xfrm>
+          <a:prstGeom prst="rect">
+            <a:avLst/>
+          </a:prstGeom>
+          <a:noFill/>
+        </p:spPr>
+        <p:txBody>
+          <a:bodyPr wrap="none" rtlCol="0">
+            <a:spAutoFit/>
+          </a:bodyPr>
+          <a:lstStyle/>
+          <a:p>
+            <a:r>
+              <a:rPr lang="ko-KR" altLang="en-US" sz="4000" err="1"/>
+              <a:t>주현종</a:t>
+            </a:r>
+            <a:endParaRPr lang="ko-KR" altLang="en-US" sz="4000"/>
+          </a:p>
+        </p:txBody>
+      </p:sp>
+      <p:sp>
+        <p:nvSpPr>
+          <p:cNvPr id="60" name="TextBox 59">
+            <a:extLst>
+              <a:ext uri="{FF2B5EF4-FFF2-40B4-BE49-F238E27FC236}">
+                <a16:creationId xmlns:a16="http://schemas.microsoft.com/office/drawing/2014/main" id="{683B1DFA-84A1-461C-A665-37672E9E06FE}"/>
+              </a:ext>
+            </a:extLst>
+          </p:cNvPr>
+          <p:cNvSpPr txBox="1"/>
+          <p:nvPr/>
+        </p:nvSpPr>
+        <p:spPr>
+          <a:xfrm>
+            <a:off x="14126051" y="6035814"/>
+            <a:ext cx="1723549" cy="707886"/>
+          </a:xfrm>
+          <a:prstGeom prst="rect">
+            <a:avLst/>
+          </a:prstGeom>
+          <a:noFill/>
+        </p:spPr>
+        <p:txBody>
+          <a:bodyPr wrap="none" rtlCol="0">
+            <a:spAutoFit/>
+          </a:bodyPr>
+          <a:lstStyle/>
+          <a:p>
+            <a:r>
+              <a:rPr lang="ko-KR" altLang="en-US" sz="4000" err="1"/>
+              <a:t>김건승</a:t>
+            </a:r>
+            <a:endParaRPr lang="ko-KR" altLang="en-US" sz="4000"/>
+          </a:p>
+        </p:txBody>
+      </p:sp>
+      <p:sp>
+        <p:nvSpPr>
+          <p:cNvPr id="7" name="TextBox 6">
+            <a:extLst>
+              <a:ext uri="{FF2B5EF4-FFF2-40B4-BE49-F238E27FC236}">
+                <a16:creationId xmlns:a16="http://schemas.microsoft.com/office/drawing/2014/main" id="{B041D789-A832-BB4B-8FB3-433EE02A71F9}"/>
+              </a:ext>
+            </a:extLst>
+          </p:cNvPr>
+          <p:cNvSpPr txBox="1"/>
+          <p:nvPr/>
+        </p:nvSpPr>
+        <p:spPr>
+          <a:xfrm>
+            <a:off x="6041944" y="1028700"/>
+            <a:ext cx="6988256" cy="1200329"/>
+          </a:xfrm>
+          <a:prstGeom prst="rect">
+            <a:avLst/>
+          </a:prstGeom>
+          <a:noFill/>
+        </p:spPr>
+        <p:txBody>
+          <a:bodyPr wrap="square" lIns="91440" tIns="45720" rIns="91440" bIns="45720" rtlCol="0" anchor="t">
+            <a:spAutoFit/>
+          </a:bodyPr>
+          <a:lstStyle/>
+          <a:p>
+            <a:r>
+              <a:rPr lang="en-US" altLang="ko-KR" sz="7200" b="1" err="1">
+                <a:latin typeface="Arial Rounded MT Bold"/>
+              </a:rPr>
+              <a:t>Dongstagram</a:t>
+            </a:r>
+            <a:endParaRPr lang="ko-KR" altLang="en-US" sz="7200" b="1">
+              <a:latin typeface="Arial Rounded MT Bold"/>
+            </a:endParaRPr>
+          </a:p>
+        </p:txBody>
+      </p:sp>
+      <p:sp>
+        <p:nvSpPr>
+          <p:cNvPr id="9" name="TextBox 8">
+            <a:extLst>
+              <a:ext uri="{FF2B5EF4-FFF2-40B4-BE49-F238E27FC236}">
+                <a16:creationId xmlns:a16="http://schemas.microsoft.com/office/drawing/2014/main" id="{49987F44-C1C4-6EA0-F6CC-2DC4960FF852}"/>
+              </a:ext>
+            </a:extLst>
+          </p:cNvPr>
+          <p:cNvSpPr txBox="1"/>
+          <p:nvPr/>
+        </p:nvSpPr>
+        <p:spPr>
+          <a:xfrm>
+            <a:off x="8305800" y="7322284"/>
+            <a:ext cx="1724859" cy="1877437"/>
+          </a:xfrm>
+          <a:prstGeom prst="rect">
+            <a:avLst/>
+          </a:prstGeom>
+          <a:noFill/>
+        </p:spPr>
+        <p:txBody>
+          <a:bodyPr wrap="square" lIns="91440" tIns="45720" rIns="91440" bIns="45720" rtlCol="0" anchor="t">
+            <a:spAutoFit/>
+          </a:bodyPr>
+          <a:lstStyle/>
+          <a:p>
+            <a:r>
+              <a:rPr lang="ko-KR" altLang="en-US" sz="1600">
+                <a:cs typeface="Calibri"/>
+              </a:rPr>
+              <a:t>팀원 </a:t>
+            </a:r>
+            <a:endParaRPr lang="en-US" altLang="ko-KR" sz="1600">
+              <a:cs typeface="Calibri"/>
+            </a:endParaRPr>
+          </a:p>
+          <a:p>
+            <a:endParaRPr lang="ko-KR" altLang="en-US" sz="1200">
+              <a:cs typeface="Calibri"/>
+            </a:endParaRPr>
+          </a:p>
+          <a:p>
+            <a:r>
+              <a:rPr lang="ko-KR" altLang="en-US" sz="1600">
+                <a:cs typeface="Calibri"/>
+              </a:rPr>
+              <a:t>1.프로토 타이핑</a:t>
+            </a:r>
+          </a:p>
+          <a:p>
+            <a:endParaRPr lang="ko-KR" altLang="en-US" sz="2000">
+              <a:cs typeface="Calibri"/>
+            </a:endParaRPr>
+          </a:p>
+          <a:p>
+            <a:endParaRPr lang="ko-KR" altLang="en-US" sz="2000">
+              <a:cs typeface="Calibri"/>
+            </a:endParaRPr>
+          </a:p>
+          <a:p>
+            <a:endParaRPr lang="ko-KR" altLang="en-US" sz="2800">
+              <a:cs typeface="Calibri"/>
+            </a:endParaRPr>
+          </a:p>
+        </p:txBody>
+      </p:sp>
+      <p:sp>
+        <p:nvSpPr>
+          <p:cNvPr id="10" name="TextBox 9">
+            <a:extLst>
+              <a:ext uri="{FF2B5EF4-FFF2-40B4-BE49-F238E27FC236}">
+                <a16:creationId xmlns:a16="http://schemas.microsoft.com/office/drawing/2014/main" id="{7F9B7678-E38F-1EFB-4DCB-063FE509749F}"/>
+              </a:ext>
+            </a:extLst>
+          </p:cNvPr>
+          <p:cNvSpPr txBox="1"/>
+          <p:nvPr/>
+        </p:nvSpPr>
+        <p:spPr>
+          <a:xfrm>
+            <a:off x="2971800" y="7109174"/>
+            <a:ext cx="2721846" cy="2246769"/>
+          </a:xfrm>
+          <a:prstGeom prst="rect">
+            <a:avLst/>
+          </a:prstGeom>
+          <a:noFill/>
+        </p:spPr>
+        <p:txBody>
+          <a:bodyPr wrap="square" lIns="91440" tIns="45720" rIns="91440" bIns="45720" rtlCol="0" anchor="t">
+            <a:spAutoFit/>
+          </a:bodyPr>
+          <a:lstStyle/>
+          <a:p>
+            <a:r>
+              <a:rPr lang="ko-KR" altLang="en-US" sz="1600" dirty="0">
+                <a:cs typeface="Calibri"/>
+              </a:rPr>
+              <a:t>팀장 </a:t>
+            </a:r>
+            <a:endParaRPr lang="en-US" altLang="ko-KR" sz="1600" dirty="0">
+              <a:cs typeface="Calibri"/>
+            </a:endParaRPr>
+          </a:p>
+          <a:p>
+            <a:endParaRPr lang="ko-KR" altLang="en-US" sz="1200" dirty="0">
+              <a:cs typeface="Calibri"/>
+            </a:endParaRPr>
+          </a:p>
+          <a:p>
+            <a:r>
+              <a:rPr lang="ko-KR" altLang="en-US" sz="1600" dirty="0">
+                <a:cs typeface="Calibri"/>
+              </a:rPr>
+              <a:t>1. 스토리보드</a:t>
+            </a:r>
+            <a:endParaRPr lang="en-US" altLang="ko-KR" sz="1200" dirty="0">
+              <a:cs typeface="Calibri"/>
+            </a:endParaRPr>
+          </a:p>
+          <a:p>
+            <a:r>
+              <a:rPr lang="en-US" altLang="ko-KR" sz="1600" dirty="0">
+                <a:cs typeface="Calibri"/>
+              </a:rPr>
+              <a:t>2. </a:t>
+            </a:r>
+            <a:r>
+              <a:rPr lang="ko-KR" altLang="en-US" sz="1600" dirty="0" err="1">
+                <a:cs typeface="Calibri"/>
+              </a:rPr>
+              <a:t>유스케이스</a:t>
+            </a:r>
+            <a:r>
+              <a:rPr lang="ko-KR" altLang="en-US" sz="1600" dirty="0">
+                <a:cs typeface="Calibri"/>
+              </a:rPr>
+              <a:t>  </a:t>
+            </a:r>
+            <a:endParaRPr lang="en-US" altLang="ko-KR" sz="1600" dirty="0">
+              <a:cs typeface="Calibri"/>
+            </a:endParaRPr>
+          </a:p>
+          <a:p>
+            <a:r>
+              <a:rPr lang="en-US" altLang="ko-KR" sz="1600" dirty="0">
+                <a:cs typeface="Calibri"/>
+              </a:rPr>
+              <a:t>    </a:t>
+            </a:r>
+            <a:r>
+              <a:rPr lang="ko-KR" altLang="en-US" sz="1600" dirty="0">
+                <a:cs typeface="Calibri"/>
+              </a:rPr>
+              <a:t>다이어그램</a:t>
+            </a:r>
+            <a:endParaRPr lang="en-US" altLang="ko-KR" sz="1200" dirty="0">
+              <a:cs typeface="Calibri"/>
+            </a:endParaRPr>
+          </a:p>
+          <a:p>
+            <a:r>
+              <a:rPr lang="en-US" altLang="ko-KR" sz="1600" dirty="0">
+                <a:cs typeface="Calibri"/>
+              </a:rPr>
+              <a:t>3. DB </a:t>
+            </a:r>
+            <a:r>
+              <a:rPr lang="ko-KR" altLang="en-US" sz="1600" dirty="0">
+                <a:cs typeface="Calibri"/>
+              </a:rPr>
+              <a:t>설계</a:t>
+            </a:r>
+            <a:endParaRPr lang="ko-KR" altLang="en-US" sz="2000" dirty="0">
+              <a:cs typeface="Calibri"/>
+            </a:endParaRPr>
+          </a:p>
+          <a:p>
+            <a:endParaRPr lang="ko-KR" altLang="en-US" sz="2000" dirty="0">
+              <a:cs typeface="Calibri"/>
+            </a:endParaRPr>
+          </a:p>
+          <a:p>
+            <a:endParaRPr lang="ko-KR" altLang="en-US" sz="2800" dirty="0">
+              <a:cs typeface="Calibri"/>
+            </a:endParaRPr>
+          </a:p>
+        </p:txBody>
+      </p:sp>
+      <p:sp>
+        <p:nvSpPr>
+          <p:cNvPr id="12" name="TextBox 11">
+            <a:extLst>
+              <a:ext uri="{FF2B5EF4-FFF2-40B4-BE49-F238E27FC236}">
+                <a16:creationId xmlns:a16="http://schemas.microsoft.com/office/drawing/2014/main" id="{5EE9153D-75F5-1EAC-F210-59E6A09298CE}"/>
+              </a:ext>
+            </a:extLst>
+          </p:cNvPr>
+          <p:cNvSpPr txBox="1"/>
+          <p:nvPr/>
+        </p:nvSpPr>
+        <p:spPr>
+          <a:xfrm>
+            <a:off x="14121096" y="7048500"/>
+            <a:ext cx="1957104" cy="2308324"/>
+          </a:xfrm>
+          <a:prstGeom prst="rect">
+            <a:avLst/>
+          </a:prstGeom>
+          <a:noFill/>
+        </p:spPr>
+        <p:txBody>
+          <a:bodyPr wrap="square" lIns="91440" tIns="45720" rIns="91440" bIns="45720" rtlCol="0" anchor="t">
+            <a:spAutoFit/>
+          </a:bodyPr>
+          <a:lstStyle/>
+          <a:p>
+            <a:r>
+              <a:rPr lang="ko-KR" altLang="en-US" sz="1600">
+                <a:cs typeface="Calibri"/>
+              </a:rPr>
+              <a:t>팀원 </a:t>
+            </a:r>
+            <a:endParaRPr lang="en-US" altLang="ko-KR" sz="1600">
+              <a:cs typeface="Calibri"/>
+            </a:endParaRPr>
+          </a:p>
+          <a:p>
+            <a:endParaRPr lang="ko-KR" altLang="en-US" sz="1200">
+              <a:cs typeface="Calibri"/>
+            </a:endParaRPr>
+          </a:p>
+          <a:p>
+            <a:r>
+              <a:rPr lang="ko-KR" altLang="en-US" sz="1600">
+                <a:cs typeface="Calibri"/>
+              </a:rPr>
+              <a:t>1.요구분석서</a:t>
+            </a:r>
+            <a:endParaRPr lang="en-US" altLang="ko-KR" sz="1600">
+              <a:cs typeface="Calibri"/>
+            </a:endParaRPr>
+          </a:p>
+          <a:p>
+            <a:endParaRPr lang="ko-KR" altLang="en-US" sz="1200">
+              <a:cs typeface="Calibri"/>
+            </a:endParaRPr>
+          </a:p>
+          <a:p>
+            <a:r>
+              <a:rPr lang="ko-KR" altLang="en-US" sz="1600">
+                <a:cs typeface="Calibri"/>
+              </a:rPr>
+              <a:t>2. </a:t>
+            </a:r>
+            <a:r>
+              <a:rPr lang="ko-KR" altLang="en-US" sz="1600" err="1">
+                <a:cs typeface="Calibri"/>
+              </a:rPr>
+              <a:t>ppt제작</a:t>
+            </a:r>
+            <a:r>
+              <a:rPr lang="ko-KR" altLang="en-US" sz="1600">
+                <a:cs typeface="Calibri"/>
+              </a:rPr>
+              <a:t> </a:t>
+            </a:r>
+          </a:p>
+          <a:p>
+            <a:endParaRPr lang="ko-KR" altLang="en-US" sz="2000">
+              <a:cs typeface="Calibri"/>
+            </a:endParaRPr>
+          </a:p>
+          <a:p>
+            <a:endParaRPr lang="ko-KR" altLang="en-US" sz="2000">
+              <a:cs typeface="Calibri"/>
+            </a:endParaRPr>
+          </a:p>
+          <a:p>
+            <a:endParaRPr lang="ko-KR" altLang="en-US" sz="2800">
+              <a:cs typeface="Calibri"/>
+            </a:endParaRPr>
+          </a:p>
+        </p:txBody>
+      </p:sp>
+    </p:spTree>
+  </p:cSld>
+  <p:clrMapOvr>
+    <a:masterClrMapping/>
+  </p:clrMapOvr>
+</p:sld>
+</file>
+
+<file path=ppt/slides/slide20.xml><?xml version="1.0" encoding="utf-8"?>
+<p:sld xmlns:a="http://schemas.openxmlformats.org/drawingml/2006/main" xmlns:r="http://schemas.openxmlformats.org/officeDocument/2006/relationships" xmlns:p="http://schemas.openxmlformats.org/presentationml/2006/main">
+  <p:cSld>
     <p:spTree>
       <p:nvGrpSpPr>
         <p:cNvPr id="1" name=""/>
@@ -6902,6 +11593,11 @@
         </p:spPr>
       </p:pic>
     </p:spTree>
+    <p:extLst>
+      <p:ext uri="{BB962C8B-B14F-4D97-AF65-F5344CB8AC3E}">
+        <p14:creationId xmlns:p14="http://schemas.microsoft.com/office/powerpoint/2010/main" val="1108643430"/>
+      </p:ext>
+    </p:extLst>
   </p:cSld>
   <p:clrMapOvr>
     <a:masterClrMapping/>
@@ -6909,7 +11605,7 @@
 </p:sld>
 </file>
 
-<file path=ppt/slides/slide18.xml><?xml version="1.0" encoding="utf-8"?>
+<file path=ppt/slides/slide21.xml><?xml version="1.0" encoding="utf-8"?>
 <p:sld xmlns:a="http://schemas.openxmlformats.org/drawingml/2006/main" xmlns:r="http://schemas.openxmlformats.org/officeDocument/2006/relationships" xmlns:p="http://schemas.openxmlformats.org/presentationml/2006/main">
   <p:cSld>
     <p:spTree>
@@ -8313,7 +13009,7 @@
 </p:sld>
 </file>
 
-<file path=ppt/slides/slide19.xml><?xml version="1.0" encoding="utf-8"?>
+<file path=ppt/slides/slide22.xml><?xml version="1.0" encoding="utf-8"?>
 <p:sld xmlns:a="http://schemas.openxmlformats.org/drawingml/2006/main" xmlns:r="http://schemas.openxmlformats.org/officeDocument/2006/relationships" xmlns:p="http://schemas.openxmlformats.org/presentationml/2006/main">
   <p:cSld>
     <p:spTree>
@@ -8771,1147 +13467,7 @@
 </p:sld>
 </file>
 
-<file path=ppt/slides/slide2.xml><?xml version="1.0" encoding="utf-8"?>
-<p:sld xmlns:a="http://schemas.openxmlformats.org/drawingml/2006/main" xmlns:r="http://schemas.openxmlformats.org/officeDocument/2006/relationships" xmlns:p="http://schemas.openxmlformats.org/presentationml/2006/main">
-  <p:cSld name="Slide 2">
-    <p:bg>
-      <p:bgPr>
-        <a:solidFill>
-          <a:srgbClr val="F5F5F5"/>
-        </a:solidFill>
-        <a:effectLst/>
-      </p:bgPr>
-    </p:bg>
-    <p:spTree>
-      <p:nvGrpSpPr>
-        <p:cNvPr id="1" name=""/>
-        <p:cNvGrpSpPr/>
-        <p:nvPr/>
-      </p:nvGrpSpPr>
-      <p:grpSpPr>
-        <a:xfrm>
-          <a:off x="0" y="0"/>
-          <a:ext cx="0" cy="0"/>
-          <a:chOff x="0" y="0"/>
-          <a:chExt cx="0" cy="0"/>
-        </a:xfrm>
-      </p:grpSpPr>
-      <p:pic>
-        <p:nvPicPr>
-          <p:cNvPr id="2" name="Object 1"/>
-          <p:cNvPicPr>
-            <a:picLocks noChangeAspect="1"/>
-          </p:cNvPicPr>
-          <p:nvPr/>
-        </p:nvPicPr>
-        <p:blipFill>
-          <a:blip r:embed="rId2" cstate="print"/>
-          <a:stretch>
-            <a:fillRect/>
-          </a:stretch>
-        </p:blipFill>
-        <p:spPr>
-          <a:xfrm>
-            <a:off x="6278096" y="512133"/>
-            <a:ext cx="4406132" cy="630841"/>
-          </a:xfrm>
-          <a:prstGeom prst="rect">
-            <a:avLst/>
-          </a:prstGeom>
-        </p:spPr>
-      </p:pic>
-      <p:grpSp>
-        <p:nvGrpSpPr>
-          <p:cNvPr id="1001" name="그룹 1001"/>
-          <p:cNvGrpSpPr/>
-          <p:nvPr/>
-        </p:nvGrpSpPr>
-        <p:grpSpPr>
-          <a:xfrm>
-            <a:off x="-533333" y="1156587"/>
-            <a:ext cx="19352381" cy="47085"/>
-            <a:chOff x="-533333" y="1156587"/>
-            <a:chExt cx="19352381" cy="47085"/>
-          </a:xfrm>
-        </p:grpSpPr>
-        <p:pic>
-          <p:nvPicPr>
-            <p:cNvPr id="4" name="Object 3"/>
-            <p:cNvPicPr>
-              <a:picLocks noChangeAspect="1"/>
-            </p:cNvPicPr>
-            <p:nvPr/>
-          </p:nvPicPr>
-          <p:blipFill>
-            <a:blip r:embed="rId3" cstate="print"/>
-            <a:stretch>
-              <a:fillRect/>
-            </a:stretch>
-          </p:blipFill>
-          <p:spPr>
-            <a:xfrm>
-              <a:off x="-533333" y="1156587"/>
-              <a:ext cx="19352381" cy="47085"/>
-            </a:xfrm>
-            <a:prstGeom prst="rect">
-              <a:avLst/>
-            </a:prstGeom>
-          </p:spPr>
-        </p:pic>
-      </p:grpSp>
-      <p:grpSp>
-        <p:nvGrpSpPr>
-          <p:cNvPr id="1003" name="그룹 1003"/>
-          <p:cNvGrpSpPr/>
-          <p:nvPr/>
-        </p:nvGrpSpPr>
-        <p:grpSpPr>
-          <a:xfrm>
-            <a:off x="3748036" y="6304539"/>
-            <a:ext cx="2957564" cy="3309932"/>
-            <a:chOff x="2511715" y="6304539"/>
-            <a:chExt cx="2957564" cy="3309932"/>
-          </a:xfrm>
-        </p:grpSpPr>
-        <p:pic>
-          <p:nvPicPr>
-            <p:cNvPr id="11" name="Object 10"/>
-            <p:cNvPicPr>
-              <a:picLocks noChangeAspect="1"/>
-            </p:cNvPicPr>
-            <p:nvPr/>
-          </p:nvPicPr>
-          <p:blipFill>
-            <a:blip r:embed="rId4" cstate="print"/>
-            <a:stretch>
-              <a:fillRect/>
-            </a:stretch>
-          </p:blipFill>
-          <p:spPr>
-            <a:xfrm>
-              <a:off x="2511715" y="6304539"/>
-              <a:ext cx="2957564" cy="3309932"/>
-            </a:xfrm>
-            <a:prstGeom prst="rect">
-              <a:avLst/>
-            </a:prstGeom>
-          </p:spPr>
-        </p:pic>
-      </p:grpSp>
-      <p:grpSp>
-        <p:nvGrpSpPr>
-          <p:cNvPr id="1004" name="그룹 1004"/>
-          <p:cNvGrpSpPr/>
-          <p:nvPr/>
-        </p:nvGrpSpPr>
-        <p:grpSpPr>
-          <a:xfrm>
-            <a:off x="7924800" y="6304539"/>
-            <a:ext cx="2957564" cy="3309932"/>
-            <a:chOff x="9381529" y="6304539"/>
-            <a:chExt cx="2957564" cy="3309932"/>
-          </a:xfrm>
-        </p:grpSpPr>
-        <p:pic>
-          <p:nvPicPr>
-            <p:cNvPr id="14" name="Object 13"/>
-            <p:cNvPicPr>
-              <a:picLocks noChangeAspect="1"/>
-            </p:cNvPicPr>
-            <p:nvPr/>
-          </p:nvPicPr>
-          <p:blipFill>
-            <a:blip r:embed="rId4" cstate="print"/>
-            <a:stretch>
-              <a:fillRect/>
-            </a:stretch>
-          </p:blipFill>
-          <p:spPr>
-            <a:xfrm>
-              <a:off x="9381529" y="6304539"/>
-              <a:ext cx="2957564" cy="3309932"/>
-            </a:xfrm>
-            <a:prstGeom prst="rect">
-              <a:avLst/>
-            </a:prstGeom>
-          </p:spPr>
-        </p:pic>
-      </p:grpSp>
-      <p:grpSp>
-        <p:nvGrpSpPr>
-          <p:cNvPr id="1005" name="그룹 1005"/>
-          <p:cNvGrpSpPr/>
-          <p:nvPr/>
-        </p:nvGrpSpPr>
-        <p:grpSpPr>
-          <a:xfrm>
-            <a:off x="12039600" y="6304539"/>
-            <a:ext cx="2957564" cy="3309932"/>
-            <a:chOff x="12816435" y="6304539"/>
-            <a:chExt cx="2957564" cy="3309932"/>
-          </a:xfrm>
-        </p:grpSpPr>
-        <p:pic>
-          <p:nvPicPr>
-            <p:cNvPr id="17" name="Object 16"/>
-            <p:cNvPicPr>
-              <a:picLocks noChangeAspect="1"/>
-            </p:cNvPicPr>
-            <p:nvPr/>
-          </p:nvPicPr>
-          <p:blipFill>
-            <a:blip r:embed="rId4" cstate="print"/>
-            <a:stretch>
-              <a:fillRect/>
-            </a:stretch>
-          </p:blipFill>
-          <p:spPr>
-            <a:xfrm>
-              <a:off x="12816435" y="6304539"/>
-              <a:ext cx="2957564" cy="3309932"/>
-            </a:xfrm>
-            <a:prstGeom prst="rect">
-              <a:avLst/>
-            </a:prstGeom>
-          </p:spPr>
-        </p:pic>
-      </p:grpSp>
-      <p:grpSp>
-        <p:nvGrpSpPr>
-          <p:cNvPr id="1006" name="그룹 1006"/>
-          <p:cNvGrpSpPr/>
-          <p:nvPr/>
-        </p:nvGrpSpPr>
-        <p:grpSpPr>
-          <a:xfrm>
-            <a:off x="8940031" y="4415849"/>
-            <a:ext cx="947534" cy="155286"/>
-            <a:chOff x="8669090" y="4415849"/>
-            <a:chExt cx="947534" cy="155286"/>
-          </a:xfrm>
-        </p:grpSpPr>
-        <p:pic>
-          <p:nvPicPr>
-            <p:cNvPr id="20" name="Object 19"/>
-            <p:cNvPicPr>
-              <a:picLocks noChangeAspect="1"/>
-            </p:cNvPicPr>
-            <p:nvPr/>
-          </p:nvPicPr>
-          <p:blipFill>
-            <a:blip r:embed="rId5" cstate="print"/>
-            <a:stretch>
-              <a:fillRect/>
-            </a:stretch>
-          </p:blipFill>
-          <p:spPr>
-            <a:xfrm rot="5400000">
-              <a:off x="8669090" y="4415849"/>
-              <a:ext cx="947534" cy="155286"/>
-            </a:xfrm>
-            <a:prstGeom prst="rect">
-              <a:avLst/>
-            </a:prstGeom>
-          </p:spPr>
-        </p:pic>
-      </p:grpSp>
-      <p:grpSp>
-        <p:nvGrpSpPr>
-          <p:cNvPr id="1007" name="그룹 1007"/>
-          <p:cNvGrpSpPr/>
-          <p:nvPr/>
-        </p:nvGrpSpPr>
-        <p:grpSpPr>
-          <a:xfrm>
-            <a:off x="5178785" y="4890550"/>
-            <a:ext cx="8575744" cy="267330"/>
-            <a:chOff x="4008542" y="4890550"/>
-            <a:chExt cx="10268629" cy="161130"/>
-          </a:xfrm>
-        </p:grpSpPr>
-        <p:pic>
-          <p:nvPicPr>
-            <p:cNvPr id="23" name="Object 22"/>
-            <p:cNvPicPr>
-              <a:picLocks noChangeAspect="1"/>
-            </p:cNvPicPr>
-            <p:nvPr/>
-          </p:nvPicPr>
-          <p:blipFill>
-            <a:blip r:embed="rId6" cstate="print"/>
-            <a:stretch>
-              <a:fillRect/>
-            </a:stretch>
-          </p:blipFill>
-          <p:spPr>
-            <a:xfrm>
-              <a:off x="4008542" y="4890550"/>
-              <a:ext cx="10268629" cy="161130"/>
-            </a:xfrm>
-            <a:prstGeom prst="rect">
-              <a:avLst/>
-            </a:prstGeom>
-          </p:spPr>
-        </p:pic>
-      </p:grpSp>
-      <p:grpSp>
-        <p:nvGrpSpPr>
-          <p:cNvPr id="1008" name="그룹 1008"/>
-          <p:cNvGrpSpPr/>
-          <p:nvPr/>
-        </p:nvGrpSpPr>
-        <p:grpSpPr>
-          <a:xfrm>
-            <a:off x="4785168" y="5313487"/>
-            <a:ext cx="839259" cy="162637"/>
-            <a:chOff x="3604153" y="5313487"/>
-            <a:chExt cx="839259" cy="162637"/>
-          </a:xfrm>
-        </p:grpSpPr>
-        <p:pic>
-          <p:nvPicPr>
-            <p:cNvPr id="26" name="Object 25"/>
-            <p:cNvPicPr>
-              <a:picLocks noChangeAspect="1"/>
-            </p:cNvPicPr>
-            <p:nvPr/>
-          </p:nvPicPr>
-          <p:blipFill>
-            <a:blip r:embed="rId7" cstate="print"/>
-            <a:stretch>
-              <a:fillRect/>
-            </a:stretch>
-          </p:blipFill>
-          <p:spPr>
-            <a:xfrm rot="5400000">
-              <a:off x="3604153" y="5313487"/>
-              <a:ext cx="839259" cy="162637"/>
-            </a:xfrm>
-            <a:prstGeom prst="rect">
-              <a:avLst/>
-            </a:prstGeom>
-          </p:spPr>
-        </p:pic>
-      </p:grpSp>
-      <p:grpSp>
-        <p:nvGrpSpPr>
-          <p:cNvPr id="1010" name="그룹 1010"/>
-          <p:cNvGrpSpPr/>
-          <p:nvPr/>
-        </p:nvGrpSpPr>
-        <p:grpSpPr>
-          <a:xfrm>
-            <a:off x="8998459" y="5305629"/>
-            <a:ext cx="831341" cy="154601"/>
-            <a:chOff x="10445886" y="5305629"/>
-            <a:chExt cx="831341" cy="154601"/>
-          </a:xfrm>
-        </p:grpSpPr>
-        <p:pic>
-          <p:nvPicPr>
-            <p:cNvPr id="32" name="Object 31"/>
-            <p:cNvPicPr>
-              <a:picLocks noChangeAspect="1"/>
-            </p:cNvPicPr>
-            <p:nvPr/>
-          </p:nvPicPr>
-          <p:blipFill>
-            <a:blip r:embed="rId8" cstate="print"/>
-            <a:stretch>
-              <a:fillRect/>
-            </a:stretch>
-          </p:blipFill>
-          <p:spPr>
-            <a:xfrm rot="5400000">
-              <a:off x="10445886" y="5305629"/>
-              <a:ext cx="831341" cy="154601"/>
-            </a:xfrm>
-            <a:prstGeom prst="rect">
-              <a:avLst/>
-            </a:prstGeom>
-          </p:spPr>
-        </p:pic>
-      </p:grpSp>
-      <p:grpSp>
-        <p:nvGrpSpPr>
-          <p:cNvPr id="1011" name="그룹 1011"/>
-          <p:cNvGrpSpPr/>
-          <p:nvPr/>
-        </p:nvGrpSpPr>
-        <p:grpSpPr>
-          <a:xfrm>
-            <a:off x="13314106" y="5302871"/>
-            <a:ext cx="831341" cy="160117"/>
-            <a:chOff x="13864773" y="5302871"/>
-            <a:chExt cx="831341" cy="160117"/>
-          </a:xfrm>
-        </p:grpSpPr>
-        <p:pic>
-          <p:nvPicPr>
-            <p:cNvPr id="35" name="Object 34"/>
-            <p:cNvPicPr>
-              <a:picLocks noChangeAspect="1"/>
-            </p:cNvPicPr>
-            <p:nvPr/>
-          </p:nvPicPr>
-          <p:blipFill>
-            <a:blip r:embed="rId8" cstate="print"/>
-            <a:stretch>
-              <a:fillRect/>
-            </a:stretch>
-          </p:blipFill>
-          <p:spPr>
-            <a:xfrm rot="5400000">
-              <a:off x="13864773" y="5302871"/>
-              <a:ext cx="831341" cy="160117"/>
-            </a:xfrm>
-            <a:prstGeom prst="rect">
-              <a:avLst/>
-            </a:prstGeom>
-          </p:spPr>
-        </p:pic>
-      </p:grpSp>
-      <p:grpSp>
-        <p:nvGrpSpPr>
-          <p:cNvPr id="1012" name="그룹 1012"/>
-          <p:cNvGrpSpPr/>
-          <p:nvPr/>
-        </p:nvGrpSpPr>
-        <p:grpSpPr>
-          <a:xfrm>
-            <a:off x="4476866" y="5590773"/>
-            <a:ext cx="1499904" cy="1499904"/>
-            <a:chOff x="3240545" y="5590773"/>
-            <a:chExt cx="1499904" cy="1499904"/>
-          </a:xfrm>
-        </p:grpSpPr>
-        <p:pic>
-          <p:nvPicPr>
-            <p:cNvPr id="38" name="Object 37"/>
-            <p:cNvPicPr>
-              <a:picLocks noChangeAspect="1"/>
-            </p:cNvPicPr>
-            <p:nvPr/>
-          </p:nvPicPr>
-          <p:blipFill>
-            <a:blip r:embed="rId9" cstate="print"/>
-            <a:stretch>
-              <a:fillRect/>
-            </a:stretch>
-          </p:blipFill>
-          <p:spPr>
-            <a:xfrm>
-              <a:off x="3240545" y="5590773"/>
-              <a:ext cx="1499904" cy="1499904"/>
-            </a:xfrm>
-            <a:prstGeom prst="rect">
-              <a:avLst/>
-            </a:prstGeom>
-          </p:spPr>
-        </p:pic>
-      </p:grpSp>
-      <p:grpSp>
-        <p:nvGrpSpPr>
-          <p:cNvPr id="1014" name="그룹 1014"/>
-          <p:cNvGrpSpPr/>
-          <p:nvPr/>
-        </p:nvGrpSpPr>
-        <p:grpSpPr>
-          <a:xfrm>
-            <a:off x="8653630" y="5590773"/>
-            <a:ext cx="1499904" cy="1499904"/>
-            <a:chOff x="10110359" y="5590773"/>
-            <a:chExt cx="1499904" cy="1499904"/>
-          </a:xfrm>
-        </p:grpSpPr>
-        <p:pic>
-          <p:nvPicPr>
-            <p:cNvPr id="44" name="Object 43"/>
-            <p:cNvPicPr>
-              <a:picLocks noChangeAspect="1"/>
-            </p:cNvPicPr>
-            <p:nvPr/>
-          </p:nvPicPr>
-          <p:blipFill>
-            <a:blip r:embed="rId9" cstate="print"/>
-            <a:stretch>
-              <a:fillRect/>
-            </a:stretch>
-          </p:blipFill>
-          <p:spPr>
-            <a:xfrm>
-              <a:off x="10110359" y="5590773"/>
-              <a:ext cx="1499904" cy="1499904"/>
-            </a:xfrm>
-            <a:prstGeom prst="rect">
-              <a:avLst/>
-            </a:prstGeom>
-          </p:spPr>
-        </p:pic>
-      </p:grpSp>
-      <p:grpSp>
-        <p:nvGrpSpPr>
-          <p:cNvPr id="1015" name="그룹 1015"/>
-          <p:cNvGrpSpPr/>
-          <p:nvPr/>
-        </p:nvGrpSpPr>
-        <p:grpSpPr>
-          <a:xfrm>
-            <a:off x="12825696" y="5590773"/>
-            <a:ext cx="1499904" cy="1499904"/>
-            <a:chOff x="13545265" y="5590773"/>
-            <a:chExt cx="1499904" cy="1499904"/>
-          </a:xfrm>
-        </p:grpSpPr>
-        <p:pic>
-          <p:nvPicPr>
-            <p:cNvPr id="47" name="Object 46"/>
-            <p:cNvPicPr>
-              <a:picLocks noChangeAspect="1"/>
-            </p:cNvPicPr>
-            <p:nvPr/>
-          </p:nvPicPr>
-          <p:blipFill>
-            <a:blip r:embed="rId9" cstate="print"/>
-            <a:stretch>
-              <a:fillRect/>
-            </a:stretch>
-          </p:blipFill>
-          <p:spPr>
-            <a:xfrm>
-              <a:off x="13545265" y="5590773"/>
-              <a:ext cx="1499904" cy="1499904"/>
-            </a:xfrm>
-            <a:prstGeom prst="rect">
-              <a:avLst/>
-            </a:prstGeom>
-          </p:spPr>
-        </p:pic>
-      </p:grpSp>
-      <p:grpSp>
-        <p:nvGrpSpPr>
-          <p:cNvPr id="1016" name="그룹 1016"/>
-          <p:cNvGrpSpPr/>
-          <p:nvPr/>
-        </p:nvGrpSpPr>
-        <p:grpSpPr>
-          <a:xfrm>
-            <a:off x="6672773" y="2947192"/>
-            <a:ext cx="5281409" cy="1351468"/>
-            <a:chOff x="6502153" y="2947192"/>
-            <a:chExt cx="5281409" cy="1351468"/>
-          </a:xfrm>
-        </p:grpSpPr>
-        <p:pic>
-          <p:nvPicPr>
-            <p:cNvPr id="50" name="Object 49"/>
-            <p:cNvPicPr>
-              <a:picLocks noChangeAspect="1"/>
-            </p:cNvPicPr>
-            <p:nvPr/>
-          </p:nvPicPr>
-          <p:blipFill>
-            <a:blip r:embed="rId10" cstate="print"/>
-            <a:stretch>
-              <a:fillRect/>
-            </a:stretch>
-          </p:blipFill>
-          <p:spPr>
-            <a:xfrm>
-              <a:off x="6502153" y="2947192"/>
-              <a:ext cx="5281409" cy="1351468"/>
-            </a:xfrm>
-            <a:prstGeom prst="rect">
-              <a:avLst/>
-            </a:prstGeom>
-          </p:spPr>
-        </p:pic>
-      </p:grpSp>
-      <p:pic>
-        <p:nvPicPr>
-          <p:cNvPr id="52" name="Object 51"/>
-          <p:cNvPicPr>
-            <a:picLocks noChangeAspect="1"/>
-          </p:cNvPicPr>
-          <p:nvPr/>
-        </p:nvPicPr>
-        <p:blipFill>
-          <a:blip r:embed="rId11" cstate="print"/>
-          <a:stretch>
-            <a:fillRect/>
-          </a:stretch>
-        </p:blipFill>
-        <p:spPr>
-          <a:xfrm>
-            <a:off x="6859274" y="2886299"/>
-            <a:ext cx="4418326" cy="1599729"/>
-          </a:xfrm>
-          <a:prstGeom prst="rect">
-            <a:avLst/>
-          </a:prstGeom>
-        </p:spPr>
-      </p:pic>
-      <p:grpSp>
-        <p:nvGrpSpPr>
-          <p:cNvPr id="1017" name="그룹 1017"/>
-          <p:cNvGrpSpPr/>
-          <p:nvPr/>
-        </p:nvGrpSpPr>
-        <p:grpSpPr>
-          <a:xfrm>
-            <a:off x="13106400" y="5833248"/>
-            <a:ext cx="889246" cy="1007427"/>
-            <a:chOff x="13850594" y="5833248"/>
-            <a:chExt cx="889246" cy="1007427"/>
-          </a:xfrm>
-        </p:grpSpPr>
-        <p:pic>
-          <p:nvPicPr>
-            <p:cNvPr id="58" name="Object 57"/>
-            <p:cNvPicPr>
-              <a:picLocks noChangeAspect="1"/>
-            </p:cNvPicPr>
-            <p:nvPr/>
-          </p:nvPicPr>
-          <p:blipFill>
-            <a:blip r:embed="rId12" cstate="print"/>
-            <a:stretch>
-              <a:fillRect/>
-            </a:stretch>
-          </p:blipFill>
-          <p:spPr>
-            <a:xfrm>
-              <a:off x="13850594" y="5833248"/>
-              <a:ext cx="889246" cy="1007427"/>
-            </a:xfrm>
-            <a:prstGeom prst="rect">
-              <a:avLst/>
-            </a:prstGeom>
-          </p:spPr>
-        </p:pic>
-      </p:grpSp>
-      <p:grpSp>
-        <p:nvGrpSpPr>
-          <p:cNvPr id="1019" name="그룹 1019"/>
-          <p:cNvGrpSpPr/>
-          <p:nvPr/>
-        </p:nvGrpSpPr>
-        <p:grpSpPr>
-          <a:xfrm>
-            <a:off x="8949571" y="5837011"/>
-            <a:ext cx="889246" cy="1007427"/>
-            <a:chOff x="10406300" y="5837011"/>
-            <a:chExt cx="889246" cy="1007427"/>
-          </a:xfrm>
-        </p:grpSpPr>
-        <p:pic>
-          <p:nvPicPr>
-            <p:cNvPr id="64" name="Object 63"/>
-            <p:cNvPicPr>
-              <a:picLocks noChangeAspect="1"/>
-            </p:cNvPicPr>
-            <p:nvPr/>
-          </p:nvPicPr>
-          <p:blipFill>
-            <a:blip r:embed="rId12" cstate="print"/>
-            <a:stretch>
-              <a:fillRect/>
-            </a:stretch>
-          </p:blipFill>
-          <p:spPr>
-            <a:xfrm>
-              <a:off x="10406300" y="5837011"/>
-              <a:ext cx="889246" cy="1007427"/>
-            </a:xfrm>
-            <a:prstGeom prst="rect">
-              <a:avLst/>
-            </a:prstGeom>
-          </p:spPr>
-        </p:pic>
-      </p:grpSp>
-      <p:grpSp>
-        <p:nvGrpSpPr>
-          <p:cNvPr id="1020" name="그룹 1020"/>
-          <p:cNvGrpSpPr/>
-          <p:nvPr/>
-        </p:nvGrpSpPr>
-        <p:grpSpPr>
-          <a:xfrm>
-            <a:off x="4791719" y="5814435"/>
-            <a:ext cx="889246" cy="1007427"/>
-            <a:chOff x="3555398" y="5814435"/>
-            <a:chExt cx="889246" cy="1007427"/>
-          </a:xfrm>
-        </p:grpSpPr>
-        <p:pic>
-          <p:nvPicPr>
-            <p:cNvPr id="67" name="Object 66"/>
-            <p:cNvPicPr>
-              <a:picLocks noChangeAspect="1"/>
-            </p:cNvPicPr>
-            <p:nvPr/>
-          </p:nvPicPr>
-          <p:blipFill>
-            <a:blip r:embed="rId12" cstate="print"/>
-            <a:stretch>
-              <a:fillRect/>
-            </a:stretch>
-          </p:blipFill>
-          <p:spPr>
-            <a:xfrm>
-              <a:off x="3555398" y="5814435"/>
-              <a:ext cx="889246" cy="1007427"/>
-            </a:xfrm>
-            <a:prstGeom prst="rect">
-              <a:avLst/>
-            </a:prstGeom>
-          </p:spPr>
-        </p:pic>
-      </p:grpSp>
-      <p:sp>
-        <p:nvSpPr>
-          <p:cNvPr id="3" name="TextBox 2">
-            <a:extLst>
-              <a:ext uri="{FF2B5EF4-FFF2-40B4-BE49-F238E27FC236}">
-                <a16:creationId xmlns:a16="http://schemas.microsoft.com/office/drawing/2014/main" id="{72C21671-C477-4654-8B65-5D56D7C27EF0}"/>
-              </a:ext>
-            </a:extLst>
-          </p:cNvPr>
-          <p:cNvSpPr txBox="1"/>
-          <p:nvPr/>
-        </p:nvSpPr>
-        <p:spPr>
-          <a:xfrm>
-            <a:off x="4296251" y="7102614"/>
-            <a:ext cx="1723549" cy="707886"/>
-          </a:xfrm>
-          <a:prstGeom prst="rect">
-            <a:avLst/>
-          </a:prstGeom>
-          <a:noFill/>
-        </p:spPr>
-        <p:txBody>
-          <a:bodyPr wrap="none" rtlCol="0">
-            <a:spAutoFit/>
-          </a:bodyPr>
-          <a:lstStyle/>
-          <a:p>
-            <a:r>
-              <a:rPr lang="ko-KR" altLang="en-US" sz="4000" err="1"/>
-              <a:t>전우성</a:t>
-            </a:r>
-            <a:endParaRPr lang="ko-KR" altLang="en-US" sz="4000"/>
-          </a:p>
-        </p:txBody>
-      </p:sp>
-      <p:sp>
-        <p:nvSpPr>
-          <p:cNvPr id="59" name="TextBox 58">
-            <a:extLst>
-              <a:ext uri="{FF2B5EF4-FFF2-40B4-BE49-F238E27FC236}">
-                <a16:creationId xmlns:a16="http://schemas.microsoft.com/office/drawing/2014/main" id="{1D529B96-698E-4ECC-ADD0-1F4700794B2E}"/>
-              </a:ext>
-            </a:extLst>
-          </p:cNvPr>
-          <p:cNvSpPr txBox="1"/>
-          <p:nvPr/>
-        </p:nvSpPr>
-        <p:spPr>
-          <a:xfrm>
-            <a:off x="8552354" y="7102614"/>
-            <a:ext cx="1723549" cy="707886"/>
-          </a:xfrm>
-          <a:prstGeom prst="rect">
-            <a:avLst/>
-          </a:prstGeom>
-          <a:noFill/>
-        </p:spPr>
-        <p:txBody>
-          <a:bodyPr wrap="none" rtlCol="0">
-            <a:spAutoFit/>
-          </a:bodyPr>
-          <a:lstStyle/>
-          <a:p>
-            <a:r>
-              <a:rPr lang="ko-KR" altLang="en-US" sz="4000" err="1"/>
-              <a:t>주현종</a:t>
-            </a:r>
-            <a:endParaRPr lang="ko-KR" altLang="en-US" sz="4000"/>
-          </a:p>
-        </p:txBody>
-      </p:sp>
-      <p:sp>
-        <p:nvSpPr>
-          <p:cNvPr id="60" name="TextBox 59">
-            <a:extLst>
-              <a:ext uri="{FF2B5EF4-FFF2-40B4-BE49-F238E27FC236}">
-                <a16:creationId xmlns:a16="http://schemas.microsoft.com/office/drawing/2014/main" id="{683B1DFA-84A1-461C-A665-37672E9E06FE}"/>
-              </a:ext>
-            </a:extLst>
-          </p:cNvPr>
-          <p:cNvSpPr txBox="1"/>
-          <p:nvPr/>
-        </p:nvSpPr>
-        <p:spPr>
-          <a:xfrm>
-            <a:off x="12656607" y="7102614"/>
-            <a:ext cx="1723549" cy="707886"/>
-          </a:xfrm>
-          <a:prstGeom prst="rect">
-            <a:avLst/>
-          </a:prstGeom>
-          <a:noFill/>
-        </p:spPr>
-        <p:txBody>
-          <a:bodyPr wrap="none" rtlCol="0">
-            <a:spAutoFit/>
-          </a:bodyPr>
-          <a:lstStyle/>
-          <a:p>
-            <a:r>
-              <a:rPr lang="ko-KR" altLang="en-US" sz="4000" err="1"/>
-              <a:t>김건승</a:t>
-            </a:r>
-            <a:endParaRPr lang="ko-KR" altLang="en-US" sz="4000"/>
-          </a:p>
-        </p:txBody>
-      </p:sp>
-      <p:sp>
-        <p:nvSpPr>
-          <p:cNvPr id="7" name="TextBox 6">
-            <a:extLst>
-              <a:ext uri="{FF2B5EF4-FFF2-40B4-BE49-F238E27FC236}">
-                <a16:creationId xmlns:a16="http://schemas.microsoft.com/office/drawing/2014/main" id="{B041D789-A832-BB4B-8FB3-433EE02A71F9}"/>
-              </a:ext>
-            </a:extLst>
-          </p:cNvPr>
-          <p:cNvSpPr txBox="1"/>
-          <p:nvPr/>
-        </p:nvSpPr>
-        <p:spPr>
-          <a:xfrm>
-            <a:off x="6088011" y="1563738"/>
-            <a:ext cx="6988256" cy="1200329"/>
-          </a:xfrm>
-          <a:prstGeom prst="rect">
-            <a:avLst/>
-          </a:prstGeom>
-          <a:noFill/>
-        </p:spPr>
-        <p:txBody>
-          <a:bodyPr wrap="square" lIns="91440" tIns="45720" rIns="91440" bIns="45720" rtlCol="0" anchor="t">
-            <a:spAutoFit/>
-          </a:bodyPr>
-          <a:lstStyle/>
-          <a:p>
-            <a:r>
-              <a:rPr lang="en-US" altLang="ko-KR" sz="7200" b="1" err="1">
-                <a:latin typeface="Arial Rounded MT Bold"/>
-              </a:rPr>
-              <a:t>Dongstagram</a:t>
-            </a:r>
-            <a:endParaRPr lang="ko-KR" altLang="en-US" sz="7200" b="1">
-              <a:latin typeface="Arial Rounded MT Bold"/>
-            </a:endParaRPr>
-          </a:p>
-        </p:txBody>
-      </p:sp>
-      <p:sp>
-        <p:nvSpPr>
-          <p:cNvPr id="9" name="TextBox 8">
-            <a:extLst>
-              <a:ext uri="{FF2B5EF4-FFF2-40B4-BE49-F238E27FC236}">
-                <a16:creationId xmlns:a16="http://schemas.microsoft.com/office/drawing/2014/main" id="{49987F44-C1C4-6EA0-F6CC-2DC4960FF852}"/>
-              </a:ext>
-            </a:extLst>
-          </p:cNvPr>
-          <p:cNvSpPr txBox="1"/>
-          <p:nvPr/>
-        </p:nvSpPr>
-        <p:spPr>
-          <a:xfrm>
-            <a:off x="8305800" y="7779484"/>
-            <a:ext cx="1724859" cy="1877437"/>
-          </a:xfrm>
-          <a:prstGeom prst="rect">
-            <a:avLst/>
-          </a:prstGeom>
-          <a:noFill/>
-        </p:spPr>
-        <p:txBody>
-          <a:bodyPr wrap="square" lIns="91440" tIns="45720" rIns="91440" bIns="45720" rtlCol="0" anchor="t">
-            <a:spAutoFit/>
-          </a:bodyPr>
-          <a:lstStyle/>
-          <a:p>
-            <a:r>
-              <a:rPr lang="ko-KR" altLang="en-US" sz="1600">
-                <a:cs typeface="Calibri"/>
-              </a:rPr>
-              <a:t>팀원 </a:t>
-            </a:r>
-            <a:endParaRPr lang="en-US" altLang="ko-KR" sz="1600">
-              <a:cs typeface="Calibri"/>
-            </a:endParaRPr>
-          </a:p>
-          <a:p>
-            <a:endParaRPr lang="ko-KR" altLang="en-US" sz="1200">
-              <a:cs typeface="Calibri"/>
-            </a:endParaRPr>
-          </a:p>
-          <a:p>
-            <a:r>
-              <a:rPr lang="ko-KR" altLang="en-US" sz="1600">
-                <a:cs typeface="Calibri"/>
-              </a:rPr>
-              <a:t>1.프로토 타이핑</a:t>
-            </a:r>
-          </a:p>
-          <a:p>
-            <a:endParaRPr lang="ko-KR" altLang="en-US" sz="2000">
-              <a:cs typeface="Calibri"/>
-            </a:endParaRPr>
-          </a:p>
-          <a:p>
-            <a:endParaRPr lang="ko-KR" altLang="en-US" sz="2000">
-              <a:cs typeface="Calibri"/>
-            </a:endParaRPr>
-          </a:p>
-          <a:p>
-            <a:endParaRPr lang="ko-KR" altLang="en-US" sz="2800">
-              <a:cs typeface="Calibri"/>
-            </a:endParaRPr>
-          </a:p>
-        </p:txBody>
-      </p:sp>
-      <p:sp>
-        <p:nvSpPr>
-          <p:cNvPr id="10" name="TextBox 9">
-            <a:extLst>
-              <a:ext uri="{FF2B5EF4-FFF2-40B4-BE49-F238E27FC236}">
-                <a16:creationId xmlns:a16="http://schemas.microsoft.com/office/drawing/2014/main" id="{7F9B7678-E38F-1EFB-4DCB-063FE509749F}"/>
-              </a:ext>
-            </a:extLst>
-          </p:cNvPr>
-          <p:cNvSpPr txBox="1"/>
-          <p:nvPr/>
-        </p:nvSpPr>
-        <p:spPr>
-          <a:xfrm>
-            <a:off x="4288554" y="7810500"/>
-            <a:ext cx="2721846" cy="2246769"/>
-          </a:xfrm>
-          <a:prstGeom prst="rect">
-            <a:avLst/>
-          </a:prstGeom>
-          <a:noFill/>
-        </p:spPr>
-        <p:txBody>
-          <a:bodyPr wrap="square" lIns="91440" tIns="45720" rIns="91440" bIns="45720" rtlCol="0" anchor="t">
-            <a:spAutoFit/>
-          </a:bodyPr>
-          <a:lstStyle/>
-          <a:p>
-            <a:r>
-              <a:rPr lang="ko-KR" altLang="en-US" sz="1600" dirty="0">
-                <a:cs typeface="Calibri"/>
-              </a:rPr>
-              <a:t>팀장 </a:t>
-            </a:r>
-            <a:endParaRPr lang="en-US" altLang="ko-KR" sz="1600" dirty="0">
-              <a:cs typeface="Calibri"/>
-            </a:endParaRPr>
-          </a:p>
-          <a:p>
-            <a:endParaRPr lang="ko-KR" altLang="en-US" sz="1200" dirty="0">
-              <a:cs typeface="Calibri"/>
-            </a:endParaRPr>
-          </a:p>
-          <a:p>
-            <a:r>
-              <a:rPr lang="ko-KR" altLang="en-US" sz="1600" dirty="0">
-                <a:cs typeface="Calibri"/>
-              </a:rPr>
-              <a:t>1. 스토리보드</a:t>
-            </a:r>
-            <a:endParaRPr lang="en-US" altLang="ko-KR" sz="1200" dirty="0">
-              <a:cs typeface="Calibri"/>
-            </a:endParaRPr>
-          </a:p>
-          <a:p>
-            <a:r>
-              <a:rPr lang="en-US" altLang="ko-KR" sz="1600" dirty="0">
-                <a:cs typeface="Calibri"/>
-              </a:rPr>
-              <a:t>2. </a:t>
-            </a:r>
-            <a:r>
-              <a:rPr lang="ko-KR" altLang="en-US" sz="1600" dirty="0" err="1">
-                <a:cs typeface="Calibri"/>
-              </a:rPr>
-              <a:t>유스케이스</a:t>
-            </a:r>
-            <a:r>
-              <a:rPr lang="ko-KR" altLang="en-US" sz="1600" dirty="0">
-                <a:cs typeface="Calibri"/>
-              </a:rPr>
-              <a:t>  </a:t>
-            </a:r>
-            <a:endParaRPr lang="en-US" altLang="ko-KR" sz="1600" dirty="0">
-              <a:cs typeface="Calibri"/>
-            </a:endParaRPr>
-          </a:p>
-          <a:p>
-            <a:r>
-              <a:rPr lang="en-US" altLang="ko-KR" sz="1600" dirty="0">
-                <a:cs typeface="Calibri"/>
-              </a:rPr>
-              <a:t>    </a:t>
-            </a:r>
-            <a:r>
-              <a:rPr lang="ko-KR" altLang="en-US" sz="1600" dirty="0">
-                <a:cs typeface="Calibri"/>
-              </a:rPr>
-              <a:t>다이어그램</a:t>
-            </a:r>
-            <a:endParaRPr lang="en-US" altLang="ko-KR" sz="1200" dirty="0">
-              <a:cs typeface="Calibri"/>
-            </a:endParaRPr>
-          </a:p>
-          <a:p>
-            <a:r>
-              <a:rPr lang="en-US" altLang="ko-KR" sz="1600" dirty="0">
-                <a:cs typeface="Calibri"/>
-              </a:rPr>
-              <a:t>3. DB </a:t>
-            </a:r>
-            <a:r>
-              <a:rPr lang="ko-KR" altLang="en-US" sz="1600" dirty="0">
-                <a:cs typeface="Calibri"/>
-              </a:rPr>
-              <a:t>설계</a:t>
-            </a:r>
-            <a:endParaRPr lang="ko-KR" altLang="en-US" sz="2000" dirty="0">
-              <a:cs typeface="Calibri"/>
-            </a:endParaRPr>
-          </a:p>
-          <a:p>
-            <a:endParaRPr lang="ko-KR" altLang="en-US" sz="2000" dirty="0">
-              <a:cs typeface="Calibri"/>
-            </a:endParaRPr>
-          </a:p>
-          <a:p>
-            <a:endParaRPr lang="ko-KR" altLang="en-US" sz="2800" dirty="0">
-              <a:cs typeface="Calibri"/>
-            </a:endParaRPr>
-          </a:p>
-        </p:txBody>
-      </p:sp>
-      <p:sp>
-        <p:nvSpPr>
-          <p:cNvPr id="12" name="TextBox 11">
-            <a:extLst>
-              <a:ext uri="{FF2B5EF4-FFF2-40B4-BE49-F238E27FC236}">
-                <a16:creationId xmlns:a16="http://schemas.microsoft.com/office/drawing/2014/main" id="{5EE9153D-75F5-1EAC-F210-59E6A09298CE}"/>
-              </a:ext>
-            </a:extLst>
-          </p:cNvPr>
-          <p:cNvSpPr txBox="1"/>
-          <p:nvPr/>
-        </p:nvSpPr>
-        <p:spPr>
-          <a:xfrm>
-            <a:off x="12420600" y="7810500"/>
-            <a:ext cx="1957104" cy="2308324"/>
-          </a:xfrm>
-          <a:prstGeom prst="rect">
-            <a:avLst/>
-          </a:prstGeom>
-          <a:noFill/>
-        </p:spPr>
-        <p:txBody>
-          <a:bodyPr wrap="square" lIns="91440" tIns="45720" rIns="91440" bIns="45720" rtlCol="0" anchor="t">
-            <a:spAutoFit/>
-          </a:bodyPr>
-          <a:lstStyle/>
-          <a:p>
-            <a:r>
-              <a:rPr lang="ko-KR" altLang="en-US" sz="1600">
-                <a:cs typeface="Calibri"/>
-              </a:rPr>
-              <a:t>팀원 </a:t>
-            </a:r>
-            <a:endParaRPr lang="en-US" altLang="ko-KR" sz="1600">
-              <a:cs typeface="Calibri"/>
-            </a:endParaRPr>
-          </a:p>
-          <a:p>
-            <a:endParaRPr lang="ko-KR" altLang="en-US" sz="1200">
-              <a:cs typeface="Calibri"/>
-            </a:endParaRPr>
-          </a:p>
-          <a:p>
-            <a:r>
-              <a:rPr lang="ko-KR" altLang="en-US" sz="1600">
-                <a:cs typeface="Calibri"/>
-              </a:rPr>
-              <a:t>1.요구분석서</a:t>
-            </a:r>
-            <a:endParaRPr lang="en-US" altLang="ko-KR" sz="1600">
-              <a:cs typeface="Calibri"/>
-            </a:endParaRPr>
-          </a:p>
-          <a:p>
-            <a:endParaRPr lang="ko-KR" altLang="en-US" sz="1200">
-              <a:cs typeface="Calibri"/>
-            </a:endParaRPr>
-          </a:p>
-          <a:p>
-            <a:r>
-              <a:rPr lang="ko-KR" altLang="en-US" sz="1600">
-                <a:cs typeface="Calibri"/>
-              </a:rPr>
-              <a:t>2. </a:t>
-            </a:r>
-            <a:r>
-              <a:rPr lang="ko-KR" altLang="en-US" sz="1600" err="1">
-                <a:cs typeface="Calibri"/>
-              </a:rPr>
-              <a:t>ppt제작</a:t>
-            </a:r>
-            <a:r>
-              <a:rPr lang="ko-KR" altLang="en-US" sz="1600">
-                <a:cs typeface="Calibri"/>
-              </a:rPr>
-              <a:t> </a:t>
-            </a:r>
-          </a:p>
-          <a:p>
-            <a:endParaRPr lang="ko-KR" altLang="en-US" sz="2000">
-              <a:cs typeface="Calibri"/>
-            </a:endParaRPr>
-          </a:p>
-          <a:p>
-            <a:endParaRPr lang="ko-KR" altLang="en-US" sz="2000">
-              <a:cs typeface="Calibri"/>
-            </a:endParaRPr>
-          </a:p>
-          <a:p>
-            <a:endParaRPr lang="ko-KR" altLang="en-US" sz="2800">
-              <a:cs typeface="Calibri"/>
-            </a:endParaRPr>
-          </a:p>
-        </p:txBody>
-      </p:sp>
-    </p:spTree>
-  </p:cSld>
-  <p:clrMapOvr>
-    <a:masterClrMapping/>
-  </p:clrMapOvr>
-</p:sld>
-</file>
-
-<file path=ppt/slides/slide20.xml><?xml version="1.0" encoding="utf-8"?>
+<file path=ppt/slides/slide23.xml><?xml version="1.0" encoding="utf-8"?>
 <p:sld xmlns:a="http://schemas.openxmlformats.org/drawingml/2006/main" xmlns:r="http://schemas.openxmlformats.org/officeDocument/2006/relationships" xmlns:p="http://schemas.openxmlformats.org/presentationml/2006/main">
   <p:cSld>
     <p:spTree>
@@ -10369,7 +13925,7 @@
 </p:sld>
 </file>
 
-<file path=ppt/slides/slide21.xml><?xml version="1.0" encoding="utf-8"?>
+<file path=ppt/slides/slide24.xml><?xml version="1.0" encoding="utf-8"?>
 <p:sld xmlns:a="http://schemas.openxmlformats.org/drawingml/2006/main" xmlns:r="http://schemas.openxmlformats.org/officeDocument/2006/relationships" xmlns:p="http://schemas.openxmlformats.org/presentationml/2006/main">
   <p:cSld>
     <p:spTree>
@@ -10832,7 +14388,7 @@
 </p:sld>
 </file>
 
-<file path=ppt/slides/slide22.xml><?xml version="1.0" encoding="utf-8"?>
+<file path=ppt/slides/slide25.xml><?xml version="1.0" encoding="utf-8"?>
 <p:sld xmlns:a="http://schemas.openxmlformats.org/drawingml/2006/main" xmlns:r="http://schemas.openxmlformats.org/officeDocument/2006/relationships" xmlns:p="http://schemas.openxmlformats.org/presentationml/2006/main">
   <p:cSld>
     <p:spTree>
@@ -11271,7 +14827,7 @@
 </p:sld>
 </file>
 
-<file path=ppt/slides/slide23.xml><?xml version="1.0" encoding="utf-8"?>
+<file path=ppt/slides/slide26.xml><?xml version="1.0" encoding="utf-8"?>
 <p:sld xmlns:a="http://schemas.openxmlformats.org/drawingml/2006/main" xmlns:r="http://schemas.openxmlformats.org/officeDocument/2006/relationships" xmlns:p="http://schemas.openxmlformats.org/presentationml/2006/main">
   <p:cSld>
     <p:spTree>
@@ -11702,7 +15258,7 @@
 </p:sld>
 </file>
 
-<file path=ppt/slides/slide24.xml><?xml version="1.0" encoding="utf-8"?>
+<file path=ppt/slides/slide27.xml><?xml version="1.0" encoding="utf-8"?>
 <p:sld xmlns:a="http://schemas.openxmlformats.org/drawingml/2006/main" xmlns:r="http://schemas.openxmlformats.org/officeDocument/2006/relationships" xmlns:p="http://schemas.openxmlformats.org/presentationml/2006/main">
   <p:cSld>
     <p:spTree>
@@ -12141,7 +15697,7 @@
 </p:sld>
 </file>
 
-<file path=ppt/slides/slide25.xml><?xml version="1.0" encoding="utf-8"?>
+<file path=ppt/slides/slide28.xml><?xml version="1.0" encoding="utf-8"?>
 <p:sld xmlns:a="http://schemas.openxmlformats.org/drawingml/2006/main" xmlns:r="http://schemas.openxmlformats.org/officeDocument/2006/relationships" xmlns:p="http://schemas.openxmlformats.org/presentationml/2006/main">
   <p:cSld>
     <p:spTree>
@@ -12332,7 +15888,7 @@
 </p:sld>
 </file>
 
-<file path=ppt/slides/slide26.xml><?xml version="1.0" encoding="utf-8"?>
+<file path=ppt/slides/slide29.xml><?xml version="1.0" encoding="utf-8"?>
 <p:sld xmlns:a="http://schemas.openxmlformats.org/drawingml/2006/main" xmlns:r="http://schemas.openxmlformats.org/officeDocument/2006/relationships" xmlns:p="http://schemas.openxmlformats.org/presentationml/2006/main">
   <p:cSld name="Slide 25">
     <p:bg>
@@ -12879,7 +16435,7 @@
         <p:spPr>
           <a:xfrm>
             <a:off x="1719319" y="7734300"/>
-            <a:ext cx="1409360" cy="400110"/>
+            <a:ext cx="1378904" cy="400110"/>
           </a:xfrm>
           <a:prstGeom prst="rect">
             <a:avLst/>
@@ -12910,7 +16466,7 @@
                 <a:latin typeface="나눔고딕" pitchFamily="2" charset="-127"/>
                 <a:ea typeface="나눔고딕" pitchFamily="2" charset="-127"/>
               </a:rPr>
-              <a:t>배경설명</a:t>
+              <a:t>개발환경</a:t>
             </a:r>
           </a:p>
         </p:txBody>
@@ -13097,10 +16653,10 @@
       </p:pic>
       <p:sp>
         <p:nvSpPr>
-          <p:cNvPr id="27" name="TextBox 26">
-            <a:extLst>
-              <a:ext uri="{FF2B5EF4-FFF2-40B4-BE49-F238E27FC236}">
-                <a16:creationId xmlns:a16="http://schemas.microsoft.com/office/drawing/2014/main" id="{D49B367D-65C1-4274-BC05-611DDBC1DD3B}"/>
+          <p:cNvPr id="28" name="TextBox 27">
+            <a:extLst>
+              <a:ext uri="{FF2B5EF4-FFF2-40B4-BE49-F238E27FC236}">
+                <a16:creationId xmlns:a16="http://schemas.microsoft.com/office/drawing/2014/main" id="{99CBBECF-207B-4DFD-8979-3CCD27467F40}"/>
               </a:ext>
             </a:extLst>
           </p:cNvPr>
@@ -13109,8 +16665,8 @@
         </p:nvSpPr>
         <p:spPr>
           <a:xfrm>
-            <a:off x="7086600" y="2857500"/>
-            <a:ext cx="4137671" cy="461665"/>
+            <a:off x="7086600" y="3585095"/>
+            <a:ext cx="1220206" cy="400110"/>
           </a:xfrm>
           <a:prstGeom prst="rect">
             <a:avLst/>
@@ -13124,17 +16680,17 @@
           <a:lstStyle/>
           <a:p>
             <a:r>
-              <a:rPr lang="en-US" altLang="ko-KR" sz="2400" b="1">
+              <a:rPr lang="en-US" altLang="ko-KR" sz="2000">
                 <a:solidFill>
                   <a:srgbClr val="3DC2F2"/>
                 </a:solidFill>
                 <a:latin typeface="나눔고딕" pitchFamily="2" charset="-127"/>
                 <a:ea typeface="나눔고딕" pitchFamily="2" charset="-127"/>
               </a:rPr>
-              <a:t>UI</a:t>
-            </a:r>
-            <a:r>
-              <a:rPr lang="ko-KR" altLang="en-US" sz="2400" b="1">
+              <a:t>4.UI </a:t>
+            </a:r>
+            <a:r>
+              <a:rPr lang="ko-KR" altLang="en-US" sz="2000">
                 <a:solidFill>
                   <a:srgbClr val="3DC2F2"/>
                 </a:solidFill>
@@ -13142,76 +16698,16 @@
                 <a:ea typeface="나눔고딕" pitchFamily="2" charset="-127"/>
               </a:rPr>
               <a:t>설계</a:t>
-            </a:r>
-            <a:r>
-              <a:rPr lang="en-US" altLang="ko-KR" sz="2400" b="1">
-                <a:solidFill>
-                  <a:srgbClr val="3DC2F2"/>
-                </a:solidFill>
-                <a:latin typeface="나눔고딕" pitchFamily="2" charset="-127"/>
-                <a:ea typeface="나눔고딕" pitchFamily="2" charset="-127"/>
-              </a:rPr>
-              <a:t>,</a:t>
-            </a:r>
-            <a:r>
-              <a:rPr lang="ko-KR" altLang="en-US" sz="2400" b="1">
-                <a:solidFill>
-                  <a:srgbClr val="3DC2F2"/>
-                </a:solidFill>
-                <a:latin typeface="나눔고딕" pitchFamily="2" charset="-127"/>
-                <a:ea typeface="나눔고딕" pitchFamily="2" charset="-127"/>
-              </a:rPr>
-              <a:t> </a:t>
-            </a:r>
-            <a:r>
-              <a:rPr lang="en-US" altLang="ko-KR" sz="2400" b="1">
-                <a:solidFill>
-                  <a:srgbClr val="3DC2F2"/>
-                </a:solidFill>
-                <a:latin typeface="나눔고딕" pitchFamily="2" charset="-127"/>
-                <a:ea typeface="나눔고딕" pitchFamily="2" charset="-127"/>
-              </a:rPr>
-              <a:t>DB</a:t>
-            </a:r>
-            <a:r>
-              <a:rPr lang="ko-KR" altLang="en-US" sz="2400" b="1">
-                <a:solidFill>
-                  <a:srgbClr val="3DC2F2"/>
-                </a:solidFill>
-                <a:latin typeface="나눔고딕" pitchFamily="2" charset="-127"/>
-                <a:ea typeface="나눔고딕" pitchFamily="2" charset="-127"/>
-              </a:rPr>
-              <a:t>설계</a:t>
-            </a:r>
-            <a:r>
-              <a:rPr lang="en-US" altLang="ko-KR" sz="2400" b="1">
-                <a:solidFill>
-                  <a:srgbClr val="3DC2F2"/>
-                </a:solidFill>
-                <a:latin typeface="나눔고딕" pitchFamily="2" charset="-127"/>
-                <a:ea typeface="나눔고딕" pitchFamily="2" charset="-127"/>
-              </a:rPr>
-              <a:t>, </a:t>
-            </a:r>
-            <a:r>
-              <a:rPr lang="ko-KR" altLang="en-US" sz="2400" b="1">
-                <a:solidFill>
-                  <a:srgbClr val="3DC2F2"/>
-                </a:solidFill>
-                <a:latin typeface="나눔고딕" pitchFamily="2" charset="-127"/>
-                <a:ea typeface="나눔고딕" pitchFamily="2" charset="-127"/>
-              </a:rPr>
-              <a:t>프로그램설계</a:t>
             </a:r>
           </a:p>
         </p:txBody>
       </p:sp>
       <p:sp>
         <p:nvSpPr>
-          <p:cNvPr id="28" name="TextBox 27">
-            <a:extLst>
-              <a:ext uri="{FF2B5EF4-FFF2-40B4-BE49-F238E27FC236}">
-                <a16:creationId xmlns:a16="http://schemas.microsoft.com/office/drawing/2014/main" id="{99CBBECF-207B-4DFD-8979-3CCD27467F40}"/>
+          <p:cNvPr id="29" name="TextBox 28">
+            <a:extLst>
+              <a:ext uri="{FF2B5EF4-FFF2-40B4-BE49-F238E27FC236}">
+                <a16:creationId xmlns:a16="http://schemas.microsoft.com/office/drawing/2014/main" id="{E3E07BAA-5E5D-484E-A95C-53008A9E5876}"/>
               </a:ext>
             </a:extLst>
           </p:cNvPr>
@@ -13220,8 +16716,8 @@
         </p:nvSpPr>
         <p:spPr>
           <a:xfrm>
-            <a:off x="7086600" y="3585095"/>
-            <a:ext cx="1220206" cy="400110"/>
+            <a:off x="7086599" y="4305300"/>
+            <a:ext cx="1241045" cy="400110"/>
           </a:xfrm>
           <a:prstGeom prst="rect">
             <a:avLst/>
@@ -13242,7 +16738,7 @@
                 <a:latin typeface="나눔고딕" pitchFamily="2" charset="-127"/>
                 <a:ea typeface="나눔고딕" pitchFamily="2" charset="-127"/>
               </a:rPr>
-              <a:t>4.UI </a:t>
+              <a:t>5.DB</a:t>
             </a:r>
             <a:r>
               <a:rPr lang="ko-KR" altLang="en-US" sz="2000">
@@ -13259,10 +16755,10 @@
       </p:sp>
       <p:sp>
         <p:nvSpPr>
-          <p:cNvPr id="29" name="TextBox 28">
-            <a:extLst>
-              <a:ext uri="{FF2B5EF4-FFF2-40B4-BE49-F238E27FC236}">
-                <a16:creationId xmlns:a16="http://schemas.microsoft.com/office/drawing/2014/main" id="{E3E07BAA-5E5D-484E-A95C-53008A9E5876}"/>
+          <p:cNvPr id="32" name="TextBox 31">
+            <a:extLst>
+              <a:ext uri="{FF2B5EF4-FFF2-40B4-BE49-F238E27FC236}">
+                <a16:creationId xmlns:a16="http://schemas.microsoft.com/office/drawing/2014/main" id="{6DCC2F20-C86C-4148-A607-D9D44F64E2ED}"/>
               </a:ext>
             </a:extLst>
           </p:cNvPr>
@@ -13271,8 +16767,8 @@
         </p:nvSpPr>
         <p:spPr>
           <a:xfrm>
-            <a:off x="7086599" y="4305300"/>
-            <a:ext cx="1241045" cy="400110"/>
+            <a:off x="13266840" y="6384577"/>
+            <a:ext cx="1338828" cy="461665"/>
           </a:xfrm>
           <a:prstGeom prst="rect">
             <a:avLst/>
@@ -13286,65 +16782,14 @@
           <a:lstStyle/>
           <a:p>
             <a:r>
-              <a:rPr lang="en-US" altLang="ko-KR" sz="2000">
+              <a:rPr lang="ko-KR" altLang="en-US" sz="2400" b="1">
                 <a:solidFill>
                   <a:srgbClr val="3DC2F2"/>
                 </a:solidFill>
                 <a:latin typeface="나눔고딕" pitchFamily="2" charset="-127"/>
                 <a:ea typeface="나눔고딕" pitchFamily="2" charset="-127"/>
               </a:rPr>
-              <a:t>5.DB</a:t>
-            </a:r>
-            <a:r>
-              <a:rPr lang="ko-KR" altLang="en-US" sz="2000">
-                <a:solidFill>
-                  <a:srgbClr val="3DC2F2"/>
-                </a:solidFill>
-                <a:latin typeface="나눔고딕" pitchFamily="2" charset="-127"/>
-                <a:ea typeface="나눔고딕" pitchFamily="2" charset="-127"/>
-              </a:rPr>
-              <a:t>설계</a:t>
-            </a:r>
-          </a:p>
-        </p:txBody>
-      </p:sp>
-      <p:sp>
-        <p:nvSpPr>
-          <p:cNvPr id="32" name="TextBox 31">
-            <a:extLst>
-              <a:ext uri="{FF2B5EF4-FFF2-40B4-BE49-F238E27FC236}">
-                <a16:creationId xmlns:a16="http://schemas.microsoft.com/office/drawing/2014/main" id="{6DCC2F20-C86C-4148-A607-D9D44F64E2ED}"/>
-              </a:ext>
-            </a:extLst>
-          </p:cNvPr>
-          <p:cNvSpPr txBox="1"/>
-          <p:nvPr/>
-        </p:nvSpPr>
-        <p:spPr>
-          <a:xfrm>
-            <a:off x="13266840" y="6384577"/>
-            <a:ext cx="2954655" cy="461665"/>
-          </a:xfrm>
-          <a:prstGeom prst="rect">
-            <a:avLst/>
-          </a:prstGeom>
-          <a:noFill/>
-        </p:spPr>
-        <p:txBody>
-          <a:bodyPr wrap="none" lIns="91440" tIns="45720" rIns="91440" bIns="45720" rtlCol="0" anchor="t">
-            <a:spAutoFit/>
-          </a:bodyPr>
-          <a:lstStyle/>
-          <a:p>
-            <a:r>
-              <a:rPr lang="ko-KR" altLang="en-US" sz="2400" b="1">
-                <a:solidFill>
-                  <a:srgbClr val="3DC2F2"/>
-                </a:solidFill>
-                <a:latin typeface="나눔고딕" pitchFamily="2" charset="-127"/>
-                <a:ea typeface="나눔고딕" pitchFamily="2" charset="-127"/>
-              </a:rPr>
-              <a:t>진행상황 및 향후계획</a:t>
+              <a:t>구현기능</a:t>
             </a:r>
           </a:p>
         </p:txBody>
@@ -13627,6 +17072,117 @@
                 <a:ea typeface="나눔고딕" pitchFamily="2" charset="-127"/>
               </a:rPr>
               <a:t>일정표</a:t>
+            </a:r>
+          </a:p>
+        </p:txBody>
+      </p:sp>
+      <p:sp>
+        <p:nvSpPr>
+          <p:cNvPr id="39" name="TextBox 38">
+            <a:extLst>
+              <a:ext uri="{FF2B5EF4-FFF2-40B4-BE49-F238E27FC236}">
+                <a16:creationId xmlns:a16="http://schemas.microsoft.com/office/drawing/2014/main" id="{F68862C8-4878-4D48-AE3A-3841087B7631}"/>
+              </a:ext>
+            </a:extLst>
+          </p:cNvPr>
+          <p:cNvSpPr txBox="1"/>
+          <p:nvPr/>
+        </p:nvSpPr>
+        <p:spPr>
+          <a:xfrm>
+            <a:off x="7086600" y="2857500"/>
+            <a:ext cx="4137671" cy="461665"/>
+          </a:xfrm>
+          <a:prstGeom prst="rect">
+            <a:avLst/>
+          </a:prstGeom>
+          <a:noFill/>
+        </p:spPr>
+        <p:txBody>
+          <a:bodyPr wrap="none" lIns="91440" tIns="45720" rIns="91440" bIns="45720" rtlCol="0" anchor="t">
+            <a:spAutoFit/>
+          </a:bodyPr>
+          <a:lstStyle/>
+          <a:p>
+            <a:r>
+              <a:rPr lang="en-US" altLang="ko-KR" sz="2400" b="1">
+                <a:solidFill>
+                  <a:srgbClr val="3DC2F2"/>
+                </a:solidFill>
+                <a:latin typeface="나눔고딕" pitchFamily="2" charset="-127"/>
+                <a:ea typeface="나눔고딕" pitchFamily="2" charset="-127"/>
+              </a:rPr>
+              <a:t>UI</a:t>
+            </a:r>
+            <a:r>
+              <a:rPr lang="ko-KR" altLang="en-US" sz="2400" b="1">
+                <a:solidFill>
+                  <a:srgbClr val="3DC2F2"/>
+                </a:solidFill>
+                <a:latin typeface="나눔고딕" pitchFamily="2" charset="-127"/>
+                <a:ea typeface="나눔고딕" pitchFamily="2" charset="-127"/>
+              </a:rPr>
+              <a:t>설계</a:t>
+            </a:r>
+            <a:r>
+              <a:rPr lang="en-US" altLang="ko-KR" sz="2400" b="1">
+                <a:solidFill>
+                  <a:srgbClr val="3DC2F2"/>
+                </a:solidFill>
+                <a:latin typeface="나눔고딕" pitchFamily="2" charset="-127"/>
+                <a:ea typeface="나눔고딕" pitchFamily="2" charset="-127"/>
+              </a:rPr>
+              <a:t>,</a:t>
+            </a:r>
+            <a:r>
+              <a:rPr lang="ko-KR" altLang="en-US" sz="2400" b="1">
+                <a:solidFill>
+                  <a:srgbClr val="3DC2F2"/>
+                </a:solidFill>
+                <a:latin typeface="나눔고딕" pitchFamily="2" charset="-127"/>
+                <a:ea typeface="나눔고딕" pitchFamily="2" charset="-127"/>
+              </a:rPr>
+              <a:t> </a:t>
+            </a:r>
+            <a:r>
+              <a:rPr lang="en-US" altLang="ko-KR" sz="2400" b="1">
+                <a:solidFill>
+                  <a:srgbClr val="3DC2F2"/>
+                </a:solidFill>
+                <a:latin typeface="나눔고딕" pitchFamily="2" charset="-127"/>
+                <a:ea typeface="나눔고딕" pitchFamily="2" charset="-127"/>
+              </a:rPr>
+              <a:t>DB</a:t>
+            </a:r>
+            <a:r>
+              <a:rPr lang="ko-KR" altLang="en-US" sz="2400" b="1">
+                <a:solidFill>
+                  <a:srgbClr val="3DC2F2"/>
+                </a:solidFill>
+                <a:latin typeface="나눔고딕" pitchFamily="2" charset="-127"/>
+                <a:ea typeface="나눔고딕" pitchFamily="2" charset="-127"/>
+              </a:rPr>
+              <a:t>설계</a:t>
+            </a:r>
+            <a:r>
+              <a:rPr lang="en-US" altLang="ko-KR" sz="2400" b="1">
+                <a:solidFill>
+                  <a:srgbClr val="3DC2F2"/>
+                </a:solidFill>
+                <a:latin typeface="나눔고딕" pitchFamily="2" charset="-127"/>
+                <a:ea typeface="나눔고딕" pitchFamily="2" charset="-127"/>
+              </a:rPr>
+              <a:t>, </a:t>
+            </a:r>
+            <a:r>
+              <a:rPr lang="ko-KR" altLang="en-US" sz="2400" b="1">
+                <a:solidFill>
+                  <a:srgbClr val="3DC2F2"/>
+                </a:solidFill>
+                <a:latin typeface="나눔고딕" pitchFamily="2" charset="-127"/>
+                <a:ea typeface="나눔고딕" pitchFamily="2" charset="-127"/>
+              </a:rPr>
+              <a:t>프로그램설계</a:t>
             </a:r>
           </a:p>
         </p:txBody>
@@ -13792,7 +17348,7 @@
         </p:nvGrpSpPr>
         <p:grpSpPr>
           <a:xfrm>
-            <a:off x="6839414" y="3757830"/>
+            <a:off x="8686800" y="3757830"/>
             <a:ext cx="4478746" cy="6171429"/>
             <a:chOff x="6839414" y="3757830"/>
             <a:chExt cx="4478746" cy="6171429"/>
@@ -13894,7 +17450,7 @@
         </p:nvGrpSpPr>
         <p:grpSpPr>
           <a:xfrm>
-            <a:off x="3281914" y="2852880"/>
+            <a:off x="4805914" y="2852880"/>
             <a:ext cx="4142574" cy="3990664"/>
             <a:chOff x="3281914" y="2852880"/>
             <a:chExt cx="4142574" cy="3990664"/>
@@ -13933,7 +17489,7 @@
         </p:nvGrpSpPr>
         <p:grpSpPr>
           <a:xfrm>
-            <a:off x="1229836" y="6122163"/>
+            <a:off x="2819400" y="6122163"/>
             <a:ext cx="3357535" cy="3836709"/>
             <a:chOff x="1229836" y="6122163"/>
             <a:chExt cx="3357535" cy="3836709"/>
@@ -13964,99 +17520,6 @@
           </p:spPr>
         </p:pic>
       </p:grpSp>
-      <p:grpSp>
-        <p:nvGrpSpPr>
-          <p:cNvPr id="1005" name="그룹 1005"/>
-          <p:cNvGrpSpPr/>
-          <p:nvPr/>
-        </p:nvGrpSpPr>
-        <p:grpSpPr>
-          <a:xfrm>
-            <a:off x="12540638" y="2342345"/>
-            <a:ext cx="4930895" cy="7659926"/>
-            <a:chOff x="12540638" y="2400300"/>
-            <a:chExt cx="4930895" cy="7659926"/>
-          </a:xfrm>
-        </p:grpSpPr>
-        <p:grpSp>
-          <p:nvGrpSpPr>
-            <p:cNvPr id="1006" name="그룹 1006"/>
-            <p:cNvGrpSpPr/>
-            <p:nvPr/>
-          </p:nvGrpSpPr>
-          <p:grpSpPr>
-            <a:xfrm>
-              <a:off x="12594350" y="6125624"/>
-              <a:ext cx="3428345" cy="3934602"/>
-              <a:chOff x="12594350" y="6125624"/>
-              <a:chExt cx="3428345" cy="3934602"/>
-            </a:xfrm>
-          </p:grpSpPr>
-          <p:pic>
-            <p:nvPicPr>
-              <p:cNvPr id="18" name="Object 17"/>
-              <p:cNvPicPr>
-                <a:picLocks noChangeAspect="1"/>
-              </p:cNvPicPr>
-              <p:nvPr/>
-            </p:nvPicPr>
-            <p:blipFill>
-              <a:blip r:embed="rId7" cstate="print"/>
-              <a:stretch>
-                <a:fillRect/>
-              </a:stretch>
-            </p:blipFill>
-            <p:spPr>
-              <a:xfrm>
-                <a:off x="12594350" y="6125624"/>
-                <a:ext cx="3428345" cy="3934602"/>
-              </a:xfrm>
-              <a:prstGeom prst="rect">
-                <a:avLst/>
-              </a:prstGeom>
-            </p:spPr>
-          </p:pic>
-        </p:grpSp>
-        <p:grpSp>
-          <p:nvGrpSpPr>
-            <p:cNvPr id="1007" name="그룹 1007"/>
-            <p:cNvGrpSpPr/>
-            <p:nvPr/>
-          </p:nvGrpSpPr>
-          <p:grpSpPr>
-            <a:xfrm>
-              <a:off x="12540638" y="2400300"/>
-              <a:ext cx="4930895" cy="3934602"/>
-              <a:chOff x="12540638" y="2400300"/>
-              <a:chExt cx="4930895" cy="3934602"/>
-            </a:xfrm>
-          </p:grpSpPr>
-          <p:pic>
-            <p:nvPicPr>
-              <p:cNvPr id="21" name="Object 20"/>
-              <p:cNvPicPr>
-                <a:picLocks noChangeAspect="1"/>
-              </p:cNvPicPr>
-              <p:nvPr/>
-            </p:nvPicPr>
-            <p:blipFill>
-              <a:blip r:embed="rId8" cstate="print"/>
-              <a:stretch>
-                <a:fillRect/>
-              </a:stretch>
-            </p:blipFill>
-            <p:spPr>
-              <a:xfrm>
-                <a:off x="12540638" y="2400300"/>
-                <a:ext cx="4930895" cy="3934602"/>
-              </a:xfrm>
-              <a:prstGeom prst="rect">
-                <a:avLst/>
-              </a:prstGeom>
-            </p:spPr>
-          </p:pic>
-        </p:grpSp>
-      </p:grpSp>
       <p:pic>
         <p:nvPicPr>
           <p:cNvPr id="25" name="Object 24"/>
@@ -14066,14 +17529,14 @@
           <p:nvPr/>
         </p:nvPicPr>
         <p:blipFill>
-          <a:blip r:embed="rId9" cstate="print"/>
+          <a:blip r:embed="rId7" cstate="print"/>
           <a:stretch>
             <a:fillRect/>
           </a:stretch>
         </p:blipFill>
         <p:spPr>
           <a:xfrm>
-            <a:off x="7092700" y="1634579"/>
+            <a:off x="6130858" y="1295721"/>
             <a:ext cx="4841942" cy="2095179"/>
           </a:xfrm>
           <a:prstGeom prst="rect">
@@ -14095,7 +17558,7 @@
         </p:nvSpPr>
         <p:spPr>
           <a:xfrm>
-            <a:off x="3952333" y="3687783"/>
+            <a:off x="5476333" y="3687783"/>
             <a:ext cx="2861681" cy="954107"/>
           </a:xfrm>
           <a:prstGeom prst="rect">
@@ -14125,52 +17588,6 @@
               <a:t>SNS</a:t>
             </a:r>
             <a:endParaRPr lang="ko-KR" altLang="en-US" sz="2800"/>
-          </a:p>
-        </p:txBody>
-      </p:sp>
-      <p:sp>
-        <p:nvSpPr>
-          <p:cNvPr id="19" name="TextBox 18">
-            <a:extLst>
-              <a:ext uri="{FF2B5EF4-FFF2-40B4-BE49-F238E27FC236}">
-                <a16:creationId xmlns:a16="http://schemas.microsoft.com/office/drawing/2014/main" id="{A229B77B-27F1-4B80-9739-595864A58396}"/>
-              </a:ext>
-            </a:extLst>
-          </p:cNvPr>
-          <p:cNvSpPr txBox="1"/>
-          <p:nvPr/>
-        </p:nvSpPr>
-        <p:spPr>
-          <a:xfrm>
-            <a:off x="14571869" y="3250900"/>
-            <a:ext cx="2347117" cy="954107"/>
-          </a:xfrm>
-          <a:prstGeom prst="rect">
-            <a:avLst/>
-          </a:prstGeom>
-          <a:noFill/>
-        </p:spPr>
-        <p:txBody>
-          <a:bodyPr wrap="none" lIns="91440" tIns="45720" rIns="91440" bIns="45720" rtlCol="0" anchor="t">
-            <a:spAutoFit/>
-          </a:bodyPr>
-          <a:lstStyle/>
-          <a:p>
-            <a:r>
-              <a:rPr lang="ko-KR" altLang="en-US" sz="2800"/>
-              <a:t>특정 분야의 </a:t>
-            </a:r>
-            <a:endParaRPr lang="en-US" altLang="ko-KR" sz="2800"/>
-          </a:p>
-          <a:p>
-            <a:r>
-              <a:rPr lang="ko-KR" altLang="en-US" sz="2800"/>
-              <a:t>심화적인</a:t>
-            </a:r>
-            <a:r>
-              <a:rPr lang="en-US" altLang="ko-KR" sz="2800"/>
-              <a:t> SNS</a:t>
-            </a:r>
           </a:p>
         </p:txBody>
       </p:sp>
@@ -14776,7 +18193,7 @@
         </p:blipFill>
         <p:spPr>
           <a:xfrm>
-            <a:off x="6209527" y="3254776"/>
+            <a:off x="5791200" y="3254776"/>
             <a:ext cx="5333813" cy="1649483"/>
           </a:xfrm>
           <a:prstGeom prst="rect">
@@ -14792,7 +18209,7 @@
         </p:nvGrpSpPr>
         <p:grpSpPr>
           <a:xfrm>
-            <a:off x="9129088" y="2750544"/>
+            <a:off x="8686800" y="2750544"/>
             <a:ext cx="514286" cy="425068"/>
             <a:chOff x="9129088" y="2750544"/>
             <a:chExt cx="514286" cy="425068"/>
@@ -14861,7 +18278,7 @@
         </p:nvSpPr>
         <p:spPr>
           <a:xfrm>
-            <a:off x="3802648" y="6790198"/>
+            <a:off x="5402848" y="6790198"/>
             <a:ext cx="14104352" cy="1569660"/>
           </a:xfrm>
           <a:prstGeom prst="rect">
@@ -14882,10 +18299,30 @@
               <a:t>=</a:t>
             </a:r>
             <a:r>
-              <a:rPr lang="en-US" altLang="ko-KR" sz="9600" b="1" err="1">
+              <a:rPr lang="ko-KR" altLang="en-US" sz="9600" b="1" i="0">
+                <a:solidFill>
+                  <a:srgbClr val="212529"/>
+                </a:solidFill>
+                <a:effectLst/>
+                <a:latin typeface="Arial Rounded MT Bold" panose="020F0704030504030204" pitchFamily="34" charset="0"/>
+              </a:rPr>
+              <a:t> 同</a:t>
+            </a:r>
+            <a:r>
+              <a:rPr lang="ko-KR" altLang="en-US" sz="800" b="1" i="0">
+                <a:solidFill>
+                  <a:srgbClr val="212529"/>
+                </a:solidFill>
+                <a:effectLst/>
+                <a:latin typeface="Arial Rounded MT Bold" panose="020F0704030504030204" pitchFamily="34" charset="0"/>
+              </a:rPr>
+              <a:t> </a:t>
+            </a:r>
+            <a:r>
+              <a:rPr lang="en-US" altLang="ko-KR" sz="9600" b="1">
                 <a:latin typeface="Arial Rounded MT Bold"/>
               </a:rPr>
-              <a:t>Dongstagram</a:t>
+              <a:t>stagram</a:t>
             </a:r>
             <a:endParaRPr lang="ko-KR" altLang="en-US" sz="9600" b="1">
               <a:latin typeface="Arial Rounded MT Bold"/>
@@ -14922,22 +18359,33 @@
           <a:lstStyle/>
           <a:p>
             <a:r>
+              <a:rPr lang="en-US" altLang="ko-KR" sz="9600" b="1" i="0">
+                <a:solidFill>
+                  <a:srgbClr val="3DC2F2"/>
+                </a:solidFill>
+                <a:effectLst/>
+                <a:latin typeface="Arial Rounded MT Bold"/>
+              </a:rPr>
+              <a:t>			</a:t>
+            </a:r>
+            <a:r>
               <a:rPr lang="en-US" altLang="ko-KR" sz="9600" b="1">
                 <a:solidFill>
                   <a:srgbClr val="3DC2F2"/>
                 </a:solidFill>
                 <a:latin typeface="Arial Rounded MT Bold"/>
               </a:rPr>
-              <a:t>Dong</a:t>
-            </a:r>
-            <a:r>
-              <a:rPr lang="en-US" altLang="ko-KR" sz="9600" b="1">
-                <a:solidFill>
-                  <a:srgbClr val="000000"/>
-                </a:solidFill>
-                <a:latin typeface="Arial Rounded MT Bold"/>
-              </a:rPr>
-              <a:t>ill</a:t>
+              <a:t> </a:t>
+            </a:r>
+            <a:r>
+              <a:rPr lang="ko-KR" altLang="en-US" sz="9600" b="1" i="0">
+                <a:solidFill>
+                  <a:srgbClr val="3DC2F2"/>
+                </a:solidFill>
+                <a:effectLst/>
+                <a:latin typeface="Arial Rounded MT Bold" panose="020F0704030504030204" pitchFamily="34" charset="0"/>
+              </a:rPr>
+              <a:t>同</a:t>
             </a:r>
             <a:r>
               <a:rPr lang="en-US" altLang="ko-KR" sz="9600" b="1">
